--- a/modulos/fundamentos-optimizacion-para-ml/notebooks/assets/aprendizaje.pptx
+++ b/modulos/fundamentos-optimizacion-para-ml/notebooks/assets/aprendizaje.pptx
@@ -8,9 +8,14 @@
     <p:sldId id="256" r:id="rId2"/>
     <p:sldId id="257" r:id="rId3"/>
     <p:sldId id="258" r:id="rId4"/>
-    <p:sldId id="259" r:id="rId5"/>
-    <p:sldId id="260" r:id="rId6"/>
-    <p:sldId id="261" r:id="rId7"/>
+    <p:sldId id="263" r:id="rId5"/>
+    <p:sldId id="259" r:id="rId6"/>
+    <p:sldId id="260" r:id="rId7"/>
+    <p:sldId id="261" r:id="rId8"/>
+    <p:sldId id="262" r:id="rId9"/>
+    <p:sldId id="264" r:id="rId10"/>
+    <p:sldId id="265" r:id="rId11"/>
+    <p:sldId id="266" r:id="rId12"/>
   </p:sldIdLst>
   <p:sldSz cx="12192000" cy="6858000"/>
   <p:notesSz cx="6858000" cy="9144000"/>
@@ -266,7 +271,7 @@
           <a:p>
             <a:fld id="{670763E0-D407-4744-8096-8274544ABEC9}" type="datetimeFigureOut">
               <a:rPr lang="es-CO" smtClean="0"/>
-              <a:t>25/03/21</a:t>
+              <a:t>2/05/23</a:t>
             </a:fld>
             <a:endParaRPr lang="es-CO"/>
           </a:p>
@@ -466,7 +471,7 @@
           <a:p>
             <a:fld id="{670763E0-D407-4744-8096-8274544ABEC9}" type="datetimeFigureOut">
               <a:rPr lang="es-CO" smtClean="0"/>
-              <a:t>25/03/21</a:t>
+              <a:t>2/05/23</a:t>
             </a:fld>
             <a:endParaRPr lang="es-CO"/>
           </a:p>
@@ -676,7 +681,7 @@
           <a:p>
             <a:fld id="{670763E0-D407-4744-8096-8274544ABEC9}" type="datetimeFigureOut">
               <a:rPr lang="es-CO" smtClean="0"/>
-              <a:t>25/03/21</a:t>
+              <a:t>2/05/23</a:t>
             </a:fld>
             <a:endParaRPr lang="es-CO"/>
           </a:p>
@@ -876,7 +881,7 @@
           <a:p>
             <a:fld id="{670763E0-D407-4744-8096-8274544ABEC9}" type="datetimeFigureOut">
               <a:rPr lang="es-CO" smtClean="0"/>
-              <a:t>25/03/21</a:t>
+              <a:t>2/05/23</a:t>
             </a:fld>
             <a:endParaRPr lang="es-CO"/>
           </a:p>
@@ -1152,7 +1157,7 @@
           <a:p>
             <a:fld id="{670763E0-D407-4744-8096-8274544ABEC9}" type="datetimeFigureOut">
               <a:rPr lang="es-CO" smtClean="0"/>
-              <a:t>25/03/21</a:t>
+              <a:t>2/05/23</a:t>
             </a:fld>
             <a:endParaRPr lang="es-CO"/>
           </a:p>
@@ -1420,7 +1425,7 @@
           <a:p>
             <a:fld id="{670763E0-D407-4744-8096-8274544ABEC9}" type="datetimeFigureOut">
               <a:rPr lang="es-CO" smtClean="0"/>
-              <a:t>25/03/21</a:t>
+              <a:t>2/05/23</a:t>
             </a:fld>
             <a:endParaRPr lang="es-CO"/>
           </a:p>
@@ -1835,7 +1840,7 @@
           <a:p>
             <a:fld id="{670763E0-D407-4744-8096-8274544ABEC9}" type="datetimeFigureOut">
               <a:rPr lang="es-CO" smtClean="0"/>
-              <a:t>25/03/21</a:t>
+              <a:t>2/05/23</a:t>
             </a:fld>
             <a:endParaRPr lang="es-CO"/>
           </a:p>
@@ -1977,7 +1982,7 @@
           <a:p>
             <a:fld id="{670763E0-D407-4744-8096-8274544ABEC9}" type="datetimeFigureOut">
               <a:rPr lang="es-CO" smtClean="0"/>
-              <a:t>25/03/21</a:t>
+              <a:t>2/05/23</a:t>
             </a:fld>
             <a:endParaRPr lang="es-CO"/>
           </a:p>
@@ -2090,7 +2095,7 @@
           <a:p>
             <a:fld id="{670763E0-D407-4744-8096-8274544ABEC9}" type="datetimeFigureOut">
               <a:rPr lang="es-CO" smtClean="0"/>
-              <a:t>25/03/21</a:t>
+              <a:t>2/05/23</a:t>
             </a:fld>
             <a:endParaRPr lang="es-CO"/>
           </a:p>
@@ -2403,7 +2408,7 @@
           <a:p>
             <a:fld id="{670763E0-D407-4744-8096-8274544ABEC9}" type="datetimeFigureOut">
               <a:rPr lang="es-CO" smtClean="0"/>
-              <a:t>25/03/21</a:t>
+              <a:t>2/05/23</a:t>
             </a:fld>
             <a:endParaRPr lang="es-CO"/>
           </a:p>
@@ -2692,7 +2697,7 @@
           <a:p>
             <a:fld id="{670763E0-D407-4744-8096-8274544ABEC9}" type="datetimeFigureOut">
               <a:rPr lang="es-CO" smtClean="0"/>
-              <a:t>25/03/21</a:t>
+              <a:t>2/05/23</a:t>
             </a:fld>
             <a:endParaRPr lang="es-CO"/>
           </a:p>
@@ -2935,7 +2940,7 @@
           <a:p>
             <a:fld id="{670763E0-D407-4744-8096-8274544ABEC9}" type="datetimeFigureOut">
               <a:rPr lang="es-CO" smtClean="0"/>
-              <a:t>25/03/21</a:t>
+              <a:t>2/05/23</a:t>
             </a:fld>
             <a:endParaRPr lang="es-CO"/>
           </a:p>
@@ -4434,6 +4439,2236 @@
 </p:sld>
 </file>
 
+<file path=ppt/slides/slide10.xml><?xml version="1.0" encoding="utf-8"?>
+<p:sld xmlns:a="http://schemas.openxmlformats.org/drawingml/2006/main" xmlns:r="http://schemas.openxmlformats.org/officeDocument/2006/relationships" xmlns:p="http://schemas.openxmlformats.org/presentationml/2006/main">
+  <p:cSld>
+    <p:spTree>
+      <p:nvGrpSpPr>
+        <p:cNvPr id="1" name=""/>
+        <p:cNvGrpSpPr/>
+        <p:nvPr/>
+      </p:nvGrpSpPr>
+      <p:grpSpPr>
+        <a:xfrm>
+          <a:off x="0" y="0"/>
+          <a:ext cx="0" cy="0"/>
+          <a:chOff x="0" y="0"/>
+          <a:chExt cx="0" cy="0"/>
+        </a:xfrm>
+      </p:grpSpPr>
+      <p:grpSp>
+        <p:nvGrpSpPr>
+          <p:cNvPr id="22" name="Grupo 21">
+            <a:extLst>
+              <a:ext uri="{FF2B5EF4-FFF2-40B4-BE49-F238E27FC236}">
+                <a16:creationId xmlns:a16="http://schemas.microsoft.com/office/drawing/2014/main" id="{1DE533AC-E719-1E7E-4D17-66053A1E9F73}"/>
+              </a:ext>
+            </a:extLst>
+          </p:cNvPr>
+          <p:cNvGrpSpPr/>
+          <p:nvPr/>
+        </p:nvGrpSpPr>
+        <p:grpSpPr>
+          <a:xfrm>
+            <a:off x="3195127" y="1918010"/>
+            <a:ext cx="5801746" cy="3406151"/>
+            <a:chOff x="2306629" y="1494263"/>
+            <a:chExt cx="5801746" cy="3406151"/>
+          </a:xfrm>
+        </p:grpSpPr>
+        <p:cxnSp>
+          <p:nvCxnSpPr>
+            <p:cNvPr id="5" name="Conector recto de flecha 4">
+              <a:extLst>
+                <a:ext uri="{FF2B5EF4-FFF2-40B4-BE49-F238E27FC236}">
+                  <a16:creationId xmlns:a16="http://schemas.microsoft.com/office/drawing/2014/main" id="{A566F85F-84AB-EB48-89B6-73ADB3E22D79}"/>
+                </a:ext>
+              </a:extLst>
+            </p:cNvPr>
+            <p:cNvCxnSpPr>
+              <a:cxnSpLocks/>
+            </p:cNvCxnSpPr>
+            <p:nvPr/>
+          </p:nvCxnSpPr>
+          <p:spPr>
+            <a:xfrm flipV="1">
+              <a:off x="4057489" y="1494263"/>
+              <a:ext cx="0" cy="3078175"/>
+            </a:xfrm>
+            <a:prstGeom prst="straightConnector1">
+              <a:avLst/>
+            </a:prstGeom>
+            <a:ln w="15875">
+              <a:solidFill>
+                <a:schemeClr val="tx1"/>
+              </a:solidFill>
+              <a:tailEnd type="stealth"/>
+            </a:ln>
+          </p:spPr>
+          <p:style>
+            <a:lnRef idx="1">
+              <a:schemeClr val="accent1"/>
+            </a:lnRef>
+            <a:fillRef idx="0">
+              <a:schemeClr val="accent1"/>
+            </a:fillRef>
+            <a:effectRef idx="0">
+              <a:schemeClr val="accent1"/>
+            </a:effectRef>
+            <a:fontRef idx="minor">
+              <a:schemeClr val="tx1"/>
+            </a:fontRef>
+          </p:style>
+        </p:cxnSp>
+        <p:cxnSp>
+          <p:nvCxnSpPr>
+            <p:cNvPr id="6" name="Conector recto de flecha 5">
+              <a:extLst>
+                <a:ext uri="{FF2B5EF4-FFF2-40B4-BE49-F238E27FC236}">
+                  <a16:creationId xmlns:a16="http://schemas.microsoft.com/office/drawing/2014/main" id="{2ADD708A-75EF-8742-B902-195864F7A382}"/>
+                </a:ext>
+              </a:extLst>
+            </p:cNvPr>
+            <p:cNvCxnSpPr>
+              <a:cxnSpLocks/>
+            </p:cNvCxnSpPr>
+            <p:nvPr/>
+          </p:nvCxnSpPr>
+          <p:spPr>
+            <a:xfrm>
+              <a:off x="3876257" y="4391205"/>
+              <a:ext cx="4232118" cy="0"/>
+            </a:xfrm>
+            <a:prstGeom prst="straightConnector1">
+              <a:avLst/>
+            </a:prstGeom>
+            <a:ln w="15875">
+              <a:solidFill>
+                <a:schemeClr val="tx1"/>
+              </a:solidFill>
+              <a:tailEnd type="stealth"/>
+            </a:ln>
+          </p:spPr>
+          <p:style>
+            <a:lnRef idx="1">
+              <a:schemeClr val="accent1"/>
+            </a:lnRef>
+            <a:fillRef idx="0">
+              <a:schemeClr val="accent1"/>
+            </a:fillRef>
+            <a:effectRef idx="0">
+              <a:schemeClr val="accent1"/>
+            </a:effectRef>
+            <a:fontRef idx="minor">
+              <a:schemeClr val="tx1"/>
+            </a:fontRef>
+          </p:style>
+        </p:cxnSp>
+        <mc:AlternateContent xmlns:mc="http://schemas.openxmlformats.org/markup-compatibility/2006">
+          <mc:Choice xmlns:a14="http://schemas.microsoft.com/office/drawing/2010/main" Requires="a14">
+            <p:sp>
+              <p:nvSpPr>
+                <p:cNvPr id="17" name="CuadroTexto 16">
+                  <a:extLst>
+                    <a:ext uri="{FF2B5EF4-FFF2-40B4-BE49-F238E27FC236}">
+                      <a16:creationId xmlns:a16="http://schemas.microsoft.com/office/drawing/2014/main" id="{6ACBEAF1-4D06-B046-B521-86EE34638994}"/>
+                    </a:ext>
+                  </a:extLst>
+                </p:cNvPr>
+                <p:cNvSpPr txBox="1"/>
+                <p:nvPr/>
+              </p:nvSpPr>
+              <p:spPr>
+                <a:xfrm>
+                  <a:off x="5589601" y="1525379"/>
+                  <a:ext cx="1443344" cy="369332"/>
+                </a:xfrm>
+                <a:prstGeom prst="rect">
+                  <a:avLst/>
+                </a:prstGeom>
+                <a:noFill/>
+              </p:spPr>
+              <p:txBody>
+                <a:bodyPr wrap="none" rtlCol="0">
+                  <a:spAutoFit/>
+                </a:bodyPr>
+                <a:lstStyle/>
+                <a:p>
+                  <a:pPr/>
+                  <a14:m>
+                    <m:oMathPara xmlns:m="http://schemas.openxmlformats.org/officeDocument/2006/math">
+                      <m:oMathParaPr>
+                        <m:jc m:val="centerGroup"/>
+                      </m:oMathParaPr>
+                      <m:oMath xmlns:m="http://schemas.openxmlformats.org/officeDocument/2006/math">
+                        <m:sSub>
+                          <m:sSubPr>
+                            <m:ctrlPr>
+                              <a:rPr lang="es-ES" b="0" i="1" smtClean="0">
+                                <a:latin typeface="Cambria Math" panose="02040503050406030204" pitchFamily="18" charset="0"/>
+                              </a:rPr>
+                            </m:ctrlPr>
+                          </m:sSubPr>
+                          <m:e>
+                            <m:r>
+                              <a:rPr lang="es-ES" b="0" i="1" smtClean="0">
+                                <a:latin typeface="Cambria Math" panose="02040503050406030204" pitchFamily="18" charset="0"/>
+                              </a:rPr>
+                              <m:t>𝑦</m:t>
+                            </m:r>
+                          </m:e>
+                          <m:sub>
+                            <m:r>
+                              <a:rPr lang="es-ES" b="0" i="1" smtClean="0">
+                                <a:latin typeface="Cambria Math" panose="02040503050406030204" pitchFamily="18" charset="0"/>
+                              </a:rPr>
+                              <m:t>𝑘</m:t>
+                            </m:r>
+                          </m:sub>
+                        </m:sSub>
+                        <m:r>
+                          <a:rPr lang="es-ES" b="0" i="1" smtClean="0">
+                            <a:latin typeface="Cambria Math" panose="02040503050406030204" pitchFamily="18" charset="0"/>
+                          </a:rPr>
+                          <m:t>=</m:t>
+                        </m:r>
+                        <m:r>
+                          <a:rPr lang="es-ES" b="0" i="1" smtClean="0">
+                            <a:latin typeface="Cambria Math" panose="02040503050406030204" pitchFamily="18" charset="0"/>
+                          </a:rPr>
+                          <m:t>𝑎𝑥</m:t>
+                        </m:r>
+                        <m:r>
+                          <a:rPr lang="es-ES" b="0" i="1" smtClean="0">
+                            <a:latin typeface="Cambria Math" panose="02040503050406030204" pitchFamily="18" charset="0"/>
+                          </a:rPr>
+                          <m:t>+</m:t>
+                        </m:r>
+                        <m:r>
+                          <a:rPr lang="es-ES" b="0" i="1" smtClean="0">
+                            <a:latin typeface="Cambria Math" panose="02040503050406030204" pitchFamily="18" charset="0"/>
+                          </a:rPr>
+                          <m:t>𝑏</m:t>
+                        </m:r>
+                      </m:oMath>
+                    </m:oMathPara>
+                  </a14:m>
+                  <a:endParaRPr lang="es-CO" dirty="0"/>
+                </a:p>
+              </p:txBody>
+            </p:sp>
+          </mc:Choice>
+          <mc:Fallback>
+            <p:sp>
+              <p:nvSpPr>
+                <p:cNvPr id="17" name="CuadroTexto 16">
+                  <a:extLst>
+                    <a:ext uri="{FF2B5EF4-FFF2-40B4-BE49-F238E27FC236}">
+                      <a16:creationId xmlns:a16="http://schemas.microsoft.com/office/drawing/2014/main" id="{6ACBEAF1-4D06-B046-B521-86EE34638994}"/>
+                    </a:ext>
+                  </a:extLst>
+                </p:cNvPr>
+                <p:cNvSpPr txBox="1">
+                  <a:spLocks noRot="1" noChangeAspect="1" noMove="1" noResize="1" noEditPoints="1" noAdjustHandles="1" noChangeArrowheads="1" noChangeShapeType="1" noTextEdit="1"/>
+                </p:cNvSpPr>
+                <p:nvPr/>
+              </p:nvSpPr>
+              <p:spPr>
+                <a:xfrm>
+                  <a:off x="5589601" y="1525379"/>
+                  <a:ext cx="1443344" cy="369332"/>
+                </a:xfrm>
+                <a:prstGeom prst="rect">
+                  <a:avLst/>
+                </a:prstGeom>
+                <a:blipFill>
+                  <a:blip r:embed="rId2"/>
+                  <a:stretch>
+                    <a:fillRect b="-6667"/>
+                  </a:stretch>
+                </a:blipFill>
+              </p:spPr>
+              <p:txBody>
+                <a:bodyPr/>
+                <a:lstStyle/>
+                <a:p>
+                  <a:r>
+                    <a:rPr lang="es-CO">
+                      <a:noFill/>
+                    </a:rPr>
+                    <a:t> </a:t>
+                  </a:r>
+                </a:p>
+              </p:txBody>
+            </p:sp>
+          </mc:Fallback>
+        </mc:AlternateContent>
+        <p:cxnSp>
+          <p:nvCxnSpPr>
+            <p:cNvPr id="3" name="Conector recto 2">
+              <a:extLst>
+                <a:ext uri="{FF2B5EF4-FFF2-40B4-BE49-F238E27FC236}">
+                  <a16:creationId xmlns:a16="http://schemas.microsoft.com/office/drawing/2014/main" id="{8256C2B1-85BB-EAB8-BBCD-1D0782A44136}"/>
+                </a:ext>
+              </a:extLst>
+            </p:cNvPr>
+            <p:cNvCxnSpPr>
+              <a:cxnSpLocks/>
+            </p:cNvCxnSpPr>
+            <p:nvPr/>
+          </p:nvCxnSpPr>
+          <p:spPr>
+            <a:xfrm flipV="1">
+              <a:off x="3876257" y="1894711"/>
+              <a:ext cx="3015197" cy="2119728"/>
+            </a:xfrm>
+            <a:prstGeom prst="line">
+              <a:avLst/>
+            </a:prstGeom>
+            <a:ln w="25400">
+              <a:solidFill>
+                <a:schemeClr val="tx1"/>
+              </a:solidFill>
+            </a:ln>
+          </p:spPr>
+          <p:style>
+            <a:lnRef idx="1">
+              <a:schemeClr val="accent1"/>
+            </a:lnRef>
+            <a:fillRef idx="0">
+              <a:schemeClr val="accent1"/>
+            </a:fillRef>
+            <a:effectRef idx="0">
+              <a:schemeClr val="accent1"/>
+            </a:effectRef>
+            <a:fontRef idx="minor">
+              <a:schemeClr val="tx1"/>
+            </a:fontRef>
+          </p:style>
+        </p:cxnSp>
+        <p:cxnSp>
+          <p:nvCxnSpPr>
+            <p:cNvPr id="8" name="Conector recto 7">
+              <a:extLst>
+                <a:ext uri="{FF2B5EF4-FFF2-40B4-BE49-F238E27FC236}">
+                  <a16:creationId xmlns:a16="http://schemas.microsoft.com/office/drawing/2014/main" id="{D80802AF-C3E9-9716-9711-91C90EA8CC88}"/>
+                </a:ext>
+              </a:extLst>
+            </p:cNvPr>
+            <p:cNvCxnSpPr>
+              <a:cxnSpLocks/>
+            </p:cNvCxnSpPr>
+            <p:nvPr/>
+          </p:nvCxnSpPr>
+          <p:spPr>
+            <a:xfrm>
+              <a:off x="3876257" y="3410524"/>
+              <a:ext cx="1118081" cy="0"/>
+            </a:xfrm>
+            <a:prstGeom prst="line">
+              <a:avLst/>
+            </a:prstGeom>
+            <a:ln w="12700">
+              <a:solidFill>
+                <a:schemeClr val="tx1"/>
+              </a:solidFill>
+              <a:prstDash val="dash"/>
+            </a:ln>
+          </p:spPr>
+          <p:style>
+            <a:lnRef idx="1">
+              <a:schemeClr val="accent1"/>
+            </a:lnRef>
+            <a:fillRef idx="0">
+              <a:schemeClr val="accent1"/>
+            </a:fillRef>
+            <a:effectRef idx="0">
+              <a:schemeClr val="accent1"/>
+            </a:effectRef>
+            <a:fontRef idx="minor">
+              <a:schemeClr val="tx1"/>
+            </a:fontRef>
+          </p:style>
+        </p:cxnSp>
+        <p:cxnSp>
+          <p:nvCxnSpPr>
+            <p:cNvPr id="10" name="Conector recto 9">
+              <a:extLst>
+                <a:ext uri="{FF2B5EF4-FFF2-40B4-BE49-F238E27FC236}">
+                  <a16:creationId xmlns:a16="http://schemas.microsoft.com/office/drawing/2014/main" id="{706787A6-BD9C-2BB8-5A13-70D77CE2F334}"/>
+                </a:ext>
+              </a:extLst>
+            </p:cNvPr>
+            <p:cNvCxnSpPr>
+              <a:cxnSpLocks/>
+            </p:cNvCxnSpPr>
+            <p:nvPr/>
+          </p:nvCxnSpPr>
+          <p:spPr>
+            <a:xfrm>
+              <a:off x="3876257" y="2347441"/>
+              <a:ext cx="2725265" cy="0"/>
+            </a:xfrm>
+            <a:prstGeom prst="line">
+              <a:avLst/>
+            </a:prstGeom>
+            <a:ln w="12700">
+              <a:solidFill>
+                <a:schemeClr val="tx1"/>
+              </a:solidFill>
+              <a:prstDash val="dash"/>
+            </a:ln>
+          </p:spPr>
+          <p:style>
+            <a:lnRef idx="1">
+              <a:schemeClr val="accent1"/>
+            </a:lnRef>
+            <a:fillRef idx="0">
+              <a:schemeClr val="accent1"/>
+            </a:fillRef>
+            <a:effectRef idx="0">
+              <a:schemeClr val="accent1"/>
+            </a:effectRef>
+            <a:fontRef idx="minor">
+              <a:schemeClr val="tx1"/>
+            </a:fontRef>
+          </p:style>
+        </p:cxnSp>
+        <p:cxnSp>
+          <p:nvCxnSpPr>
+            <p:cNvPr id="12" name="Conector recto 11">
+              <a:extLst>
+                <a:ext uri="{FF2B5EF4-FFF2-40B4-BE49-F238E27FC236}">
+                  <a16:creationId xmlns:a16="http://schemas.microsoft.com/office/drawing/2014/main" id="{421F8669-498A-82B7-603F-EE0F5CF77C4E}"/>
+                </a:ext>
+              </a:extLst>
+            </p:cNvPr>
+            <p:cNvCxnSpPr>
+              <a:cxnSpLocks/>
+            </p:cNvCxnSpPr>
+            <p:nvPr/>
+          </p:nvCxnSpPr>
+          <p:spPr>
+            <a:xfrm>
+              <a:off x="4735576" y="3307702"/>
+              <a:ext cx="0" cy="1264736"/>
+            </a:xfrm>
+            <a:prstGeom prst="line">
+              <a:avLst/>
+            </a:prstGeom>
+            <a:ln w="12700">
+              <a:solidFill>
+                <a:schemeClr val="tx1"/>
+              </a:solidFill>
+              <a:prstDash val="dash"/>
+            </a:ln>
+          </p:spPr>
+          <p:style>
+            <a:lnRef idx="1">
+              <a:schemeClr val="accent1"/>
+            </a:lnRef>
+            <a:fillRef idx="0">
+              <a:schemeClr val="accent1"/>
+            </a:fillRef>
+            <a:effectRef idx="0">
+              <a:schemeClr val="accent1"/>
+            </a:effectRef>
+            <a:fontRef idx="minor">
+              <a:schemeClr val="tx1"/>
+            </a:fontRef>
+          </p:style>
+        </p:cxnSp>
+        <p:cxnSp>
+          <p:nvCxnSpPr>
+            <p:cNvPr id="14" name="Conector recto 13">
+              <a:extLst>
+                <a:ext uri="{FF2B5EF4-FFF2-40B4-BE49-F238E27FC236}">
+                  <a16:creationId xmlns:a16="http://schemas.microsoft.com/office/drawing/2014/main" id="{4FC4F904-D2EA-2CA4-28CE-9A9A6FCCD90D}"/>
+                </a:ext>
+              </a:extLst>
+            </p:cNvPr>
+            <p:cNvCxnSpPr>
+              <a:cxnSpLocks/>
+            </p:cNvCxnSpPr>
+            <p:nvPr/>
+          </p:nvCxnSpPr>
+          <p:spPr>
+            <a:xfrm>
+              <a:off x="6237274" y="2164264"/>
+              <a:ext cx="0" cy="2408174"/>
+            </a:xfrm>
+            <a:prstGeom prst="line">
+              <a:avLst/>
+            </a:prstGeom>
+            <a:ln w="12700">
+              <a:solidFill>
+                <a:schemeClr val="tx1"/>
+              </a:solidFill>
+              <a:prstDash val="dash"/>
+            </a:ln>
+          </p:spPr>
+          <p:style>
+            <a:lnRef idx="1">
+              <a:schemeClr val="accent1"/>
+            </a:lnRef>
+            <a:fillRef idx="0">
+              <a:schemeClr val="accent1"/>
+            </a:fillRef>
+            <a:effectRef idx="0">
+              <a:schemeClr val="accent1"/>
+            </a:effectRef>
+            <a:fontRef idx="minor">
+              <a:schemeClr val="tx1"/>
+            </a:fontRef>
+          </p:style>
+        </p:cxnSp>
+        <mc:AlternateContent xmlns:mc="http://schemas.openxmlformats.org/markup-compatibility/2006">
+          <mc:Choice xmlns:a14="http://schemas.microsoft.com/office/drawing/2010/main" Requires="a14">
+            <p:sp>
+              <p:nvSpPr>
+                <p:cNvPr id="16" name="CuadroTexto 15">
+                  <a:extLst>
+                    <a:ext uri="{FF2B5EF4-FFF2-40B4-BE49-F238E27FC236}">
+                      <a16:creationId xmlns:a16="http://schemas.microsoft.com/office/drawing/2014/main" id="{FDB9C5DE-9A9D-8142-CFF1-637B4A1F1BA7}"/>
+                    </a:ext>
+                  </a:extLst>
+                </p:cNvPr>
+                <p:cNvSpPr txBox="1"/>
+                <p:nvPr/>
+              </p:nvSpPr>
+              <p:spPr>
+                <a:xfrm>
+                  <a:off x="4527396" y="4505063"/>
+                  <a:ext cx="475836" cy="369332"/>
+                </a:xfrm>
+                <a:prstGeom prst="rect">
+                  <a:avLst/>
+                </a:prstGeom>
+                <a:noFill/>
+              </p:spPr>
+              <p:txBody>
+                <a:bodyPr wrap="none" rtlCol="0">
+                  <a:spAutoFit/>
+                </a:bodyPr>
+                <a:lstStyle/>
+                <a:p>
+                  <a:pPr/>
+                  <a14:m>
+                    <m:oMathPara xmlns:m="http://schemas.openxmlformats.org/officeDocument/2006/math">
+                      <m:oMathParaPr>
+                        <m:jc m:val="centerGroup"/>
+                      </m:oMathParaPr>
+                      <m:oMath xmlns:m="http://schemas.openxmlformats.org/officeDocument/2006/math">
+                        <m:sSub>
+                          <m:sSubPr>
+                            <m:ctrlPr>
+                              <a:rPr lang="es-ES" b="0" i="1" smtClean="0">
+                                <a:latin typeface="Cambria Math" panose="02040503050406030204" pitchFamily="18" charset="0"/>
+                              </a:rPr>
+                            </m:ctrlPr>
+                          </m:sSubPr>
+                          <m:e>
+                            <m:r>
+                              <a:rPr lang="es-ES" b="0" i="1" smtClean="0">
+                                <a:latin typeface="Cambria Math" panose="02040503050406030204" pitchFamily="18" charset="0"/>
+                              </a:rPr>
+                              <m:t>𝑥</m:t>
+                            </m:r>
+                          </m:e>
+                          <m:sub>
+                            <m:r>
+                              <a:rPr lang="es-ES" b="0" i="1" smtClean="0">
+                                <a:latin typeface="Cambria Math" panose="02040503050406030204" pitchFamily="18" charset="0"/>
+                              </a:rPr>
+                              <m:t>𝑘</m:t>
+                            </m:r>
+                          </m:sub>
+                        </m:sSub>
+                      </m:oMath>
+                    </m:oMathPara>
+                  </a14:m>
+                  <a:endParaRPr lang="es-CO" dirty="0"/>
+                </a:p>
+              </p:txBody>
+            </p:sp>
+          </mc:Choice>
+          <mc:Fallback>
+            <p:sp>
+              <p:nvSpPr>
+                <p:cNvPr id="16" name="CuadroTexto 15">
+                  <a:extLst>
+                    <a:ext uri="{FF2B5EF4-FFF2-40B4-BE49-F238E27FC236}">
+                      <a16:creationId xmlns:a16="http://schemas.microsoft.com/office/drawing/2014/main" id="{FDB9C5DE-9A9D-8142-CFF1-637B4A1F1BA7}"/>
+                    </a:ext>
+                  </a:extLst>
+                </p:cNvPr>
+                <p:cNvSpPr txBox="1">
+                  <a:spLocks noRot="1" noChangeAspect="1" noMove="1" noResize="1" noEditPoints="1" noAdjustHandles="1" noChangeArrowheads="1" noChangeShapeType="1" noTextEdit="1"/>
+                </p:cNvSpPr>
+                <p:nvPr/>
+              </p:nvSpPr>
+              <p:spPr>
+                <a:xfrm>
+                  <a:off x="4527396" y="4505063"/>
+                  <a:ext cx="475836" cy="369332"/>
+                </a:xfrm>
+                <a:prstGeom prst="rect">
+                  <a:avLst/>
+                </a:prstGeom>
+                <a:blipFill>
+                  <a:blip r:embed="rId3"/>
+                  <a:stretch>
+                    <a:fillRect/>
+                  </a:stretch>
+                </a:blipFill>
+              </p:spPr>
+              <p:txBody>
+                <a:bodyPr/>
+                <a:lstStyle/>
+                <a:p>
+                  <a:r>
+                    <a:rPr lang="es-CO">
+                      <a:noFill/>
+                    </a:rPr>
+                    <a:t> </a:t>
+                  </a:r>
+                </a:p>
+              </p:txBody>
+            </p:sp>
+          </mc:Fallback>
+        </mc:AlternateContent>
+        <mc:AlternateContent xmlns:mc="http://schemas.openxmlformats.org/markup-compatibility/2006">
+          <mc:Choice xmlns:a14="http://schemas.microsoft.com/office/drawing/2010/main" Requires="a14">
+            <p:sp>
+              <p:nvSpPr>
+                <p:cNvPr id="18" name="CuadroTexto 17">
+                  <a:extLst>
+                    <a:ext uri="{FF2B5EF4-FFF2-40B4-BE49-F238E27FC236}">
+                      <a16:creationId xmlns:a16="http://schemas.microsoft.com/office/drawing/2014/main" id="{850B56D0-BF12-F9C9-A58D-34FACA0E4CCE}"/>
+                    </a:ext>
+                  </a:extLst>
+                </p:cNvPr>
+                <p:cNvSpPr txBox="1"/>
+                <p:nvPr/>
+              </p:nvSpPr>
+              <p:spPr>
+                <a:xfrm>
+                  <a:off x="5992316" y="4531082"/>
+                  <a:ext cx="695447" cy="369332"/>
+                </a:xfrm>
+                <a:prstGeom prst="rect">
+                  <a:avLst/>
+                </a:prstGeom>
+                <a:noFill/>
+              </p:spPr>
+              <p:txBody>
+                <a:bodyPr wrap="none" rtlCol="0">
+                  <a:spAutoFit/>
+                </a:bodyPr>
+                <a:lstStyle/>
+                <a:p>
+                  <a:pPr/>
+                  <a14:m>
+                    <m:oMathPara xmlns:m="http://schemas.openxmlformats.org/officeDocument/2006/math">
+                      <m:oMathParaPr>
+                        <m:jc m:val="centerGroup"/>
+                      </m:oMathParaPr>
+                      <m:oMath xmlns:m="http://schemas.openxmlformats.org/officeDocument/2006/math">
+                        <m:sSub>
+                          <m:sSubPr>
+                            <m:ctrlPr>
+                              <a:rPr lang="es-ES" b="0" i="1" smtClean="0">
+                                <a:latin typeface="Cambria Math" panose="02040503050406030204" pitchFamily="18" charset="0"/>
+                              </a:rPr>
+                            </m:ctrlPr>
+                          </m:sSubPr>
+                          <m:e>
+                            <m:r>
+                              <a:rPr lang="es-ES" b="0" i="1" smtClean="0">
+                                <a:latin typeface="Cambria Math" panose="02040503050406030204" pitchFamily="18" charset="0"/>
+                              </a:rPr>
+                              <m:t>𝑥</m:t>
+                            </m:r>
+                          </m:e>
+                          <m:sub>
+                            <m:r>
+                              <a:rPr lang="es-ES" b="0" i="1" smtClean="0">
+                                <a:latin typeface="Cambria Math" panose="02040503050406030204" pitchFamily="18" charset="0"/>
+                              </a:rPr>
+                              <m:t>𝑘</m:t>
+                            </m:r>
+                            <m:r>
+                              <a:rPr lang="es-ES" b="0" i="1" smtClean="0">
+                                <a:latin typeface="Cambria Math" panose="02040503050406030204" pitchFamily="18" charset="0"/>
+                              </a:rPr>
+                              <m:t>+1</m:t>
+                            </m:r>
+                          </m:sub>
+                        </m:sSub>
+                      </m:oMath>
+                    </m:oMathPara>
+                  </a14:m>
+                  <a:endParaRPr lang="es-CO" dirty="0"/>
+                </a:p>
+              </p:txBody>
+            </p:sp>
+          </mc:Choice>
+          <mc:Fallback>
+            <p:sp>
+              <p:nvSpPr>
+                <p:cNvPr id="18" name="CuadroTexto 17">
+                  <a:extLst>
+                    <a:ext uri="{FF2B5EF4-FFF2-40B4-BE49-F238E27FC236}">
+                      <a16:creationId xmlns:a16="http://schemas.microsoft.com/office/drawing/2014/main" id="{850B56D0-BF12-F9C9-A58D-34FACA0E4CCE}"/>
+                    </a:ext>
+                  </a:extLst>
+                </p:cNvPr>
+                <p:cNvSpPr txBox="1">
+                  <a:spLocks noRot="1" noChangeAspect="1" noMove="1" noResize="1" noEditPoints="1" noAdjustHandles="1" noChangeArrowheads="1" noChangeShapeType="1" noTextEdit="1"/>
+                </p:cNvSpPr>
+                <p:nvPr/>
+              </p:nvSpPr>
+              <p:spPr>
+                <a:xfrm>
+                  <a:off x="5992316" y="4531082"/>
+                  <a:ext cx="695447" cy="369332"/>
+                </a:xfrm>
+                <a:prstGeom prst="rect">
+                  <a:avLst/>
+                </a:prstGeom>
+                <a:blipFill>
+                  <a:blip r:embed="rId4"/>
+                  <a:stretch>
+                    <a:fillRect/>
+                  </a:stretch>
+                </a:blipFill>
+              </p:spPr>
+              <p:txBody>
+                <a:bodyPr/>
+                <a:lstStyle/>
+                <a:p>
+                  <a:r>
+                    <a:rPr lang="es-CO">
+                      <a:noFill/>
+                    </a:rPr>
+                    <a:t> </a:t>
+                  </a:r>
+                </a:p>
+              </p:txBody>
+            </p:sp>
+          </mc:Fallback>
+        </mc:AlternateContent>
+        <mc:AlternateContent xmlns:mc="http://schemas.openxmlformats.org/markup-compatibility/2006">
+          <mc:Choice xmlns:a14="http://schemas.microsoft.com/office/drawing/2010/main" Requires="a14">
+            <p:sp>
+              <p:nvSpPr>
+                <p:cNvPr id="19" name="CuadroTexto 18">
+                  <a:extLst>
+                    <a:ext uri="{FF2B5EF4-FFF2-40B4-BE49-F238E27FC236}">
+                      <a16:creationId xmlns:a16="http://schemas.microsoft.com/office/drawing/2014/main" id="{BCE85B50-34A1-0270-17BB-5F5038E3091B}"/>
+                    </a:ext>
+                  </a:extLst>
+                </p:cNvPr>
+                <p:cNvSpPr txBox="1"/>
+                <p:nvPr/>
+              </p:nvSpPr>
+              <p:spPr>
+                <a:xfrm>
+                  <a:off x="2713803" y="2989781"/>
+                  <a:ext cx="1357166" cy="369332"/>
+                </a:xfrm>
+                <a:prstGeom prst="rect">
+                  <a:avLst/>
+                </a:prstGeom>
+                <a:noFill/>
+              </p:spPr>
+              <p:txBody>
+                <a:bodyPr wrap="none" rtlCol="0">
+                  <a:spAutoFit/>
+                </a:bodyPr>
+                <a:lstStyle/>
+                <a:p>
+                  <a:pPr/>
+                  <a14:m>
+                    <m:oMathPara xmlns:m="http://schemas.openxmlformats.org/officeDocument/2006/math">
+                      <m:oMathParaPr>
+                        <m:jc m:val="centerGroup"/>
+                      </m:oMathParaPr>
+                      <m:oMath xmlns:m="http://schemas.openxmlformats.org/officeDocument/2006/math">
+                        <m:sSub>
+                          <m:sSubPr>
+                            <m:ctrlPr>
+                              <a:rPr lang="es-ES" b="0" i="1" smtClean="0">
+                                <a:latin typeface="Cambria Math" panose="02040503050406030204" pitchFamily="18" charset="0"/>
+                              </a:rPr>
+                            </m:ctrlPr>
+                          </m:sSubPr>
+                          <m:e>
+                            <m:r>
+                              <a:rPr lang="es-ES" b="0" i="1" smtClean="0">
+                                <a:latin typeface="Cambria Math" panose="02040503050406030204" pitchFamily="18" charset="0"/>
+                              </a:rPr>
+                              <m:t>𝑦</m:t>
+                            </m:r>
+                          </m:e>
+                          <m:sub>
+                            <m:r>
+                              <a:rPr lang="es-ES" b="0" i="1" smtClean="0">
+                                <a:latin typeface="Cambria Math" panose="02040503050406030204" pitchFamily="18" charset="0"/>
+                              </a:rPr>
+                              <m:t>𝑘</m:t>
+                            </m:r>
+                          </m:sub>
+                        </m:sSub>
+                        <m:r>
+                          <a:rPr lang="es-ES" b="0" i="1" smtClean="0">
+                            <a:latin typeface="Cambria Math" panose="02040503050406030204" pitchFamily="18" charset="0"/>
+                          </a:rPr>
+                          <m:t>=</m:t>
+                        </m:r>
+                        <m:r>
+                          <a:rPr lang="es-ES" b="0" i="1" smtClean="0">
+                            <a:latin typeface="Cambria Math" panose="02040503050406030204" pitchFamily="18" charset="0"/>
+                          </a:rPr>
+                          <m:t>𝑓</m:t>
+                        </m:r>
+                        <m:r>
+                          <a:rPr lang="es-ES" b="0" i="1" smtClean="0">
+                            <a:latin typeface="Cambria Math" panose="02040503050406030204" pitchFamily="18" charset="0"/>
+                          </a:rPr>
+                          <m:t>(</m:t>
+                        </m:r>
+                        <m:sSub>
+                          <m:sSubPr>
+                            <m:ctrlPr>
+                              <a:rPr lang="es-ES" b="0" i="1" smtClean="0">
+                                <a:latin typeface="Cambria Math" panose="02040503050406030204" pitchFamily="18" charset="0"/>
+                              </a:rPr>
+                            </m:ctrlPr>
+                          </m:sSubPr>
+                          <m:e>
+                            <m:r>
+                              <a:rPr lang="es-ES" b="0" i="1" smtClean="0">
+                                <a:latin typeface="Cambria Math" panose="02040503050406030204" pitchFamily="18" charset="0"/>
+                              </a:rPr>
+                              <m:t>𝑥</m:t>
+                            </m:r>
+                          </m:e>
+                          <m:sub>
+                            <m:r>
+                              <a:rPr lang="es-ES" b="0" i="1" smtClean="0">
+                                <a:latin typeface="Cambria Math" panose="02040503050406030204" pitchFamily="18" charset="0"/>
+                              </a:rPr>
+                              <m:t>𝑘</m:t>
+                            </m:r>
+                          </m:sub>
+                        </m:sSub>
+                        <m:r>
+                          <a:rPr lang="es-ES" b="0" i="1" smtClean="0">
+                            <a:latin typeface="Cambria Math" panose="02040503050406030204" pitchFamily="18" charset="0"/>
+                          </a:rPr>
+                          <m:t>)</m:t>
+                        </m:r>
+                      </m:oMath>
+                    </m:oMathPara>
+                  </a14:m>
+                  <a:endParaRPr lang="es-CO" dirty="0"/>
+                </a:p>
+              </p:txBody>
+            </p:sp>
+          </mc:Choice>
+          <mc:Fallback>
+            <p:sp>
+              <p:nvSpPr>
+                <p:cNvPr id="19" name="CuadroTexto 18">
+                  <a:extLst>
+                    <a:ext uri="{FF2B5EF4-FFF2-40B4-BE49-F238E27FC236}">
+                      <a16:creationId xmlns:a16="http://schemas.microsoft.com/office/drawing/2014/main" id="{BCE85B50-34A1-0270-17BB-5F5038E3091B}"/>
+                    </a:ext>
+                  </a:extLst>
+                </p:cNvPr>
+                <p:cNvSpPr txBox="1">
+                  <a:spLocks noRot="1" noChangeAspect="1" noMove="1" noResize="1" noEditPoints="1" noAdjustHandles="1" noChangeArrowheads="1" noChangeShapeType="1" noTextEdit="1"/>
+                </p:cNvSpPr>
+                <p:nvPr/>
+              </p:nvSpPr>
+              <p:spPr>
+                <a:xfrm>
+                  <a:off x="2713803" y="2989781"/>
+                  <a:ext cx="1357166" cy="369332"/>
+                </a:xfrm>
+                <a:prstGeom prst="rect">
+                  <a:avLst/>
+                </a:prstGeom>
+                <a:blipFill>
+                  <a:blip r:embed="rId5"/>
+                  <a:stretch>
+                    <a:fillRect b="-9677"/>
+                  </a:stretch>
+                </a:blipFill>
+              </p:spPr>
+              <p:txBody>
+                <a:bodyPr/>
+                <a:lstStyle/>
+                <a:p>
+                  <a:r>
+                    <a:rPr lang="es-CO">
+                      <a:noFill/>
+                    </a:rPr>
+                    <a:t> </a:t>
+                  </a:r>
+                </a:p>
+              </p:txBody>
+            </p:sp>
+          </mc:Fallback>
+        </mc:AlternateContent>
+        <mc:AlternateContent xmlns:mc="http://schemas.openxmlformats.org/markup-compatibility/2006">
+          <mc:Choice xmlns:a14="http://schemas.microsoft.com/office/drawing/2010/main" Requires="a14">
+            <p:sp>
+              <p:nvSpPr>
+                <p:cNvPr id="20" name="CuadroTexto 19">
+                  <a:extLst>
+                    <a:ext uri="{FF2B5EF4-FFF2-40B4-BE49-F238E27FC236}">
+                      <a16:creationId xmlns:a16="http://schemas.microsoft.com/office/drawing/2014/main" id="{92A54E6A-A11F-2E3E-DEE8-1651FC45B579}"/>
+                    </a:ext>
+                  </a:extLst>
+                </p:cNvPr>
+                <p:cNvSpPr txBox="1"/>
+                <p:nvPr/>
+              </p:nvSpPr>
+              <p:spPr>
+                <a:xfrm>
+                  <a:off x="2306629" y="1978109"/>
+                  <a:ext cx="1782091" cy="369332"/>
+                </a:xfrm>
+                <a:prstGeom prst="rect">
+                  <a:avLst/>
+                </a:prstGeom>
+                <a:noFill/>
+              </p:spPr>
+              <p:txBody>
+                <a:bodyPr wrap="none" rtlCol="0">
+                  <a:spAutoFit/>
+                </a:bodyPr>
+                <a:lstStyle/>
+                <a:p>
+                  <a:pPr/>
+                  <a14:m>
+                    <m:oMathPara xmlns:m="http://schemas.openxmlformats.org/officeDocument/2006/math">
+                      <m:oMathParaPr>
+                        <m:jc m:val="centerGroup"/>
+                      </m:oMathParaPr>
+                      <m:oMath xmlns:m="http://schemas.openxmlformats.org/officeDocument/2006/math">
+                        <m:sSub>
+                          <m:sSubPr>
+                            <m:ctrlPr>
+                              <a:rPr lang="es-ES" b="0" i="1" smtClean="0">
+                                <a:latin typeface="Cambria Math" panose="02040503050406030204" pitchFamily="18" charset="0"/>
+                              </a:rPr>
+                            </m:ctrlPr>
+                          </m:sSubPr>
+                          <m:e>
+                            <m:r>
+                              <a:rPr lang="es-ES" b="0" i="1" smtClean="0">
+                                <a:latin typeface="Cambria Math" panose="02040503050406030204" pitchFamily="18" charset="0"/>
+                              </a:rPr>
+                              <m:t>𝑦</m:t>
+                            </m:r>
+                          </m:e>
+                          <m:sub>
+                            <m:r>
+                              <a:rPr lang="es-ES" b="0" i="1" smtClean="0">
+                                <a:latin typeface="Cambria Math" panose="02040503050406030204" pitchFamily="18" charset="0"/>
+                              </a:rPr>
+                              <m:t>𝑘</m:t>
+                            </m:r>
+                            <m:r>
+                              <a:rPr lang="es-ES" b="0" i="1" smtClean="0">
+                                <a:latin typeface="Cambria Math" panose="02040503050406030204" pitchFamily="18" charset="0"/>
+                              </a:rPr>
+                              <m:t>+1</m:t>
+                            </m:r>
+                          </m:sub>
+                        </m:sSub>
+                        <m:r>
+                          <a:rPr lang="es-ES" b="0" i="1" smtClean="0">
+                            <a:latin typeface="Cambria Math" panose="02040503050406030204" pitchFamily="18" charset="0"/>
+                          </a:rPr>
+                          <m:t>=</m:t>
+                        </m:r>
+                        <m:r>
+                          <a:rPr lang="es-ES" b="0" i="1" smtClean="0">
+                            <a:latin typeface="Cambria Math" panose="02040503050406030204" pitchFamily="18" charset="0"/>
+                          </a:rPr>
+                          <m:t>𝑓</m:t>
+                        </m:r>
+                        <m:r>
+                          <a:rPr lang="es-ES" b="0" i="1" smtClean="0">
+                            <a:latin typeface="Cambria Math" panose="02040503050406030204" pitchFamily="18" charset="0"/>
+                          </a:rPr>
+                          <m:t>(</m:t>
+                        </m:r>
+                        <m:sSub>
+                          <m:sSubPr>
+                            <m:ctrlPr>
+                              <a:rPr lang="es-ES" b="0" i="1" smtClean="0">
+                                <a:latin typeface="Cambria Math" panose="02040503050406030204" pitchFamily="18" charset="0"/>
+                              </a:rPr>
+                            </m:ctrlPr>
+                          </m:sSubPr>
+                          <m:e>
+                            <m:r>
+                              <a:rPr lang="es-ES" b="0" i="1" smtClean="0">
+                                <a:latin typeface="Cambria Math" panose="02040503050406030204" pitchFamily="18" charset="0"/>
+                              </a:rPr>
+                              <m:t>𝑥</m:t>
+                            </m:r>
+                          </m:e>
+                          <m:sub>
+                            <m:r>
+                              <a:rPr lang="es-ES" b="0" i="1" smtClean="0">
+                                <a:latin typeface="Cambria Math" panose="02040503050406030204" pitchFamily="18" charset="0"/>
+                              </a:rPr>
+                              <m:t>𝑘</m:t>
+                            </m:r>
+                            <m:r>
+                              <a:rPr lang="es-ES" b="0" i="1" smtClean="0">
+                                <a:latin typeface="Cambria Math" panose="02040503050406030204" pitchFamily="18" charset="0"/>
+                              </a:rPr>
+                              <m:t>+1</m:t>
+                            </m:r>
+                          </m:sub>
+                        </m:sSub>
+                        <m:r>
+                          <a:rPr lang="es-ES" b="0" i="1" smtClean="0">
+                            <a:latin typeface="Cambria Math" panose="02040503050406030204" pitchFamily="18" charset="0"/>
+                          </a:rPr>
+                          <m:t>)</m:t>
+                        </m:r>
+                      </m:oMath>
+                    </m:oMathPara>
+                  </a14:m>
+                  <a:endParaRPr lang="es-CO" dirty="0"/>
+                </a:p>
+              </p:txBody>
+            </p:sp>
+          </mc:Choice>
+          <mc:Fallback>
+            <p:sp>
+              <p:nvSpPr>
+                <p:cNvPr id="20" name="CuadroTexto 19">
+                  <a:extLst>
+                    <a:ext uri="{FF2B5EF4-FFF2-40B4-BE49-F238E27FC236}">
+                      <a16:creationId xmlns:a16="http://schemas.microsoft.com/office/drawing/2014/main" id="{92A54E6A-A11F-2E3E-DEE8-1651FC45B579}"/>
+                    </a:ext>
+                  </a:extLst>
+                </p:cNvPr>
+                <p:cNvSpPr txBox="1">
+                  <a:spLocks noRot="1" noChangeAspect="1" noMove="1" noResize="1" noEditPoints="1" noAdjustHandles="1" noChangeArrowheads="1" noChangeShapeType="1" noTextEdit="1"/>
+                </p:cNvSpPr>
+                <p:nvPr/>
+              </p:nvSpPr>
+              <p:spPr>
+                <a:xfrm>
+                  <a:off x="2306629" y="1978109"/>
+                  <a:ext cx="1782091" cy="369332"/>
+                </a:xfrm>
+                <a:prstGeom prst="rect">
+                  <a:avLst/>
+                </a:prstGeom>
+                <a:blipFill>
+                  <a:blip r:embed="rId6"/>
+                  <a:stretch>
+                    <a:fillRect b="-13333"/>
+                  </a:stretch>
+                </a:blipFill>
+              </p:spPr>
+              <p:txBody>
+                <a:bodyPr/>
+                <a:lstStyle/>
+                <a:p>
+                  <a:r>
+                    <a:rPr lang="es-CO">
+                      <a:noFill/>
+                    </a:rPr>
+                    <a:t> </a:t>
+                  </a:r>
+                </a:p>
+              </p:txBody>
+            </p:sp>
+          </mc:Fallback>
+        </mc:AlternateContent>
+      </p:grpSp>
+    </p:spTree>
+    <p:extLst>
+      <p:ext uri="{BB962C8B-B14F-4D97-AF65-F5344CB8AC3E}">
+        <p14:creationId xmlns:p14="http://schemas.microsoft.com/office/powerpoint/2010/main" val="902308085"/>
+      </p:ext>
+    </p:extLst>
+  </p:cSld>
+  <p:clrMapOvr>
+    <a:masterClrMapping/>
+  </p:clrMapOvr>
+</p:sld>
+</file>
+
+<file path=ppt/slides/slide11.xml><?xml version="1.0" encoding="utf-8"?>
+<p:sld xmlns:a="http://schemas.openxmlformats.org/drawingml/2006/main" xmlns:r="http://schemas.openxmlformats.org/officeDocument/2006/relationships" xmlns:p="http://schemas.openxmlformats.org/presentationml/2006/main">
+  <p:cSld>
+    <p:spTree>
+      <p:nvGrpSpPr>
+        <p:cNvPr id="1" name=""/>
+        <p:cNvGrpSpPr/>
+        <p:nvPr/>
+      </p:nvGrpSpPr>
+      <p:grpSpPr>
+        <a:xfrm>
+          <a:off x="0" y="0"/>
+          <a:ext cx="0" cy="0"/>
+          <a:chOff x="0" y="0"/>
+          <a:chExt cx="0" cy="0"/>
+        </a:xfrm>
+      </p:grpSpPr>
+      <p:grpSp>
+        <p:nvGrpSpPr>
+          <p:cNvPr id="41" name="Grupo 40">
+            <a:extLst>
+              <a:ext uri="{FF2B5EF4-FFF2-40B4-BE49-F238E27FC236}">
+                <a16:creationId xmlns:a16="http://schemas.microsoft.com/office/drawing/2014/main" id="{33A562D9-B6DC-F91D-3F18-BB41C973A2EA}"/>
+              </a:ext>
+            </a:extLst>
+          </p:cNvPr>
+          <p:cNvGrpSpPr/>
+          <p:nvPr/>
+        </p:nvGrpSpPr>
+        <p:grpSpPr>
+          <a:xfrm>
+            <a:off x="2848325" y="1442604"/>
+            <a:ext cx="6819782" cy="4228323"/>
+            <a:chOff x="2848325" y="1442604"/>
+            <a:chExt cx="6819782" cy="4228323"/>
+          </a:xfrm>
+        </p:grpSpPr>
+        <p:cxnSp>
+          <p:nvCxnSpPr>
+            <p:cNvPr id="3" name="Conector recto de flecha 2">
+              <a:extLst>
+                <a:ext uri="{FF2B5EF4-FFF2-40B4-BE49-F238E27FC236}">
+                  <a16:creationId xmlns:a16="http://schemas.microsoft.com/office/drawing/2014/main" id="{CB0C5799-5B45-7F44-8141-B98C809C189A}"/>
+                </a:ext>
+              </a:extLst>
+            </p:cNvPr>
+            <p:cNvCxnSpPr>
+              <a:cxnSpLocks/>
+            </p:cNvCxnSpPr>
+            <p:nvPr/>
+          </p:nvCxnSpPr>
+          <p:spPr>
+            <a:xfrm flipV="1">
+              <a:off x="4600371" y="1442604"/>
+              <a:ext cx="0" cy="4228323"/>
+            </a:xfrm>
+            <a:prstGeom prst="straightConnector1">
+              <a:avLst/>
+            </a:prstGeom>
+            <a:ln w="15875">
+              <a:solidFill>
+                <a:schemeClr val="tx1"/>
+              </a:solidFill>
+              <a:headEnd type="stealth"/>
+              <a:tailEnd type="stealth"/>
+            </a:ln>
+          </p:spPr>
+          <p:style>
+            <a:lnRef idx="1">
+              <a:schemeClr val="accent1"/>
+            </a:lnRef>
+            <a:fillRef idx="0">
+              <a:schemeClr val="accent1"/>
+            </a:fillRef>
+            <a:effectRef idx="0">
+              <a:schemeClr val="accent1"/>
+            </a:effectRef>
+            <a:fontRef idx="minor">
+              <a:schemeClr val="tx1"/>
+            </a:fontRef>
+          </p:style>
+        </p:cxnSp>
+        <p:sp>
+          <p:nvSpPr>
+            <p:cNvPr id="4" name="Forma libre 3">
+              <a:extLst>
+                <a:ext uri="{FF2B5EF4-FFF2-40B4-BE49-F238E27FC236}">
+                  <a16:creationId xmlns:a16="http://schemas.microsoft.com/office/drawing/2014/main" id="{69609FC0-43FC-594C-BC46-81B11EAC66EE}"/>
+                </a:ext>
+              </a:extLst>
+            </p:cNvPr>
+            <p:cNvSpPr/>
+            <p:nvPr/>
+          </p:nvSpPr>
+          <p:spPr>
+            <a:xfrm>
+              <a:off x="4922387" y="1774221"/>
+              <a:ext cx="4266662" cy="2822510"/>
+            </a:xfrm>
+            <a:custGeom>
+              <a:avLst/>
+              <a:gdLst>
+                <a:gd name="connsiteX0" fmla="*/ 0 w 3984171"/>
+                <a:gd name="connsiteY0" fmla="*/ 0 h 1464909"/>
+                <a:gd name="connsiteX1" fmla="*/ 2034074 w 3984171"/>
+                <a:gd name="connsiteY1" fmla="*/ 1464907 h 1464909"/>
+                <a:gd name="connsiteX2" fmla="*/ 3984171 w 3984171"/>
+                <a:gd name="connsiteY2" fmla="*/ 9331 h 1464909"/>
+                <a:gd name="connsiteX0" fmla="*/ 0 w 3984171"/>
+                <a:gd name="connsiteY0" fmla="*/ 0 h 1464909"/>
+                <a:gd name="connsiteX1" fmla="*/ 2034074 w 3984171"/>
+                <a:gd name="connsiteY1" fmla="*/ 1464907 h 1464909"/>
+                <a:gd name="connsiteX2" fmla="*/ 3984171 w 3984171"/>
+                <a:gd name="connsiteY2" fmla="*/ 9331 h 1464909"/>
+                <a:gd name="connsiteX0" fmla="*/ 0 w 3984171"/>
+                <a:gd name="connsiteY0" fmla="*/ 0 h 1464909"/>
+                <a:gd name="connsiteX1" fmla="*/ 2034074 w 3984171"/>
+                <a:gd name="connsiteY1" fmla="*/ 1464907 h 1464909"/>
+                <a:gd name="connsiteX2" fmla="*/ 3984171 w 3984171"/>
+                <a:gd name="connsiteY2" fmla="*/ 9331 h 1464909"/>
+                <a:gd name="connsiteX0" fmla="*/ 0 w 3984171"/>
+                <a:gd name="connsiteY0" fmla="*/ 0 h 1464909"/>
+                <a:gd name="connsiteX1" fmla="*/ 2034074 w 3984171"/>
+                <a:gd name="connsiteY1" fmla="*/ 1464907 h 1464909"/>
+                <a:gd name="connsiteX2" fmla="*/ 3984171 w 3984171"/>
+                <a:gd name="connsiteY2" fmla="*/ 9331 h 1464909"/>
+              </a:gdLst>
+              <a:ahLst/>
+              <a:cxnLst>
+                <a:cxn ang="0">
+                  <a:pos x="connsiteX0" y="connsiteY0"/>
+                </a:cxn>
+                <a:cxn ang="0">
+                  <a:pos x="connsiteX1" y="connsiteY1"/>
+                </a:cxn>
+                <a:cxn ang="0">
+                  <a:pos x="connsiteX2" y="connsiteY2"/>
+                </a:cxn>
+              </a:cxnLst>
+              <a:rect l="l" t="t" r="r" b="b"/>
+              <a:pathLst>
+                <a:path w="3984171" h="1464909">
+                  <a:moveTo>
+                    <a:pt x="0" y="0"/>
+                  </a:moveTo>
+                  <a:cubicBezTo>
+                    <a:pt x="517072" y="834313"/>
+                    <a:pt x="1370046" y="1463352"/>
+                    <a:pt x="2034074" y="1464907"/>
+                  </a:cubicBezTo>
+                  <a:cubicBezTo>
+                    <a:pt x="2698102" y="1466462"/>
+                    <a:pt x="3518418" y="793880"/>
+                    <a:pt x="3984171" y="9331"/>
+                  </a:cubicBezTo>
+                </a:path>
+              </a:pathLst>
+            </a:custGeom>
+            <a:noFill/>
+            <a:ln w="25400">
+              <a:solidFill>
+                <a:schemeClr val="tx1"/>
+              </a:solidFill>
+            </a:ln>
+          </p:spPr>
+          <p:style>
+            <a:lnRef idx="2">
+              <a:schemeClr val="accent1">
+                <a:shade val="50000"/>
+              </a:schemeClr>
+            </a:lnRef>
+            <a:fillRef idx="1">
+              <a:schemeClr val="accent1"/>
+            </a:fillRef>
+            <a:effectRef idx="0">
+              <a:schemeClr val="accent1"/>
+            </a:effectRef>
+            <a:fontRef idx="minor">
+              <a:schemeClr val="lt1"/>
+            </a:fontRef>
+          </p:style>
+          <p:txBody>
+            <a:bodyPr rtlCol="0" anchor="ctr"/>
+            <a:lstStyle/>
+            <a:p>
+              <a:pPr marL="0" marR="0" lvl="0" indent="0" algn="ctr" defTabSz="914400" rtl="0" eaLnBrk="1" fontAlgn="auto" latinLnBrk="0" hangingPunct="1">
+                <a:lnSpc>
+                  <a:spcPct val="100000"/>
+                </a:lnSpc>
+                <a:spcBef>
+                  <a:spcPts val="0"/>
+                </a:spcBef>
+                <a:spcAft>
+                  <a:spcPts val="0"/>
+                </a:spcAft>
+                <a:buClrTx/>
+                <a:buSzTx/>
+                <a:buFontTx/>
+                <a:buNone/>
+                <a:tabLst/>
+                <a:defRPr/>
+              </a:pPr>
+              <a:endParaRPr kumimoji="0" lang="es-CO" sz="1800" b="0" i="0" u="none" strike="noStrike" kern="1200" cap="none" spc="0" normalizeH="0" baseline="0" noProof="0" dirty="0">
+                <a:ln>
+                  <a:noFill/>
+                </a:ln>
+                <a:solidFill>
+                  <a:prstClr val="white"/>
+                </a:solidFill>
+                <a:effectLst/>
+                <a:uLnTx/>
+                <a:uFillTx/>
+                <a:latin typeface="Calibri" panose="020F0502020204030204"/>
+                <a:ea typeface="+mn-ea"/>
+                <a:cs typeface="+mn-cs"/>
+              </a:endParaRPr>
+            </a:p>
+          </p:txBody>
+        </p:sp>
+        <p:cxnSp>
+          <p:nvCxnSpPr>
+            <p:cNvPr id="5" name="Conector recto de flecha 4">
+              <a:extLst>
+                <a:ext uri="{FF2B5EF4-FFF2-40B4-BE49-F238E27FC236}">
+                  <a16:creationId xmlns:a16="http://schemas.microsoft.com/office/drawing/2014/main" id="{77349CD8-8B71-BA42-AF62-7E864E508DFE}"/>
+                </a:ext>
+              </a:extLst>
+            </p:cNvPr>
+            <p:cNvCxnSpPr>
+              <a:cxnSpLocks/>
+            </p:cNvCxnSpPr>
+            <p:nvPr/>
+          </p:nvCxnSpPr>
+          <p:spPr>
+            <a:xfrm flipH="1">
+              <a:off x="3834352" y="5027114"/>
+              <a:ext cx="5833755" cy="0"/>
+            </a:xfrm>
+            <a:prstGeom prst="straightConnector1">
+              <a:avLst/>
+            </a:prstGeom>
+            <a:ln w="15875">
+              <a:solidFill>
+                <a:schemeClr val="tx1"/>
+              </a:solidFill>
+              <a:headEnd type="stealth"/>
+              <a:tailEnd type="stealth"/>
+            </a:ln>
+          </p:spPr>
+          <p:style>
+            <a:lnRef idx="1">
+              <a:schemeClr val="accent1"/>
+            </a:lnRef>
+            <a:fillRef idx="0">
+              <a:schemeClr val="accent1"/>
+            </a:fillRef>
+            <a:effectRef idx="0">
+              <a:schemeClr val="accent1"/>
+            </a:effectRef>
+            <a:fontRef idx="minor">
+              <a:schemeClr val="tx1"/>
+            </a:fontRef>
+          </p:style>
+        </p:cxnSp>
+        <mc:AlternateContent xmlns:mc="http://schemas.openxmlformats.org/markup-compatibility/2006">
+          <mc:Choice xmlns:a14="http://schemas.microsoft.com/office/drawing/2010/main" Requires="a14">
+            <p:sp>
+              <p:nvSpPr>
+                <p:cNvPr id="17" name="CuadroTexto 16">
+                  <a:extLst>
+                    <a:ext uri="{FF2B5EF4-FFF2-40B4-BE49-F238E27FC236}">
+                      <a16:creationId xmlns:a16="http://schemas.microsoft.com/office/drawing/2014/main" id="{2CE7E174-9802-BAC6-EE64-C96B5947CFAD}"/>
+                    </a:ext>
+                  </a:extLst>
+                </p:cNvPr>
+                <p:cNvSpPr txBox="1"/>
+                <p:nvPr/>
+              </p:nvSpPr>
+              <p:spPr>
+                <a:xfrm>
+                  <a:off x="7901623" y="2422728"/>
+                  <a:ext cx="916148" cy="369332"/>
+                </a:xfrm>
+                <a:prstGeom prst="rect">
+                  <a:avLst/>
+                </a:prstGeom>
+                <a:noFill/>
+              </p:spPr>
+              <p:txBody>
+                <a:bodyPr wrap="none" rtlCol="0">
+                  <a:spAutoFit/>
+                </a:bodyPr>
+                <a:lstStyle/>
+                <a:p>
+                  <a:pPr/>
+                  <a14:m>
+                    <m:oMathPara xmlns:m="http://schemas.openxmlformats.org/officeDocument/2006/math">
+                      <m:oMathParaPr>
+                        <m:jc m:val="centerGroup"/>
+                      </m:oMathParaPr>
+                      <m:oMath xmlns:m="http://schemas.openxmlformats.org/officeDocument/2006/math">
+                        <m:r>
+                          <a:rPr lang="es-ES" b="0" i="1" smtClean="0">
+                            <a:latin typeface="Cambria Math" panose="02040503050406030204" pitchFamily="18" charset="0"/>
+                          </a:rPr>
+                          <m:t>𝑦</m:t>
+                        </m:r>
+                        <m:r>
+                          <a:rPr lang="es-ES" b="0" i="1" smtClean="0">
+                            <a:latin typeface="Cambria Math" panose="02040503050406030204" pitchFamily="18" charset="0"/>
+                          </a:rPr>
+                          <m:t>=</m:t>
+                        </m:r>
+                        <m:sSup>
+                          <m:sSupPr>
+                            <m:ctrlPr>
+                              <a:rPr lang="es-ES" b="0" i="1" smtClean="0">
+                                <a:latin typeface="Cambria Math" panose="02040503050406030204" pitchFamily="18" charset="0"/>
+                              </a:rPr>
+                            </m:ctrlPr>
+                          </m:sSupPr>
+                          <m:e>
+                            <m:r>
+                              <a:rPr lang="es-ES" b="0" i="1" smtClean="0">
+                                <a:latin typeface="Cambria Math" panose="02040503050406030204" pitchFamily="18" charset="0"/>
+                              </a:rPr>
+                              <m:t>𝑥</m:t>
+                            </m:r>
+                          </m:e>
+                          <m:sup>
+                            <m:r>
+                              <a:rPr lang="es-ES" b="0" i="1" smtClean="0">
+                                <a:latin typeface="Cambria Math" panose="02040503050406030204" pitchFamily="18" charset="0"/>
+                              </a:rPr>
+                              <m:t>2</m:t>
+                            </m:r>
+                          </m:sup>
+                        </m:sSup>
+                      </m:oMath>
+                    </m:oMathPara>
+                  </a14:m>
+                  <a:endParaRPr lang="es-CO" dirty="0"/>
+                </a:p>
+              </p:txBody>
+            </p:sp>
+          </mc:Choice>
+          <mc:Fallback>
+            <p:sp>
+              <p:nvSpPr>
+                <p:cNvPr id="17" name="CuadroTexto 16">
+                  <a:extLst>
+                    <a:ext uri="{FF2B5EF4-FFF2-40B4-BE49-F238E27FC236}">
+                      <a16:creationId xmlns:a16="http://schemas.microsoft.com/office/drawing/2014/main" id="{2CE7E174-9802-BAC6-EE64-C96B5947CFAD}"/>
+                    </a:ext>
+                  </a:extLst>
+                </p:cNvPr>
+                <p:cNvSpPr txBox="1">
+                  <a:spLocks noRot="1" noChangeAspect="1" noMove="1" noResize="1" noEditPoints="1" noAdjustHandles="1" noChangeArrowheads="1" noChangeShapeType="1" noTextEdit="1"/>
+                </p:cNvSpPr>
+                <p:nvPr/>
+              </p:nvSpPr>
+              <p:spPr>
+                <a:xfrm>
+                  <a:off x="7901623" y="2422728"/>
+                  <a:ext cx="916148" cy="369332"/>
+                </a:xfrm>
+                <a:prstGeom prst="rect">
+                  <a:avLst/>
+                </a:prstGeom>
+                <a:blipFill>
+                  <a:blip r:embed="rId2"/>
+                  <a:stretch>
+                    <a:fillRect b="-10000"/>
+                  </a:stretch>
+                </a:blipFill>
+              </p:spPr>
+              <p:txBody>
+                <a:bodyPr/>
+                <a:lstStyle/>
+                <a:p>
+                  <a:r>
+                    <a:rPr lang="es-CO">
+                      <a:noFill/>
+                    </a:rPr>
+                    <a:t> </a:t>
+                  </a:r>
+                </a:p>
+              </p:txBody>
+            </p:sp>
+          </mc:Fallback>
+        </mc:AlternateContent>
+        <p:cxnSp>
+          <p:nvCxnSpPr>
+            <p:cNvPr id="21" name="Conector recto 20">
+              <a:extLst>
+                <a:ext uri="{FF2B5EF4-FFF2-40B4-BE49-F238E27FC236}">
+                  <a16:creationId xmlns:a16="http://schemas.microsoft.com/office/drawing/2014/main" id="{90D7FF9C-ACA8-B9FC-23EB-36AC7FD5E179}"/>
+                </a:ext>
+              </a:extLst>
+            </p:cNvPr>
+            <p:cNvCxnSpPr>
+              <a:cxnSpLocks/>
+            </p:cNvCxnSpPr>
+            <p:nvPr/>
+          </p:nvCxnSpPr>
+          <p:spPr>
+            <a:xfrm>
+              <a:off x="4390313" y="2061228"/>
+              <a:ext cx="795004" cy="0"/>
+            </a:xfrm>
+            <a:prstGeom prst="line">
+              <a:avLst/>
+            </a:prstGeom>
+            <a:ln w="12700">
+              <a:solidFill>
+                <a:schemeClr val="tx1"/>
+              </a:solidFill>
+              <a:prstDash val="dash"/>
+            </a:ln>
+          </p:spPr>
+          <p:style>
+            <a:lnRef idx="1">
+              <a:schemeClr val="accent1"/>
+            </a:lnRef>
+            <a:fillRef idx="0">
+              <a:schemeClr val="accent1"/>
+            </a:fillRef>
+            <a:effectRef idx="0">
+              <a:schemeClr val="accent1"/>
+            </a:effectRef>
+            <a:fontRef idx="minor">
+              <a:schemeClr val="tx1"/>
+            </a:fontRef>
+          </p:style>
+        </p:cxnSp>
+        <p:cxnSp>
+          <p:nvCxnSpPr>
+            <p:cNvPr id="23" name="Conector recto 22">
+              <a:extLst>
+                <a:ext uri="{FF2B5EF4-FFF2-40B4-BE49-F238E27FC236}">
+                  <a16:creationId xmlns:a16="http://schemas.microsoft.com/office/drawing/2014/main" id="{C7735872-265A-AD1A-D7F3-57DE9889C297}"/>
+                </a:ext>
+              </a:extLst>
+            </p:cNvPr>
+            <p:cNvCxnSpPr>
+              <a:cxnSpLocks/>
+            </p:cNvCxnSpPr>
+            <p:nvPr/>
+          </p:nvCxnSpPr>
+          <p:spPr>
+            <a:xfrm>
+              <a:off x="4390313" y="4109336"/>
+              <a:ext cx="2157635" cy="0"/>
+            </a:xfrm>
+            <a:prstGeom prst="line">
+              <a:avLst/>
+            </a:prstGeom>
+            <a:ln w="12700">
+              <a:solidFill>
+                <a:schemeClr val="tx1"/>
+              </a:solidFill>
+              <a:prstDash val="dash"/>
+            </a:ln>
+          </p:spPr>
+          <p:style>
+            <a:lnRef idx="1">
+              <a:schemeClr val="accent1"/>
+            </a:lnRef>
+            <a:fillRef idx="0">
+              <a:schemeClr val="accent1"/>
+            </a:fillRef>
+            <a:effectRef idx="0">
+              <a:schemeClr val="accent1"/>
+            </a:effectRef>
+            <a:fontRef idx="minor">
+              <a:schemeClr val="tx1"/>
+            </a:fontRef>
+          </p:style>
+        </p:cxnSp>
+        <p:cxnSp>
+          <p:nvCxnSpPr>
+            <p:cNvPr id="27" name="Conector recto 26">
+              <a:extLst>
+                <a:ext uri="{FF2B5EF4-FFF2-40B4-BE49-F238E27FC236}">
+                  <a16:creationId xmlns:a16="http://schemas.microsoft.com/office/drawing/2014/main" id="{C6C49537-0B02-3A8A-2127-1F50EFC367FB}"/>
+                </a:ext>
+              </a:extLst>
+            </p:cNvPr>
+            <p:cNvCxnSpPr>
+              <a:cxnSpLocks/>
+            </p:cNvCxnSpPr>
+            <p:nvPr/>
+          </p:nvCxnSpPr>
+          <p:spPr>
+            <a:xfrm>
+              <a:off x="5029205" y="1538869"/>
+              <a:ext cx="0" cy="3655837"/>
+            </a:xfrm>
+            <a:prstGeom prst="line">
+              <a:avLst/>
+            </a:prstGeom>
+            <a:ln w="12700">
+              <a:solidFill>
+                <a:schemeClr val="tx1"/>
+              </a:solidFill>
+              <a:prstDash val="dash"/>
+            </a:ln>
+          </p:spPr>
+          <p:style>
+            <a:lnRef idx="1">
+              <a:schemeClr val="accent1"/>
+            </a:lnRef>
+            <a:fillRef idx="0">
+              <a:schemeClr val="accent1"/>
+            </a:fillRef>
+            <a:effectRef idx="0">
+              <a:schemeClr val="accent1"/>
+            </a:effectRef>
+            <a:fontRef idx="minor">
+              <a:schemeClr val="tx1"/>
+            </a:fontRef>
+          </p:style>
+        </p:cxnSp>
+        <p:cxnSp>
+          <p:nvCxnSpPr>
+            <p:cNvPr id="28" name="Conector recto 27">
+              <a:extLst>
+                <a:ext uri="{FF2B5EF4-FFF2-40B4-BE49-F238E27FC236}">
+                  <a16:creationId xmlns:a16="http://schemas.microsoft.com/office/drawing/2014/main" id="{C64799B9-2591-2C76-CA89-AC136DF79923}"/>
+                </a:ext>
+              </a:extLst>
+            </p:cNvPr>
+            <p:cNvCxnSpPr>
+              <a:cxnSpLocks/>
+            </p:cNvCxnSpPr>
+            <p:nvPr/>
+          </p:nvCxnSpPr>
+          <p:spPr>
+            <a:xfrm>
+              <a:off x="6255976" y="3863898"/>
+              <a:ext cx="0" cy="1330808"/>
+            </a:xfrm>
+            <a:prstGeom prst="line">
+              <a:avLst/>
+            </a:prstGeom>
+            <a:ln w="12700">
+              <a:solidFill>
+                <a:schemeClr val="tx1"/>
+              </a:solidFill>
+              <a:prstDash val="dash"/>
+            </a:ln>
+          </p:spPr>
+          <p:style>
+            <a:lnRef idx="1">
+              <a:schemeClr val="accent1"/>
+            </a:lnRef>
+            <a:fillRef idx="0">
+              <a:schemeClr val="accent1"/>
+            </a:fillRef>
+            <a:effectRef idx="0">
+              <a:schemeClr val="accent1"/>
+            </a:effectRef>
+            <a:fontRef idx="minor">
+              <a:schemeClr val="tx1"/>
+            </a:fontRef>
+          </p:style>
+        </p:cxnSp>
+        <mc:AlternateContent xmlns:mc="http://schemas.openxmlformats.org/markup-compatibility/2006">
+          <mc:Choice xmlns:a14="http://schemas.microsoft.com/office/drawing/2010/main" Requires="a14">
+            <p:sp>
+              <p:nvSpPr>
+                <p:cNvPr id="29" name="CuadroTexto 28">
+                  <a:extLst>
+                    <a:ext uri="{FF2B5EF4-FFF2-40B4-BE49-F238E27FC236}">
+                      <a16:creationId xmlns:a16="http://schemas.microsoft.com/office/drawing/2014/main" id="{AFE3AAB2-6123-FC37-8BA8-A1279F5A55BD}"/>
+                    </a:ext>
+                  </a:extLst>
+                </p:cNvPr>
+                <p:cNvSpPr txBox="1"/>
+                <p:nvPr/>
+              </p:nvSpPr>
+              <p:spPr>
+                <a:xfrm>
+                  <a:off x="4791287" y="5191346"/>
+                  <a:ext cx="475836" cy="369332"/>
+                </a:xfrm>
+                <a:prstGeom prst="rect">
+                  <a:avLst/>
+                </a:prstGeom>
+                <a:noFill/>
+              </p:spPr>
+              <p:txBody>
+                <a:bodyPr wrap="none" rtlCol="0">
+                  <a:spAutoFit/>
+                </a:bodyPr>
+                <a:lstStyle/>
+                <a:p>
+                  <a:pPr/>
+                  <a14:m>
+                    <m:oMathPara xmlns:m="http://schemas.openxmlformats.org/officeDocument/2006/math">
+                      <m:oMathParaPr>
+                        <m:jc m:val="centerGroup"/>
+                      </m:oMathParaPr>
+                      <m:oMath xmlns:m="http://schemas.openxmlformats.org/officeDocument/2006/math">
+                        <m:sSub>
+                          <m:sSubPr>
+                            <m:ctrlPr>
+                              <a:rPr lang="es-ES" b="0" i="1" smtClean="0">
+                                <a:latin typeface="Cambria Math" panose="02040503050406030204" pitchFamily="18" charset="0"/>
+                              </a:rPr>
+                            </m:ctrlPr>
+                          </m:sSubPr>
+                          <m:e>
+                            <m:r>
+                              <a:rPr lang="es-ES" b="0" i="1" smtClean="0">
+                                <a:latin typeface="Cambria Math" panose="02040503050406030204" pitchFamily="18" charset="0"/>
+                              </a:rPr>
+                              <m:t>𝑥</m:t>
+                            </m:r>
+                          </m:e>
+                          <m:sub>
+                            <m:r>
+                              <a:rPr lang="es-ES" b="0" i="1" smtClean="0">
+                                <a:latin typeface="Cambria Math" panose="02040503050406030204" pitchFamily="18" charset="0"/>
+                              </a:rPr>
+                              <m:t>𝑘</m:t>
+                            </m:r>
+                          </m:sub>
+                        </m:sSub>
+                      </m:oMath>
+                    </m:oMathPara>
+                  </a14:m>
+                  <a:endParaRPr lang="es-CO" dirty="0"/>
+                </a:p>
+              </p:txBody>
+            </p:sp>
+          </mc:Choice>
+          <mc:Fallback>
+            <p:sp>
+              <p:nvSpPr>
+                <p:cNvPr id="29" name="CuadroTexto 28">
+                  <a:extLst>
+                    <a:ext uri="{FF2B5EF4-FFF2-40B4-BE49-F238E27FC236}">
+                      <a16:creationId xmlns:a16="http://schemas.microsoft.com/office/drawing/2014/main" id="{AFE3AAB2-6123-FC37-8BA8-A1279F5A55BD}"/>
+                    </a:ext>
+                  </a:extLst>
+                </p:cNvPr>
+                <p:cNvSpPr txBox="1">
+                  <a:spLocks noRot="1" noChangeAspect="1" noMove="1" noResize="1" noEditPoints="1" noAdjustHandles="1" noChangeArrowheads="1" noChangeShapeType="1" noTextEdit="1"/>
+                </p:cNvSpPr>
+                <p:nvPr/>
+              </p:nvSpPr>
+              <p:spPr>
+                <a:xfrm>
+                  <a:off x="4791287" y="5191346"/>
+                  <a:ext cx="475836" cy="369332"/>
+                </a:xfrm>
+                <a:prstGeom prst="rect">
+                  <a:avLst/>
+                </a:prstGeom>
+                <a:blipFill>
+                  <a:blip r:embed="rId3"/>
+                  <a:stretch>
+                    <a:fillRect/>
+                  </a:stretch>
+                </a:blipFill>
+              </p:spPr>
+              <p:txBody>
+                <a:bodyPr/>
+                <a:lstStyle/>
+                <a:p>
+                  <a:r>
+                    <a:rPr lang="es-CO">
+                      <a:noFill/>
+                    </a:rPr>
+                    <a:t> </a:t>
+                  </a:r>
+                </a:p>
+              </p:txBody>
+            </p:sp>
+          </mc:Fallback>
+        </mc:AlternateContent>
+        <mc:AlternateContent xmlns:mc="http://schemas.openxmlformats.org/markup-compatibility/2006">
+          <mc:Choice xmlns:a14="http://schemas.microsoft.com/office/drawing/2010/main" Requires="a14">
+            <p:sp>
+              <p:nvSpPr>
+                <p:cNvPr id="30" name="CuadroTexto 29">
+                  <a:extLst>
+                    <a:ext uri="{FF2B5EF4-FFF2-40B4-BE49-F238E27FC236}">
+                      <a16:creationId xmlns:a16="http://schemas.microsoft.com/office/drawing/2014/main" id="{75C0A5F1-2D05-C0DB-9861-36D1E3992E0A}"/>
+                    </a:ext>
+                  </a:extLst>
+                </p:cNvPr>
+                <p:cNvSpPr txBox="1"/>
+                <p:nvPr/>
+              </p:nvSpPr>
+              <p:spPr>
+                <a:xfrm>
+                  <a:off x="5894880" y="5164355"/>
+                  <a:ext cx="695447" cy="369332"/>
+                </a:xfrm>
+                <a:prstGeom prst="rect">
+                  <a:avLst/>
+                </a:prstGeom>
+                <a:noFill/>
+              </p:spPr>
+              <p:txBody>
+                <a:bodyPr wrap="none" rtlCol="0">
+                  <a:spAutoFit/>
+                </a:bodyPr>
+                <a:lstStyle/>
+                <a:p>
+                  <a:pPr/>
+                  <a14:m>
+                    <m:oMathPara xmlns:m="http://schemas.openxmlformats.org/officeDocument/2006/math">
+                      <m:oMathParaPr>
+                        <m:jc m:val="centerGroup"/>
+                      </m:oMathParaPr>
+                      <m:oMath xmlns:m="http://schemas.openxmlformats.org/officeDocument/2006/math">
+                        <m:sSub>
+                          <m:sSubPr>
+                            <m:ctrlPr>
+                              <a:rPr lang="es-ES" b="0" i="1" smtClean="0">
+                                <a:latin typeface="Cambria Math" panose="02040503050406030204" pitchFamily="18" charset="0"/>
+                              </a:rPr>
+                            </m:ctrlPr>
+                          </m:sSubPr>
+                          <m:e>
+                            <m:r>
+                              <a:rPr lang="es-ES" b="0" i="1" smtClean="0">
+                                <a:latin typeface="Cambria Math" panose="02040503050406030204" pitchFamily="18" charset="0"/>
+                              </a:rPr>
+                              <m:t>𝑥</m:t>
+                            </m:r>
+                          </m:e>
+                          <m:sub>
+                            <m:r>
+                              <a:rPr lang="es-ES" b="0" i="1" smtClean="0">
+                                <a:latin typeface="Cambria Math" panose="02040503050406030204" pitchFamily="18" charset="0"/>
+                              </a:rPr>
+                              <m:t>𝑘</m:t>
+                            </m:r>
+                            <m:r>
+                              <a:rPr lang="es-ES" b="0" i="1" smtClean="0">
+                                <a:latin typeface="Cambria Math" panose="02040503050406030204" pitchFamily="18" charset="0"/>
+                              </a:rPr>
+                              <m:t>+1</m:t>
+                            </m:r>
+                          </m:sub>
+                        </m:sSub>
+                      </m:oMath>
+                    </m:oMathPara>
+                  </a14:m>
+                  <a:endParaRPr lang="es-CO" dirty="0"/>
+                </a:p>
+              </p:txBody>
+            </p:sp>
+          </mc:Choice>
+          <mc:Fallback>
+            <p:sp>
+              <p:nvSpPr>
+                <p:cNvPr id="30" name="CuadroTexto 29">
+                  <a:extLst>
+                    <a:ext uri="{FF2B5EF4-FFF2-40B4-BE49-F238E27FC236}">
+                      <a16:creationId xmlns:a16="http://schemas.microsoft.com/office/drawing/2014/main" id="{75C0A5F1-2D05-C0DB-9861-36D1E3992E0A}"/>
+                    </a:ext>
+                  </a:extLst>
+                </p:cNvPr>
+                <p:cNvSpPr txBox="1">
+                  <a:spLocks noRot="1" noChangeAspect="1" noMove="1" noResize="1" noEditPoints="1" noAdjustHandles="1" noChangeArrowheads="1" noChangeShapeType="1" noTextEdit="1"/>
+                </p:cNvSpPr>
+                <p:nvPr/>
+              </p:nvSpPr>
+              <p:spPr>
+                <a:xfrm>
+                  <a:off x="5894880" y="5164355"/>
+                  <a:ext cx="695447" cy="369332"/>
+                </a:xfrm>
+                <a:prstGeom prst="rect">
+                  <a:avLst/>
+                </a:prstGeom>
+                <a:blipFill>
+                  <a:blip r:embed="rId4"/>
+                  <a:stretch>
+                    <a:fillRect/>
+                  </a:stretch>
+                </a:blipFill>
+              </p:spPr>
+              <p:txBody>
+                <a:bodyPr/>
+                <a:lstStyle/>
+                <a:p>
+                  <a:r>
+                    <a:rPr lang="es-CO">
+                      <a:noFill/>
+                    </a:rPr>
+                    <a:t> </a:t>
+                  </a:r>
+                </a:p>
+              </p:txBody>
+            </p:sp>
+          </mc:Fallback>
+        </mc:AlternateContent>
+        <mc:AlternateContent xmlns:mc="http://schemas.openxmlformats.org/markup-compatibility/2006">
+          <mc:Choice xmlns:a14="http://schemas.microsoft.com/office/drawing/2010/main" Requires="a14">
+            <p:sp>
+              <p:nvSpPr>
+                <p:cNvPr id="31" name="CuadroTexto 30">
+                  <a:extLst>
+                    <a:ext uri="{FF2B5EF4-FFF2-40B4-BE49-F238E27FC236}">
+                      <a16:creationId xmlns:a16="http://schemas.microsoft.com/office/drawing/2014/main" id="{D2D887C8-5317-DDA3-F89E-420474B7D77B}"/>
+                    </a:ext>
+                  </a:extLst>
+                </p:cNvPr>
+                <p:cNvSpPr txBox="1"/>
+                <p:nvPr/>
+              </p:nvSpPr>
+              <p:spPr>
+                <a:xfrm>
+                  <a:off x="3305863" y="1658177"/>
+                  <a:ext cx="1357166" cy="369332"/>
+                </a:xfrm>
+                <a:prstGeom prst="rect">
+                  <a:avLst/>
+                </a:prstGeom>
+                <a:noFill/>
+              </p:spPr>
+              <p:txBody>
+                <a:bodyPr wrap="none" rtlCol="0">
+                  <a:spAutoFit/>
+                </a:bodyPr>
+                <a:lstStyle/>
+                <a:p>
+                  <a:pPr/>
+                  <a14:m>
+                    <m:oMathPara xmlns:m="http://schemas.openxmlformats.org/officeDocument/2006/math">
+                      <m:oMathParaPr>
+                        <m:jc m:val="centerGroup"/>
+                      </m:oMathParaPr>
+                      <m:oMath xmlns:m="http://schemas.openxmlformats.org/officeDocument/2006/math">
+                        <m:sSub>
+                          <m:sSubPr>
+                            <m:ctrlPr>
+                              <a:rPr lang="es-ES" b="0" i="1" smtClean="0">
+                                <a:latin typeface="Cambria Math" panose="02040503050406030204" pitchFamily="18" charset="0"/>
+                              </a:rPr>
+                            </m:ctrlPr>
+                          </m:sSubPr>
+                          <m:e>
+                            <m:r>
+                              <a:rPr lang="es-ES" b="0" i="1" smtClean="0">
+                                <a:latin typeface="Cambria Math" panose="02040503050406030204" pitchFamily="18" charset="0"/>
+                              </a:rPr>
+                              <m:t>𝑦</m:t>
+                            </m:r>
+                          </m:e>
+                          <m:sub>
+                            <m:r>
+                              <a:rPr lang="es-ES" b="0" i="1" smtClean="0">
+                                <a:latin typeface="Cambria Math" panose="02040503050406030204" pitchFamily="18" charset="0"/>
+                              </a:rPr>
+                              <m:t>𝑘</m:t>
+                            </m:r>
+                          </m:sub>
+                        </m:sSub>
+                        <m:r>
+                          <a:rPr lang="es-ES" b="0" i="1" smtClean="0">
+                            <a:latin typeface="Cambria Math" panose="02040503050406030204" pitchFamily="18" charset="0"/>
+                          </a:rPr>
+                          <m:t>=</m:t>
+                        </m:r>
+                        <m:r>
+                          <a:rPr lang="es-ES" b="0" i="1" smtClean="0">
+                            <a:latin typeface="Cambria Math" panose="02040503050406030204" pitchFamily="18" charset="0"/>
+                          </a:rPr>
+                          <m:t>𝑓</m:t>
+                        </m:r>
+                        <m:r>
+                          <a:rPr lang="es-ES" b="0" i="1" smtClean="0">
+                            <a:latin typeface="Cambria Math" panose="02040503050406030204" pitchFamily="18" charset="0"/>
+                          </a:rPr>
+                          <m:t>(</m:t>
+                        </m:r>
+                        <m:sSub>
+                          <m:sSubPr>
+                            <m:ctrlPr>
+                              <a:rPr lang="es-ES" b="0" i="1" smtClean="0">
+                                <a:latin typeface="Cambria Math" panose="02040503050406030204" pitchFamily="18" charset="0"/>
+                              </a:rPr>
+                            </m:ctrlPr>
+                          </m:sSubPr>
+                          <m:e>
+                            <m:r>
+                              <a:rPr lang="es-ES" b="0" i="1" smtClean="0">
+                                <a:latin typeface="Cambria Math" panose="02040503050406030204" pitchFamily="18" charset="0"/>
+                              </a:rPr>
+                              <m:t>𝑥</m:t>
+                            </m:r>
+                          </m:e>
+                          <m:sub>
+                            <m:r>
+                              <a:rPr lang="es-ES" b="0" i="1" smtClean="0">
+                                <a:latin typeface="Cambria Math" panose="02040503050406030204" pitchFamily="18" charset="0"/>
+                              </a:rPr>
+                              <m:t>𝑘</m:t>
+                            </m:r>
+                          </m:sub>
+                        </m:sSub>
+                        <m:r>
+                          <a:rPr lang="es-ES" b="0" i="1" smtClean="0">
+                            <a:latin typeface="Cambria Math" panose="02040503050406030204" pitchFamily="18" charset="0"/>
+                          </a:rPr>
+                          <m:t>)</m:t>
+                        </m:r>
+                      </m:oMath>
+                    </m:oMathPara>
+                  </a14:m>
+                  <a:endParaRPr lang="es-CO" dirty="0"/>
+                </a:p>
+              </p:txBody>
+            </p:sp>
+          </mc:Choice>
+          <mc:Fallback>
+            <p:sp>
+              <p:nvSpPr>
+                <p:cNvPr id="31" name="CuadroTexto 30">
+                  <a:extLst>
+                    <a:ext uri="{FF2B5EF4-FFF2-40B4-BE49-F238E27FC236}">
+                      <a16:creationId xmlns:a16="http://schemas.microsoft.com/office/drawing/2014/main" id="{D2D887C8-5317-DDA3-F89E-420474B7D77B}"/>
+                    </a:ext>
+                  </a:extLst>
+                </p:cNvPr>
+                <p:cNvSpPr txBox="1">
+                  <a:spLocks noRot="1" noChangeAspect="1" noMove="1" noResize="1" noEditPoints="1" noAdjustHandles="1" noChangeArrowheads="1" noChangeShapeType="1" noTextEdit="1"/>
+                </p:cNvSpPr>
+                <p:nvPr/>
+              </p:nvSpPr>
+              <p:spPr>
+                <a:xfrm>
+                  <a:off x="3305863" y="1658177"/>
+                  <a:ext cx="1357166" cy="369332"/>
+                </a:xfrm>
+                <a:prstGeom prst="rect">
+                  <a:avLst/>
+                </a:prstGeom>
+                <a:blipFill>
+                  <a:blip r:embed="rId5"/>
+                  <a:stretch>
+                    <a:fillRect b="-13333"/>
+                  </a:stretch>
+                </a:blipFill>
+              </p:spPr>
+              <p:txBody>
+                <a:bodyPr/>
+                <a:lstStyle/>
+                <a:p>
+                  <a:r>
+                    <a:rPr lang="es-CO">
+                      <a:noFill/>
+                    </a:rPr>
+                    <a:t> </a:t>
+                  </a:r>
+                </a:p>
+              </p:txBody>
+            </p:sp>
+          </mc:Fallback>
+        </mc:AlternateContent>
+        <mc:AlternateContent xmlns:mc="http://schemas.openxmlformats.org/markup-compatibility/2006">
+          <mc:Choice xmlns:a14="http://schemas.microsoft.com/office/drawing/2010/main" Requires="a14">
+            <p:sp>
+              <p:nvSpPr>
+                <p:cNvPr id="32" name="CuadroTexto 31">
+                  <a:extLst>
+                    <a:ext uri="{FF2B5EF4-FFF2-40B4-BE49-F238E27FC236}">
+                      <a16:creationId xmlns:a16="http://schemas.microsoft.com/office/drawing/2014/main" id="{DD7AC154-DB45-543C-4F4A-48B592A37EF4}"/>
+                    </a:ext>
+                  </a:extLst>
+                </p:cNvPr>
+                <p:cNvSpPr txBox="1"/>
+                <p:nvPr/>
+              </p:nvSpPr>
+              <p:spPr>
+                <a:xfrm>
+                  <a:off x="2848325" y="3689438"/>
+                  <a:ext cx="1782091" cy="369332"/>
+                </a:xfrm>
+                <a:prstGeom prst="rect">
+                  <a:avLst/>
+                </a:prstGeom>
+                <a:noFill/>
+              </p:spPr>
+              <p:txBody>
+                <a:bodyPr wrap="none" rtlCol="0">
+                  <a:spAutoFit/>
+                </a:bodyPr>
+                <a:lstStyle/>
+                <a:p>
+                  <a:pPr/>
+                  <a14:m>
+                    <m:oMathPara xmlns:m="http://schemas.openxmlformats.org/officeDocument/2006/math">
+                      <m:oMathParaPr>
+                        <m:jc m:val="centerGroup"/>
+                      </m:oMathParaPr>
+                      <m:oMath xmlns:m="http://schemas.openxmlformats.org/officeDocument/2006/math">
+                        <m:sSub>
+                          <m:sSubPr>
+                            <m:ctrlPr>
+                              <a:rPr lang="es-ES" b="0" i="1" smtClean="0">
+                                <a:latin typeface="Cambria Math" panose="02040503050406030204" pitchFamily="18" charset="0"/>
+                              </a:rPr>
+                            </m:ctrlPr>
+                          </m:sSubPr>
+                          <m:e>
+                            <m:r>
+                              <a:rPr lang="es-ES" b="0" i="1" smtClean="0">
+                                <a:latin typeface="Cambria Math" panose="02040503050406030204" pitchFamily="18" charset="0"/>
+                              </a:rPr>
+                              <m:t>𝑦</m:t>
+                            </m:r>
+                          </m:e>
+                          <m:sub>
+                            <m:r>
+                              <a:rPr lang="es-ES" b="0" i="1" smtClean="0">
+                                <a:latin typeface="Cambria Math" panose="02040503050406030204" pitchFamily="18" charset="0"/>
+                              </a:rPr>
+                              <m:t>𝑘</m:t>
+                            </m:r>
+                            <m:r>
+                              <a:rPr lang="es-ES" b="0" i="1" smtClean="0">
+                                <a:latin typeface="Cambria Math" panose="02040503050406030204" pitchFamily="18" charset="0"/>
+                              </a:rPr>
+                              <m:t>+1</m:t>
+                            </m:r>
+                          </m:sub>
+                        </m:sSub>
+                        <m:r>
+                          <a:rPr lang="es-ES" b="0" i="1" smtClean="0">
+                            <a:latin typeface="Cambria Math" panose="02040503050406030204" pitchFamily="18" charset="0"/>
+                          </a:rPr>
+                          <m:t>=</m:t>
+                        </m:r>
+                        <m:r>
+                          <a:rPr lang="es-ES" b="0" i="1" smtClean="0">
+                            <a:latin typeface="Cambria Math" panose="02040503050406030204" pitchFamily="18" charset="0"/>
+                          </a:rPr>
+                          <m:t>𝑓</m:t>
+                        </m:r>
+                        <m:r>
+                          <a:rPr lang="es-ES" b="0" i="1" smtClean="0">
+                            <a:latin typeface="Cambria Math" panose="02040503050406030204" pitchFamily="18" charset="0"/>
+                          </a:rPr>
+                          <m:t>(</m:t>
+                        </m:r>
+                        <m:sSub>
+                          <m:sSubPr>
+                            <m:ctrlPr>
+                              <a:rPr lang="es-ES" b="0" i="1" smtClean="0">
+                                <a:latin typeface="Cambria Math" panose="02040503050406030204" pitchFamily="18" charset="0"/>
+                              </a:rPr>
+                            </m:ctrlPr>
+                          </m:sSubPr>
+                          <m:e>
+                            <m:r>
+                              <a:rPr lang="es-ES" b="0" i="1" smtClean="0">
+                                <a:latin typeface="Cambria Math" panose="02040503050406030204" pitchFamily="18" charset="0"/>
+                              </a:rPr>
+                              <m:t>𝑥</m:t>
+                            </m:r>
+                          </m:e>
+                          <m:sub>
+                            <m:r>
+                              <a:rPr lang="es-ES" b="0" i="1" smtClean="0">
+                                <a:latin typeface="Cambria Math" panose="02040503050406030204" pitchFamily="18" charset="0"/>
+                              </a:rPr>
+                              <m:t>𝑘</m:t>
+                            </m:r>
+                            <m:r>
+                              <a:rPr lang="es-ES" b="0" i="1" smtClean="0">
+                                <a:latin typeface="Cambria Math" panose="02040503050406030204" pitchFamily="18" charset="0"/>
+                              </a:rPr>
+                              <m:t>+1</m:t>
+                            </m:r>
+                          </m:sub>
+                        </m:sSub>
+                        <m:r>
+                          <a:rPr lang="es-ES" b="0" i="1" smtClean="0">
+                            <a:latin typeface="Cambria Math" panose="02040503050406030204" pitchFamily="18" charset="0"/>
+                          </a:rPr>
+                          <m:t>)</m:t>
+                        </m:r>
+                      </m:oMath>
+                    </m:oMathPara>
+                  </a14:m>
+                  <a:endParaRPr lang="es-CO" dirty="0"/>
+                </a:p>
+              </p:txBody>
+            </p:sp>
+          </mc:Choice>
+          <mc:Fallback>
+            <p:sp>
+              <p:nvSpPr>
+                <p:cNvPr id="32" name="CuadroTexto 31">
+                  <a:extLst>
+                    <a:ext uri="{FF2B5EF4-FFF2-40B4-BE49-F238E27FC236}">
+                      <a16:creationId xmlns:a16="http://schemas.microsoft.com/office/drawing/2014/main" id="{DD7AC154-DB45-543C-4F4A-48B592A37EF4}"/>
+                    </a:ext>
+                  </a:extLst>
+                </p:cNvPr>
+                <p:cNvSpPr txBox="1">
+                  <a:spLocks noRot="1" noChangeAspect="1" noMove="1" noResize="1" noEditPoints="1" noAdjustHandles="1" noChangeArrowheads="1" noChangeShapeType="1" noTextEdit="1"/>
+                </p:cNvSpPr>
+                <p:nvPr/>
+              </p:nvSpPr>
+              <p:spPr>
+                <a:xfrm>
+                  <a:off x="2848325" y="3689438"/>
+                  <a:ext cx="1782091" cy="369332"/>
+                </a:xfrm>
+                <a:prstGeom prst="rect">
+                  <a:avLst/>
+                </a:prstGeom>
+                <a:blipFill>
+                  <a:blip r:embed="rId6"/>
+                  <a:stretch>
+                    <a:fillRect b="-13333"/>
+                  </a:stretch>
+                </a:blipFill>
+              </p:spPr>
+              <p:txBody>
+                <a:bodyPr/>
+                <a:lstStyle/>
+                <a:p>
+                  <a:r>
+                    <a:rPr lang="es-CO">
+                      <a:noFill/>
+                    </a:rPr>
+                    <a:t> </a:t>
+                  </a:r>
+                </a:p>
+              </p:txBody>
+            </p:sp>
+          </mc:Fallback>
+        </mc:AlternateContent>
+      </p:grpSp>
+    </p:spTree>
+    <p:extLst>
+      <p:ext uri="{BB962C8B-B14F-4D97-AF65-F5344CB8AC3E}">
+        <p14:creationId xmlns:p14="http://schemas.microsoft.com/office/powerpoint/2010/main" val="2059412289"/>
+      </p:ext>
+    </p:extLst>
+  </p:cSld>
+  <p:clrMapOvr>
+    <a:masterClrMapping/>
+  </p:clrMapOvr>
+</p:sld>
+</file>
+
 <file path=ppt/slides/slide2.xml><?xml version="1.0" encoding="utf-8"?>
 <p:sld xmlns:a="http://schemas.openxmlformats.org/drawingml/2006/main" xmlns:r="http://schemas.openxmlformats.org/officeDocument/2006/relationships" xmlns:p="http://schemas.openxmlformats.org/presentationml/2006/main">
   <p:cSld>
@@ -4717,8 +6952,8 @@
             </a:p>
           </p:txBody>
         </p:sp>
-        <mc:AlternateContent xmlns:mc="http://schemas.openxmlformats.org/markup-compatibility/2006">
-          <mc:Choice xmlns:a14="http://schemas.microsoft.com/office/drawing/2010/main" Requires="a14">
+        <mc:AlternateContent xmlns:mc="http://schemas.openxmlformats.org/markup-compatibility/2006" xmlns:a14="http://schemas.microsoft.com/office/drawing/2010/main">
+          <mc:Choice Requires="a14">
             <p:sp>
               <p:nvSpPr>
                 <p:cNvPr id="14" name="CuadroTexto 13">
@@ -4747,6 +6982,7 @@
                 </a:bodyPr>
                 <a:lstStyle/>
                 <a:p>
+                  <a:pPr/>
                   <a14:m>
                     <m:oMathPara xmlns:m="http://schemas.openxmlformats.org/officeDocument/2006/math">
                       <m:oMathParaPr>
@@ -4797,7 +7033,7 @@
               </p:txBody>
             </p:sp>
           </mc:Choice>
-          <mc:Fallback>
+          <mc:Fallback xmlns="">
             <p:sp>
               <p:nvSpPr>
                 <p:cNvPr id="14" name="CuadroTexto 13">
@@ -5139,8 +7375,8 @@
             </a:fontRef>
           </p:style>
         </p:cxnSp>
-        <mc:AlternateContent xmlns:mc="http://schemas.openxmlformats.org/markup-compatibility/2006">
-          <mc:Choice xmlns:a14="http://schemas.microsoft.com/office/drawing/2010/main" Requires="a14">
+        <mc:AlternateContent xmlns:mc="http://schemas.openxmlformats.org/markup-compatibility/2006" xmlns:a14="http://schemas.microsoft.com/office/drawing/2010/main">
+          <mc:Choice Requires="a14">
             <p:sp>
               <p:nvSpPr>
                 <p:cNvPr id="28" name="CuadroTexto 27">
@@ -5169,6 +7405,7 @@
                 </a:bodyPr>
                 <a:lstStyle/>
                 <a:p>
+                  <a:pPr/>
                   <a14:m>
                     <m:oMathPara xmlns:m="http://schemas.openxmlformats.org/officeDocument/2006/math">
                       <m:oMathParaPr>
@@ -5208,7 +7445,7 @@
               </p:txBody>
             </p:sp>
           </mc:Choice>
-          <mc:Fallback>
+          <mc:Fallback xmlns="">
             <p:sp>
               <p:nvSpPr>
                 <p:cNvPr id="28" name="CuadroTexto 27">
@@ -5253,8 +7490,8 @@
             </p:sp>
           </mc:Fallback>
         </mc:AlternateContent>
-        <mc:AlternateContent xmlns:mc="http://schemas.openxmlformats.org/markup-compatibility/2006">
-          <mc:Choice xmlns:a14="http://schemas.microsoft.com/office/drawing/2010/main" Requires="a14">
+        <mc:AlternateContent xmlns:mc="http://schemas.openxmlformats.org/markup-compatibility/2006" xmlns:a14="http://schemas.microsoft.com/office/drawing/2010/main">
+          <mc:Choice Requires="a14">
             <p:sp>
               <p:nvSpPr>
                 <p:cNvPr id="29" name="CuadroTexto 28">
@@ -5283,6 +7520,7 @@
                 </a:bodyPr>
                 <a:lstStyle/>
                 <a:p>
+                  <a:pPr/>
                   <a14:m>
                     <m:oMathPara xmlns:m="http://schemas.openxmlformats.org/officeDocument/2006/math">
                       <m:oMathParaPr>
@@ -5328,7 +7566,7 @@
               </p:txBody>
             </p:sp>
           </mc:Choice>
-          <mc:Fallback>
+          <mc:Fallback xmlns="">
             <p:sp>
               <p:nvSpPr>
                 <p:cNvPr id="29" name="CuadroTexto 28">
@@ -5373,8 +7611,8 @@
             </p:sp>
           </mc:Fallback>
         </mc:AlternateContent>
-        <mc:AlternateContent xmlns:mc="http://schemas.openxmlformats.org/markup-compatibility/2006">
-          <mc:Choice xmlns:a14="http://schemas.microsoft.com/office/drawing/2010/main" Requires="a14">
+        <mc:AlternateContent xmlns:mc="http://schemas.openxmlformats.org/markup-compatibility/2006" xmlns:a14="http://schemas.microsoft.com/office/drawing/2010/main">
+          <mc:Choice Requires="a14">
             <p:sp>
               <p:nvSpPr>
                 <p:cNvPr id="30" name="CuadroTexto 29">
@@ -5403,6 +7641,7 @@
                 </a:bodyPr>
                 <a:lstStyle/>
                 <a:p>
+                  <a:pPr/>
                   <a14:m>
                     <m:oMathPara xmlns:m="http://schemas.openxmlformats.org/officeDocument/2006/math">
                       <m:oMathParaPr>
@@ -5491,7 +7730,7 @@
               </p:txBody>
             </p:sp>
           </mc:Choice>
-          <mc:Fallback>
+          <mc:Fallback xmlns="">
             <p:sp>
               <p:nvSpPr>
                 <p:cNvPr id="30" name="CuadroTexto 29">
@@ -5536,8 +7775,8 @@
             </p:sp>
           </mc:Fallback>
         </mc:AlternateContent>
-        <mc:AlternateContent xmlns:mc="http://schemas.openxmlformats.org/markup-compatibility/2006">
-          <mc:Choice xmlns:a14="http://schemas.microsoft.com/office/drawing/2010/main" Requires="a14">
+        <mc:AlternateContent xmlns:mc="http://schemas.openxmlformats.org/markup-compatibility/2006" xmlns:a14="http://schemas.microsoft.com/office/drawing/2010/main">
+          <mc:Choice Requires="a14">
             <p:sp>
               <p:nvSpPr>
                 <p:cNvPr id="31" name="CuadroTexto 30">
@@ -5566,6 +7805,7 @@
                 </a:bodyPr>
                 <a:lstStyle/>
                 <a:p>
+                  <a:pPr/>
                   <a14:m>
                     <m:oMathPara xmlns:m="http://schemas.openxmlformats.org/officeDocument/2006/math">
                       <m:oMathParaPr>
@@ -5666,7 +7906,7 @@
               </p:txBody>
             </p:sp>
           </mc:Choice>
-          <mc:Fallback>
+          <mc:Fallback xmlns="">
             <p:sp>
               <p:nvSpPr>
                 <p:cNvPr id="31" name="CuadroTexto 30">
@@ -5754,8 +7994,8 @@
             </a:fontRef>
           </p:style>
         </p:cxnSp>
-        <mc:AlternateContent xmlns:mc="http://schemas.openxmlformats.org/markup-compatibility/2006">
-          <mc:Choice xmlns:a14="http://schemas.microsoft.com/office/drawing/2010/main" Requires="a14">
+        <mc:AlternateContent xmlns:mc="http://schemas.openxmlformats.org/markup-compatibility/2006" xmlns:a14="http://schemas.microsoft.com/office/drawing/2010/main">
+          <mc:Choice Requires="a14">
             <p:sp>
               <p:nvSpPr>
                 <p:cNvPr id="38" name="CuadroTexto 37">
@@ -5784,6 +8024,7 @@
                 </a:bodyPr>
                 <a:lstStyle/>
                 <a:p>
+                  <a:pPr/>
                   <a14:m>
                     <m:oMathPara xmlns:m="http://schemas.openxmlformats.org/officeDocument/2006/math">
                       <m:oMathParaPr>
@@ -5813,7 +8054,7 @@
               </p:txBody>
             </p:sp>
           </mc:Choice>
-          <mc:Fallback>
+          <mc:Fallback xmlns="">
             <p:sp>
               <p:nvSpPr>
                 <p:cNvPr id="38" name="CuadroTexto 37">
@@ -5903,8 +8144,8 @@
             </a:fontRef>
           </p:style>
         </p:cxnSp>
-        <mc:AlternateContent xmlns:mc="http://schemas.openxmlformats.org/markup-compatibility/2006">
-          <mc:Choice xmlns:a14="http://schemas.microsoft.com/office/drawing/2010/main" Requires="a14">
+        <mc:AlternateContent xmlns:mc="http://schemas.openxmlformats.org/markup-compatibility/2006" xmlns:a14="http://schemas.microsoft.com/office/drawing/2010/main">
+          <mc:Choice Requires="a14">
             <p:sp>
               <p:nvSpPr>
                 <p:cNvPr id="44" name="CuadroTexto 43">
@@ -5933,6 +8174,7 @@
                 </a:bodyPr>
                 <a:lstStyle/>
                 <a:p>
+                  <a:pPr/>
                   <a14:m>
                     <m:oMathPara xmlns:m="http://schemas.openxmlformats.org/officeDocument/2006/math">
                       <m:oMathParaPr>
@@ -5962,7 +8204,7 @@
               </p:txBody>
             </p:sp>
           </mc:Choice>
-          <mc:Fallback>
+          <mc:Fallback xmlns="">
             <p:sp>
               <p:nvSpPr>
                 <p:cNvPr id="44" name="CuadroTexto 43">
@@ -6240,8 +8482,8 @@
           </a:p>
         </p:txBody>
       </p:sp>
-      <mc:AlternateContent xmlns:mc="http://schemas.openxmlformats.org/markup-compatibility/2006">
-        <mc:Choice xmlns:a14="http://schemas.microsoft.com/office/drawing/2010/main" Requires="a14">
+      <mc:AlternateContent xmlns:mc="http://schemas.openxmlformats.org/markup-compatibility/2006" xmlns:a14="http://schemas.microsoft.com/office/drawing/2010/main">
+        <mc:Choice Requires="a14">
           <p:sp>
             <p:nvSpPr>
               <p:cNvPr id="8" name="CuadroTexto 7">
@@ -6270,6 +8512,7 @@
               </a:bodyPr>
               <a:lstStyle/>
               <a:p>
+                <a:pPr/>
                 <a14:m>
                   <m:oMathPara xmlns:m="http://schemas.openxmlformats.org/officeDocument/2006/math">
                     <m:oMathParaPr>
@@ -6320,7 +8563,7 @@
             </p:txBody>
           </p:sp>
         </mc:Choice>
-        <mc:Fallback>
+        <mc:Fallback xmlns="">
           <p:sp>
             <p:nvSpPr>
               <p:cNvPr id="8" name="CuadroTexto 7">
@@ -6514,8 +8757,8 @@
           </a:fontRef>
         </p:style>
       </p:cxnSp>
-      <mc:AlternateContent xmlns:mc="http://schemas.openxmlformats.org/markup-compatibility/2006">
-        <mc:Choice xmlns:a14="http://schemas.microsoft.com/office/drawing/2010/main" Requires="a14">
+      <mc:AlternateContent xmlns:mc="http://schemas.openxmlformats.org/markup-compatibility/2006" xmlns:a14="http://schemas.microsoft.com/office/drawing/2010/main">
+        <mc:Choice Requires="a14">
           <p:sp>
             <p:nvSpPr>
               <p:cNvPr id="15" name="CuadroTexto 14">
@@ -6544,6 +8787,7 @@
               </a:bodyPr>
               <a:lstStyle/>
               <a:p>
+                <a:pPr/>
                 <a14:m>
                   <m:oMathPara xmlns:m="http://schemas.openxmlformats.org/officeDocument/2006/math">
                     <m:oMathParaPr>
@@ -6583,7 +8827,7 @@
             </p:txBody>
           </p:sp>
         </mc:Choice>
-        <mc:Fallback>
+        <mc:Fallback xmlns="">
           <p:sp>
             <p:nvSpPr>
               <p:cNvPr id="15" name="CuadroTexto 14">
@@ -6628,8 +8872,8 @@
           </p:sp>
         </mc:Fallback>
       </mc:AlternateContent>
-      <mc:AlternateContent xmlns:mc="http://schemas.openxmlformats.org/markup-compatibility/2006">
-        <mc:Choice xmlns:a14="http://schemas.microsoft.com/office/drawing/2010/main" Requires="a14">
+      <mc:AlternateContent xmlns:mc="http://schemas.openxmlformats.org/markup-compatibility/2006" xmlns:a14="http://schemas.microsoft.com/office/drawing/2010/main">
+        <mc:Choice Requires="a14">
           <p:sp>
             <p:nvSpPr>
               <p:cNvPr id="17" name="CuadroTexto 16">
@@ -6658,6 +8902,7 @@
               </a:bodyPr>
               <a:lstStyle/>
               <a:p>
+                <a:pPr/>
                 <a14:m>
                   <m:oMathPara xmlns:m="http://schemas.openxmlformats.org/officeDocument/2006/math">
                     <m:oMathParaPr>
@@ -6746,7 +8991,7 @@
             </p:txBody>
           </p:sp>
         </mc:Choice>
-        <mc:Fallback>
+        <mc:Fallback xmlns="">
           <p:sp>
             <p:nvSpPr>
               <p:cNvPr id="17" name="CuadroTexto 16">
@@ -6849,6 +9094,1475 @@
 </file>
 
 <file path=ppt/slides/slide4.xml><?xml version="1.0" encoding="utf-8"?>
+<p:sld xmlns:a="http://schemas.openxmlformats.org/drawingml/2006/main" xmlns:r="http://schemas.openxmlformats.org/officeDocument/2006/relationships" xmlns:p="http://schemas.openxmlformats.org/presentationml/2006/main">
+  <p:cSld>
+    <p:spTree>
+      <p:nvGrpSpPr>
+        <p:cNvPr id="1" name=""/>
+        <p:cNvGrpSpPr/>
+        <p:nvPr/>
+      </p:nvGrpSpPr>
+      <p:grpSpPr>
+        <a:xfrm>
+          <a:off x="0" y="0"/>
+          <a:ext cx="0" cy="0"/>
+          <a:chOff x="0" y="0"/>
+          <a:chExt cx="0" cy="0"/>
+        </a:xfrm>
+      </p:grpSpPr>
+      <p:grpSp>
+        <p:nvGrpSpPr>
+          <p:cNvPr id="41" name="Grupo 40">
+            <a:extLst>
+              <a:ext uri="{FF2B5EF4-FFF2-40B4-BE49-F238E27FC236}">
+                <a16:creationId xmlns:a16="http://schemas.microsoft.com/office/drawing/2014/main" id="{A9FCC4BC-B6BB-EA98-C64D-1BEFA4F370D1}"/>
+              </a:ext>
+            </a:extLst>
+          </p:cNvPr>
+          <p:cNvGrpSpPr/>
+          <p:nvPr/>
+        </p:nvGrpSpPr>
+        <p:grpSpPr>
+          <a:xfrm>
+            <a:off x="3008216" y="1899841"/>
+            <a:ext cx="6612178" cy="3414034"/>
+            <a:chOff x="2098637" y="1621061"/>
+            <a:chExt cx="6612178" cy="3414034"/>
+          </a:xfrm>
+        </p:grpSpPr>
+        <p:cxnSp>
+          <p:nvCxnSpPr>
+            <p:cNvPr id="5" name="Conector recto de flecha 4">
+              <a:extLst>
+                <a:ext uri="{FF2B5EF4-FFF2-40B4-BE49-F238E27FC236}">
+                  <a16:creationId xmlns:a16="http://schemas.microsoft.com/office/drawing/2014/main" id="{A566F85F-84AB-EB48-89B6-73ADB3E22D79}"/>
+                </a:ext>
+              </a:extLst>
+            </p:cNvPr>
+            <p:cNvCxnSpPr>
+              <a:cxnSpLocks/>
+            </p:cNvCxnSpPr>
+            <p:nvPr/>
+          </p:nvCxnSpPr>
+          <p:spPr>
+            <a:xfrm flipV="1">
+              <a:off x="2518621" y="1621061"/>
+              <a:ext cx="0" cy="3219006"/>
+            </a:xfrm>
+            <a:prstGeom prst="straightConnector1">
+              <a:avLst/>
+            </a:prstGeom>
+            <a:ln w="15875">
+              <a:solidFill>
+                <a:schemeClr val="tx1"/>
+              </a:solidFill>
+              <a:tailEnd type="stealth"/>
+            </a:ln>
+          </p:spPr>
+          <p:style>
+            <a:lnRef idx="1">
+              <a:schemeClr val="accent1"/>
+            </a:lnRef>
+            <a:fillRef idx="0">
+              <a:schemeClr val="accent1"/>
+            </a:fillRef>
+            <a:effectRef idx="0">
+              <a:schemeClr val="accent1"/>
+            </a:effectRef>
+            <a:fontRef idx="minor">
+              <a:schemeClr val="tx1"/>
+            </a:fontRef>
+          </p:style>
+        </p:cxnSp>
+        <p:cxnSp>
+          <p:nvCxnSpPr>
+            <p:cNvPr id="6" name="Conector recto de flecha 5">
+              <a:extLst>
+                <a:ext uri="{FF2B5EF4-FFF2-40B4-BE49-F238E27FC236}">
+                  <a16:creationId xmlns:a16="http://schemas.microsoft.com/office/drawing/2014/main" id="{2ADD708A-75EF-8742-B902-195864F7A382}"/>
+                </a:ext>
+              </a:extLst>
+            </p:cNvPr>
+            <p:cNvCxnSpPr>
+              <a:cxnSpLocks/>
+            </p:cNvCxnSpPr>
+            <p:nvPr/>
+          </p:nvCxnSpPr>
+          <p:spPr>
+            <a:xfrm>
+              <a:off x="2337389" y="4658834"/>
+              <a:ext cx="4232118" cy="0"/>
+            </a:xfrm>
+            <a:prstGeom prst="straightConnector1">
+              <a:avLst/>
+            </a:prstGeom>
+            <a:ln w="15875">
+              <a:solidFill>
+                <a:schemeClr val="tx1"/>
+              </a:solidFill>
+              <a:tailEnd type="stealth"/>
+            </a:ln>
+          </p:spPr>
+          <p:style>
+            <a:lnRef idx="1">
+              <a:schemeClr val="accent1"/>
+            </a:lnRef>
+            <a:fillRef idx="0">
+              <a:schemeClr val="accent1"/>
+            </a:fillRef>
+            <a:effectRef idx="0">
+              <a:schemeClr val="accent1"/>
+            </a:effectRef>
+            <a:fontRef idx="minor">
+              <a:schemeClr val="tx1"/>
+            </a:fontRef>
+          </p:style>
+        </p:cxnSp>
+        <p:sp>
+          <p:nvSpPr>
+            <p:cNvPr id="7" name="Forma libre 6">
+              <a:extLst>
+                <a:ext uri="{FF2B5EF4-FFF2-40B4-BE49-F238E27FC236}">
+                  <a16:creationId xmlns:a16="http://schemas.microsoft.com/office/drawing/2014/main" id="{88994FBB-A5AD-2340-AC0D-FF7801B69859}"/>
+                </a:ext>
+              </a:extLst>
+            </p:cNvPr>
+            <p:cNvSpPr/>
+            <p:nvPr/>
+          </p:nvSpPr>
+          <p:spPr>
+            <a:xfrm>
+              <a:off x="2337389" y="1833254"/>
+              <a:ext cx="3484605" cy="2644347"/>
+            </a:xfrm>
+            <a:custGeom>
+              <a:avLst/>
+              <a:gdLst>
+                <a:gd name="connsiteX0" fmla="*/ 0 w 3237470"/>
+                <a:gd name="connsiteY0" fmla="*/ 2409568 h 2409568"/>
+                <a:gd name="connsiteX1" fmla="*/ 1606379 w 3237470"/>
+                <a:gd name="connsiteY1" fmla="*/ 1915298 h 2409568"/>
+                <a:gd name="connsiteX2" fmla="*/ 3237470 w 3237470"/>
+                <a:gd name="connsiteY2" fmla="*/ 0 h 2409568"/>
+                <a:gd name="connsiteX0" fmla="*/ 0 w 3237470"/>
+                <a:gd name="connsiteY0" fmla="*/ 2409568 h 2409568"/>
+                <a:gd name="connsiteX1" fmla="*/ 2001795 w 3237470"/>
+                <a:gd name="connsiteY1" fmla="*/ 1828800 h 2409568"/>
+                <a:gd name="connsiteX2" fmla="*/ 3237470 w 3237470"/>
+                <a:gd name="connsiteY2" fmla="*/ 0 h 2409568"/>
+                <a:gd name="connsiteX0" fmla="*/ 0 w 3237470"/>
+                <a:gd name="connsiteY0" fmla="*/ 2409568 h 2409568"/>
+                <a:gd name="connsiteX1" fmla="*/ 2001795 w 3237470"/>
+                <a:gd name="connsiteY1" fmla="*/ 1828800 h 2409568"/>
+                <a:gd name="connsiteX2" fmla="*/ 3237470 w 3237470"/>
+                <a:gd name="connsiteY2" fmla="*/ 0 h 2409568"/>
+                <a:gd name="connsiteX0" fmla="*/ 0 w 3484605"/>
+                <a:gd name="connsiteY0" fmla="*/ 2644347 h 2644347"/>
+                <a:gd name="connsiteX1" fmla="*/ 2001795 w 3484605"/>
+                <a:gd name="connsiteY1" fmla="*/ 2063579 h 2644347"/>
+                <a:gd name="connsiteX2" fmla="*/ 3484605 w 3484605"/>
+                <a:gd name="connsiteY2" fmla="*/ 0 h 2644347"/>
+                <a:gd name="connsiteX0" fmla="*/ 0 w 3484605"/>
+                <a:gd name="connsiteY0" fmla="*/ 2644347 h 2644347"/>
+                <a:gd name="connsiteX1" fmla="*/ 2001795 w 3484605"/>
+                <a:gd name="connsiteY1" fmla="*/ 2063579 h 2644347"/>
+                <a:gd name="connsiteX2" fmla="*/ 3484605 w 3484605"/>
+                <a:gd name="connsiteY2" fmla="*/ 0 h 2644347"/>
+              </a:gdLst>
+              <a:ahLst/>
+              <a:cxnLst>
+                <a:cxn ang="0">
+                  <a:pos x="connsiteX0" y="connsiteY0"/>
+                </a:cxn>
+                <a:cxn ang="0">
+                  <a:pos x="connsiteX1" y="connsiteY1"/>
+                </a:cxn>
+                <a:cxn ang="0">
+                  <a:pos x="connsiteX2" y="connsiteY2"/>
+                </a:cxn>
+              </a:cxnLst>
+              <a:rect l="l" t="t" r="r" b="b"/>
+              <a:pathLst>
+                <a:path w="3484605" h="2644347">
+                  <a:moveTo>
+                    <a:pt x="0" y="2644347"/>
+                  </a:moveTo>
+                  <a:cubicBezTo>
+                    <a:pt x="533400" y="2598009"/>
+                    <a:pt x="1462217" y="2465174"/>
+                    <a:pt x="2001795" y="2063579"/>
+                  </a:cubicBezTo>
+                  <a:cubicBezTo>
+                    <a:pt x="2541373" y="1661984"/>
+                    <a:pt x="3198340" y="942203"/>
+                    <a:pt x="3484605" y="0"/>
+                  </a:cubicBezTo>
+                </a:path>
+              </a:pathLst>
+            </a:custGeom>
+            <a:noFill/>
+            <a:ln w="25400">
+              <a:solidFill>
+                <a:schemeClr val="bg1">
+                  <a:lumMod val="65000"/>
+                </a:schemeClr>
+              </a:solidFill>
+            </a:ln>
+          </p:spPr>
+          <p:style>
+            <a:lnRef idx="2">
+              <a:schemeClr val="accent1">
+                <a:shade val="50000"/>
+              </a:schemeClr>
+            </a:lnRef>
+            <a:fillRef idx="1">
+              <a:schemeClr val="accent1"/>
+            </a:fillRef>
+            <a:effectRef idx="0">
+              <a:schemeClr val="accent1"/>
+            </a:effectRef>
+            <a:fontRef idx="minor">
+              <a:schemeClr val="lt1"/>
+            </a:fontRef>
+          </p:style>
+          <p:txBody>
+            <a:bodyPr rtlCol="0" anchor="ctr"/>
+            <a:lstStyle/>
+            <a:p>
+              <a:pPr algn="ctr"/>
+              <a:endParaRPr lang="es-CO" dirty="0"/>
+            </a:p>
+          </p:txBody>
+        </p:sp>
+        <mc:AlternateContent xmlns:mc="http://schemas.openxmlformats.org/markup-compatibility/2006">
+          <mc:Choice xmlns:a14="http://schemas.microsoft.com/office/drawing/2010/main" Requires="a14">
+            <p:sp>
+              <p:nvSpPr>
+                <p:cNvPr id="8" name="CuadroTexto 7">
+                  <a:extLst>
+                    <a:ext uri="{FF2B5EF4-FFF2-40B4-BE49-F238E27FC236}">
+                      <a16:creationId xmlns:a16="http://schemas.microsoft.com/office/drawing/2014/main" id="{972FC93C-B85E-4C42-B34A-131F806DC161}"/>
+                    </a:ext>
+                  </a:extLst>
+                </p:cNvPr>
+                <p:cNvSpPr txBox="1"/>
+                <p:nvPr/>
+              </p:nvSpPr>
+              <p:spPr>
+                <a:xfrm>
+                  <a:off x="5780331" y="1885715"/>
+                  <a:ext cx="1128899" cy="369332"/>
+                </a:xfrm>
+                <a:prstGeom prst="rect">
+                  <a:avLst/>
+                </a:prstGeom>
+                <a:noFill/>
+              </p:spPr>
+              <p:txBody>
+                <a:bodyPr wrap="none" rtlCol="0">
+                  <a:spAutoFit/>
+                </a:bodyPr>
+                <a:lstStyle/>
+                <a:p>
+                  <a:pPr/>
+                  <a14:m>
+                    <m:oMathPara xmlns:m="http://schemas.openxmlformats.org/officeDocument/2006/math">
+                      <m:oMathParaPr>
+                        <m:jc m:val="centerGroup"/>
+                      </m:oMathParaPr>
+                      <m:oMath xmlns:m="http://schemas.openxmlformats.org/officeDocument/2006/math">
+                        <m:r>
+                          <a:rPr lang="es-ES" b="0" i="1" smtClean="0">
+                            <a:latin typeface="Cambria Math" panose="02040503050406030204" pitchFamily="18" charset="0"/>
+                          </a:rPr>
+                          <m:t>𝑦</m:t>
+                        </m:r>
+                        <m:r>
+                          <a:rPr lang="es-ES" b="0" i="1" smtClean="0">
+                            <a:latin typeface="Cambria Math" panose="02040503050406030204" pitchFamily="18" charset="0"/>
+                          </a:rPr>
+                          <m:t>=</m:t>
+                        </m:r>
+                        <m:r>
+                          <a:rPr lang="es-ES" b="0" i="1" smtClean="0">
+                            <a:latin typeface="Cambria Math" panose="02040503050406030204" pitchFamily="18" charset="0"/>
+                          </a:rPr>
+                          <m:t>𝑓</m:t>
+                        </m:r>
+                        <m:r>
+                          <a:rPr lang="es-ES" b="0" i="1" smtClean="0">
+                            <a:latin typeface="Cambria Math" panose="02040503050406030204" pitchFamily="18" charset="0"/>
+                          </a:rPr>
+                          <m:t>(</m:t>
+                        </m:r>
+                        <m:r>
+                          <a:rPr lang="es-ES" b="0" i="1" smtClean="0">
+                            <a:latin typeface="Cambria Math" panose="02040503050406030204" pitchFamily="18" charset="0"/>
+                          </a:rPr>
+                          <m:t>𝑥</m:t>
+                        </m:r>
+                        <m:r>
+                          <a:rPr lang="es-ES" b="0" i="1" smtClean="0">
+                            <a:latin typeface="Cambria Math" panose="02040503050406030204" pitchFamily="18" charset="0"/>
+                          </a:rPr>
+                          <m:t>)</m:t>
+                        </m:r>
+                      </m:oMath>
+                    </m:oMathPara>
+                  </a14:m>
+                  <a:endParaRPr lang="es-CO" dirty="0"/>
+                </a:p>
+              </p:txBody>
+            </p:sp>
+          </mc:Choice>
+          <mc:Fallback>
+            <p:sp>
+              <p:nvSpPr>
+                <p:cNvPr id="8" name="CuadroTexto 7">
+                  <a:extLst>
+                    <a:ext uri="{FF2B5EF4-FFF2-40B4-BE49-F238E27FC236}">
+                      <a16:creationId xmlns:a16="http://schemas.microsoft.com/office/drawing/2014/main" id="{972FC93C-B85E-4C42-B34A-131F806DC161}"/>
+                    </a:ext>
+                  </a:extLst>
+                </p:cNvPr>
+                <p:cNvSpPr txBox="1">
+                  <a:spLocks noRot="1" noChangeAspect="1" noMove="1" noResize="1" noEditPoints="1" noAdjustHandles="1" noChangeArrowheads="1" noChangeShapeType="1" noTextEdit="1"/>
+                </p:cNvSpPr>
+                <p:nvPr/>
+              </p:nvSpPr>
+              <p:spPr>
+                <a:xfrm>
+                  <a:off x="5780331" y="1885715"/>
+                  <a:ext cx="1128899" cy="369332"/>
+                </a:xfrm>
+                <a:prstGeom prst="rect">
+                  <a:avLst/>
+                </a:prstGeom>
+                <a:blipFill>
+                  <a:blip r:embed="rId2"/>
+                  <a:stretch>
+                    <a:fillRect b="-16667"/>
+                  </a:stretch>
+                </a:blipFill>
+              </p:spPr>
+              <p:txBody>
+                <a:bodyPr/>
+                <a:lstStyle/>
+                <a:p>
+                  <a:r>
+                    <a:rPr lang="es-CO">
+                      <a:noFill/>
+                    </a:rPr>
+                    <a:t> </a:t>
+                  </a:r>
+                </a:p>
+              </p:txBody>
+            </p:sp>
+          </mc:Fallback>
+        </mc:AlternateContent>
+        <p:sp>
+          <p:nvSpPr>
+            <p:cNvPr id="9" name="Elipse 8">
+              <a:extLst>
+                <a:ext uri="{FF2B5EF4-FFF2-40B4-BE49-F238E27FC236}">
+                  <a16:creationId xmlns:a16="http://schemas.microsoft.com/office/drawing/2014/main" id="{BF7F4E00-80F3-9344-9A8C-B231D82BB620}"/>
+                </a:ext>
+              </a:extLst>
+            </p:cNvPr>
+            <p:cNvSpPr/>
+            <p:nvPr/>
+          </p:nvSpPr>
+          <p:spPr>
+            <a:xfrm>
+              <a:off x="3818061" y="4082059"/>
+              <a:ext cx="140043" cy="140043"/>
+            </a:xfrm>
+            <a:prstGeom prst="ellipse">
+              <a:avLst/>
+            </a:prstGeom>
+            <a:solidFill>
+              <a:schemeClr val="tx1">
+                <a:lumMod val="75000"/>
+                <a:lumOff val="25000"/>
+              </a:schemeClr>
+            </a:solidFill>
+            <a:ln>
+              <a:solidFill>
+                <a:schemeClr val="tx1">
+                  <a:lumMod val="75000"/>
+                  <a:lumOff val="25000"/>
+                </a:schemeClr>
+              </a:solidFill>
+            </a:ln>
+          </p:spPr>
+          <p:style>
+            <a:lnRef idx="2">
+              <a:schemeClr val="accent1">
+                <a:shade val="50000"/>
+              </a:schemeClr>
+            </a:lnRef>
+            <a:fillRef idx="1">
+              <a:schemeClr val="accent1"/>
+            </a:fillRef>
+            <a:effectRef idx="0">
+              <a:schemeClr val="accent1"/>
+            </a:effectRef>
+            <a:fontRef idx="minor">
+              <a:schemeClr val="lt1"/>
+            </a:fontRef>
+          </p:style>
+          <p:txBody>
+            <a:bodyPr rtlCol="0" anchor="ctr"/>
+            <a:lstStyle/>
+            <a:p>
+              <a:pPr algn="ctr"/>
+              <a:endParaRPr lang="es-CO"/>
+            </a:p>
+          </p:txBody>
+        </p:sp>
+        <p:cxnSp>
+          <p:nvCxnSpPr>
+            <p:cNvPr id="11" name="Conector recto 10">
+              <a:extLst>
+                <a:ext uri="{FF2B5EF4-FFF2-40B4-BE49-F238E27FC236}">
+                  <a16:creationId xmlns:a16="http://schemas.microsoft.com/office/drawing/2014/main" id="{9FBFC484-F8D6-714C-998D-44B342463B18}"/>
+                </a:ext>
+              </a:extLst>
+            </p:cNvPr>
+            <p:cNvCxnSpPr>
+              <a:cxnSpLocks/>
+              <a:stCxn id="9" idx="4"/>
+            </p:cNvCxnSpPr>
+            <p:nvPr/>
+          </p:nvCxnSpPr>
+          <p:spPr>
+            <a:xfrm>
+              <a:off x="3888083" y="4222102"/>
+              <a:ext cx="0" cy="436732"/>
+            </a:xfrm>
+            <a:prstGeom prst="line">
+              <a:avLst/>
+            </a:prstGeom>
+            <a:ln w="12700">
+              <a:solidFill>
+                <a:schemeClr val="tx1"/>
+              </a:solidFill>
+              <a:prstDash val="dash"/>
+            </a:ln>
+          </p:spPr>
+          <p:style>
+            <a:lnRef idx="1">
+              <a:schemeClr val="accent1"/>
+            </a:lnRef>
+            <a:fillRef idx="0">
+              <a:schemeClr val="accent1"/>
+            </a:fillRef>
+            <a:effectRef idx="0">
+              <a:schemeClr val="accent1"/>
+            </a:effectRef>
+            <a:fontRef idx="minor">
+              <a:schemeClr val="tx1"/>
+            </a:fontRef>
+          </p:style>
+        </p:cxnSp>
+        <p:cxnSp>
+          <p:nvCxnSpPr>
+            <p:cNvPr id="13" name="Conector recto 12">
+              <a:extLst>
+                <a:ext uri="{FF2B5EF4-FFF2-40B4-BE49-F238E27FC236}">
+                  <a16:creationId xmlns:a16="http://schemas.microsoft.com/office/drawing/2014/main" id="{DCE11860-1E8E-3943-9EDB-8FE36AD323C7}"/>
+                </a:ext>
+              </a:extLst>
+            </p:cNvPr>
+            <p:cNvCxnSpPr>
+              <a:cxnSpLocks/>
+              <a:endCxn id="9" idx="6"/>
+            </p:cNvCxnSpPr>
+            <p:nvPr/>
+          </p:nvCxnSpPr>
+          <p:spPr>
+            <a:xfrm>
+              <a:off x="2518621" y="4152080"/>
+              <a:ext cx="1439483" cy="1"/>
+            </a:xfrm>
+            <a:prstGeom prst="line">
+              <a:avLst/>
+            </a:prstGeom>
+            <a:ln w="12700">
+              <a:solidFill>
+                <a:schemeClr val="tx1"/>
+              </a:solidFill>
+              <a:prstDash val="dash"/>
+            </a:ln>
+          </p:spPr>
+          <p:style>
+            <a:lnRef idx="1">
+              <a:schemeClr val="accent1"/>
+            </a:lnRef>
+            <a:fillRef idx="0">
+              <a:schemeClr val="accent1"/>
+            </a:fillRef>
+            <a:effectRef idx="0">
+              <a:schemeClr val="accent1"/>
+            </a:effectRef>
+            <a:fontRef idx="minor">
+              <a:schemeClr val="tx1"/>
+            </a:fontRef>
+          </p:style>
+        </p:cxnSp>
+        <mc:AlternateContent xmlns:mc="http://schemas.openxmlformats.org/markup-compatibility/2006">
+          <mc:Choice xmlns:a14="http://schemas.microsoft.com/office/drawing/2010/main" Requires="a14">
+            <p:sp>
+              <p:nvSpPr>
+                <p:cNvPr id="15" name="CuadroTexto 14">
+                  <a:extLst>
+                    <a:ext uri="{FF2B5EF4-FFF2-40B4-BE49-F238E27FC236}">
+                      <a16:creationId xmlns:a16="http://schemas.microsoft.com/office/drawing/2014/main" id="{758C14C6-E213-AE45-BD1E-B6B325F212C3}"/>
+                    </a:ext>
+                  </a:extLst>
+                </p:cNvPr>
+                <p:cNvSpPr txBox="1"/>
+                <p:nvPr/>
+              </p:nvSpPr>
+              <p:spPr>
+                <a:xfrm>
+                  <a:off x="3650164" y="4665763"/>
+                  <a:ext cx="475836" cy="369332"/>
+                </a:xfrm>
+                <a:prstGeom prst="rect">
+                  <a:avLst/>
+                </a:prstGeom>
+                <a:noFill/>
+              </p:spPr>
+              <p:txBody>
+                <a:bodyPr wrap="none" rtlCol="0">
+                  <a:spAutoFit/>
+                </a:bodyPr>
+                <a:lstStyle/>
+                <a:p>
+                  <a:pPr/>
+                  <a14:m>
+                    <m:oMathPara xmlns:m="http://schemas.openxmlformats.org/officeDocument/2006/math">
+                      <m:oMathParaPr>
+                        <m:jc m:val="centerGroup"/>
+                      </m:oMathParaPr>
+                      <m:oMath xmlns:m="http://schemas.openxmlformats.org/officeDocument/2006/math">
+                        <m:sSub>
+                          <m:sSubPr>
+                            <m:ctrlPr>
+                              <a:rPr lang="es-ES" b="0" i="1" smtClean="0">
+                                <a:latin typeface="Cambria Math" panose="02040503050406030204" pitchFamily="18" charset="0"/>
+                              </a:rPr>
+                            </m:ctrlPr>
+                          </m:sSubPr>
+                          <m:e>
+                            <m:r>
+                              <a:rPr lang="es-ES" b="0" i="1" smtClean="0">
+                                <a:latin typeface="Cambria Math" panose="02040503050406030204" pitchFamily="18" charset="0"/>
+                              </a:rPr>
+                              <m:t>𝑥</m:t>
+                            </m:r>
+                          </m:e>
+                          <m:sub>
+                            <m:r>
+                              <a:rPr lang="es-ES" b="0" i="1" smtClean="0">
+                                <a:latin typeface="Cambria Math" panose="02040503050406030204" pitchFamily="18" charset="0"/>
+                              </a:rPr>
+                              <m:t>𝑘</m:t>
+                            </m:r>
+                          </m:sub>
+                        </m:sSub>
+                      </m:oMath>
+                    </m:oMathPara>
+                  </a14:m>
+                  <a:endParaRPr lang="es-CO" dirty="0"/>
+                </a:p>
+              </p:txBody>
+            </p:sp>
+          </mc:Choice>
+          <mc:Fallback>
+            <p:sp>
+              <p:nvSpPr>
+                <p:cNvPr id="15" name="CuadroTexto 14">
+                  <a:extLst>
+                    <a:ext uri="{FF2B5EF4-FFF2-40B4-BE49-F238E27FC236}">
+                      <a16:creationId xmlns:a16="http://schemas.microsoft.com/office/drawing/2014/main" id="{758C14C6-E213-AE45-BD1E-B6B325F212C3}"/>
+                    </a:ext>
+                  </a:extLst>
+                </p:cNvPr>
+                <p:cNvSpPr txBox="1">
+                  <a:spLocks noRot="1" noChangeAspect="1" noMove="1" noResize="1" noEditPoints="1" noAdjustHandles="1" noChangeArrowheads="1" noChangeShapeType="1" noTextEdit="1"/>
+                </p:cNvSpPr>
+                <p:nvPr/>
+              </p:nvSpPr>
+              <p:spPr>
+                <a:xfrm>
+                  <a:off x="3650164" y="4665763"/>
+                  <a:ext cx="475836" cy="369332"/>
+                </a:xfrm>
+                <a:prstGeom prst="rect">
+                  <a:avLst/>
+                </a:prstGeom>
+                <a:blipFill>
+                  <a:blip r:embed="rId3"/>
+                  <a:stretch>
+                    <a:fillRect/>
+                  </a:stretch>
+                </a:blipFill>
+              </p:spPr>
+              <p:txBody>
+                <a:bodyPr/>
+                <a:lstStyle/>
+                <a:p>
+                  <a:r>
+                    <a:rPr lang="es-CO">
+                      <a:noFill/>
+                    </a:rPr>
+                    <a:t> </a:t>
+                  </a:r>
+                </a:p>
+              </p:txBody>
+            </p:sp>
+          </mc:Fallback>
+        </mc:AlternateContent>
+        <mc:AlternateContent xmlns:mc="http://schemas.openxmlformats.org/markup-compatibility/2006">
+          <mc:Choice xmlns:a14="http://schemas.microsoft.com/office/drawing/2010/main" Requires="a14">
+            <p:sp>
+              <p:nvSpPr>
+                <p:cNvPr id="17" name="CuadroTexto 16">
+                  <a:extLst>
+                    <a:ext uri="{FF2B5EF4-FFF2-40B4-BE49-F238E27FC236}">
+                      <a16:creationId xmlns:a16="http://schemas.microsoft.com/office/drawing/2014/main" id="{6ACBEAF1-4D06-B046-B521-86EE34638994}"/>
+                    </a:ext>
+                  </a:extLst>
+                </p:cNvPr>
+                <p:cNvSpPr txBox="1"/>
+                <p:nvPr/>
+              </p:nvSpPr>
+              <p:spPr>
+                <a:xfrm>
+                  <a:off x="2098637" y="3897393"/>
+                  <a:ext cx="477503" cy="369332"/>
+                </a:xfrm>
+                <a:prstGeom prst="rect">
+                  <a:avLst/>
+                </a:prstGeom>
+                <a:noFill/>
+              </p:spPr>
+              <p:txBody>
+                <a:bodyPr wrap="none" rtlCol="0">
+                  <a:spAutoFit/>
+                </a:bodyPr>
+                <a:lstStyle/>
+                <a:p>
+                  <a:pPr/>
+                  <a14:m>
+                    <m:oMathPara xmlns:m="http://schemas.openxmlformats.org/officeDocument/2006/math">
+                      <m:oMathParaPr>
+                        <m:jc m:val="centerGroup"/>
+                      </m:oMathParaPr>
+                      <m:oMath xmlns:m="http://schemas.openxmlformats.org/officeDocument/2006/math">
+                        <m:sSub>
+                          <m:sSubPr>
+                            <m:ctrlPr>
+                              <a:rPr lang="es-ES" b="0" i="1" smtClean="0">
+                                <a:latin typeface="Cambria Math" panose="02040503050406030204" pitchFamily="18" charset="0"/>
+                              </a:rPr>
+                            </m:ctrlPr>
+                          </m:sSubPr>
+                          <m:e>
+                            <m:r>
+                              <a:rPr lang="es-ES" b="0" i="1" smtClean="0">
+                                <a:latin typeface="Cambria Math" panose="02040503050406030204" pitchFamily="18" charset="0"/>
+                              </a:rPr>
+                              <m:t>𝑦</m:t>
+                            </m:r>
+                          </m:e>
+                          <m:sub>
+                            <m:r>
+                              <a:rPr lang="es-ES" b="0" i="1" smtClean="0">
+                                <a:latin typeface="Cambria Math" panose="02040503050406030204" pitchFamily="18" charset="0"/>
+                              </a:rPr>
+                              <m:t>𝑘</m:t>
+                            </m:r>
+                          </m:sub>
+                        </m:sSub>
+                      </m:oMath>
+                    </m:oMathPara>
+                  </a14:m>
+                  <a:endParaRPr lang="es-CO" dirty="0"/>
+                </a:p>
+              </p:txBody>
+            </p:sp>
+          </mc:Choice>
+          <mc:Fallback>
+            <p:sp>
+              <p:nvSpPr>
+                <p:cNvPr id="17" name="CuadroTexto 16">
+                  <a:extLst>
+                    <a:ext uri="{FF2B5EF4-FFF2-40B4-BE49-F238E27FC236}">
+                      <a16:creationId xmlns:a16="http://schemas.microsoft.com/office/drawing/2014/main" id="{6ACBEAF1-4D06-B046-B521-86EE34638994}"/>
+                    </a:ext>
+                  </a:extLst>
+                </p:cNvPr>
+                <p:cNvSpPr txBox="1">
+                  <a:spLocks noRot="1" noChangeAspect="1" noMove="1" noResize="1" noEditPoints="1" noAdjustHandles="1" noChangeArrowheads="1" noChangeShapeType="1" noTextEdit="1"/>
+                </p:cNvSpPr>
+                <p:nvPr/>
+              </p:nvSpPr>
+              <p:spPr>
+                <a:xfrm>
+                  <a:off x="2098637" y="3897393"/>
+                  <a:ext cx="477503" cy="369332"/>
+                </a:xfrm>
+                <a:prstGeom prst="rect">
+                  <a:avLst/>
+                </a:prstGeom>
+                <a:blipFill>
+                  <a:blip r:embed="rId4"/>
+                  <a:stretch>
+                    <a:fillRect b="-3226"/>
+                  </a:stretch>
+                </a:blipFill>
+              </p:spPr>
+              <p:txBody>
+                <a:bodyPr/>
+                <a:lstStyle/>
+                <a:p>
+                  <a:r>
+                    <a:rPr lang="es-CO">
+                      <a:noFill/>
+                    </a:rPr>
+                    <a:t> </a:t>
+                  </a:r>
+                </a:p>
+              </p:txBody>
+            </p:sp>
+          </mc:Fallback>
+        </mc:AlternateContent>
+        <p:cxnSp>
+          <p:nvCxnSpPr>
+            <p:cNvPr id="4" name="Conector recto 3">
+              <a:extLst>
+                <a:ext uri="{FF2B5EF4-FFF2-40B4-BE49-F238E27FC236}">
+                  <a16:creationId xmlns:a16="http://schemas.microsoft.com/office/drawing/2014/main" id="{F385F535-5102-F140-ABE5-86F44C28C8C6}"/>
+                </a:ext>
+              </a:extLst>
+            </p:cNvPr>
+            <p:cNvCxnSpPr>
+              <a:cxnSpLocks/>
+            </p:cNvCxnSpPr>
+            <p:nvPr/>
+          </p:nvCxnSpPr>
+          <p:spPr>
+            <a:xfrm flipV="1">
+              <a:off x="3044283" y="2843816"/>
+              <a:ext cx="3891776" cy="1640713"/>
+            </a:xfrm>
+            <a:prstGeom prst="line">
+              <a:avLst/>
+            </a:prstGeom>
+            <a:ln w="19050">
+              <a:solidFill>
+                <a:srgbClr val="FF0000"/>
+              </a:solidFill>
+              <a:prstDash val="dash"/>
+            </a:ln>
+          </p:spPr>
+          <p:style>
+            <a:lnRef idx="1">
+              <a:schemeClr val="accent1"/>
+            </a:lnRef>
+            <a:fillRef idx="0">
+              <a:schemeClr val="accent1"/>
+            </a:fillRef>
+            <a:effectRef idx="0">
+              <a:schemeClr val="accent1"/>
+            </a:effectRef>
+            <a:fontRef idx="minor">
+              <a:schemeClr val="tx1"/>
+            </a:fontRef>
+          </p:style>
+        </p:cxnSp>
+        <p:cxnSp>
+          <p:nvCxnSpPr>
+            <p:cNvPr id="3" name="Conector recto 2">
+              <a:extLst>
+                <a:ext uri="{FF2B5EF4-FFF2-40B4-BE49-F238E27FC236}">
+                  <a16:creationId xmlns:a16="http://schemas.microsoft.com/office/drawing/2014/main" id="{859B266D-04CE-5803-3F74-A4FA6669153B}"/>
+                </a:ext>
+              </a:extLst>
+            </p:cNvPr>
+            <p:cNvCxnSpPr>
+              <a:cxnSpLocks/>
+            </p:cNvCxnSpPr>
+            <p:nvPr/>
+          </p:nvCxnSpPr>
+          <p:spPr>
+            <a:xfrm>
+              <a:off x="3888082" y="3308623"/>
+              <a:ext cx="1" cy="773436"/>
+            </a:xfrm>
+            <a:prstGeom prst="line">
+              <a:avLst/>
+            </a:prstGeom>
+            <a:ln w="25400">
+              <a:solidFill>
+                <a:srgbClr val="FF0000"/>
+              </a:solidFill>
+              <a:prstDash val="solid"/>
+              <a:headEnd type="triangle"/>
+              <a:tailEnd type="none" w="med" len="med"/>
+            </a:ln>
+          </p:spPr>
+          <p:style>
+            <a:lnRef idx="1">
+              <a:schemeClr val="accent1"/>
+            </a:lnRef>
+            <a:fillRef idx="0">
+              <a:schemeClr val="accent1"/>
+            </a:fillRef>
+            <a:effectRef idx="0">
+              <a:schemeClr val="accent1"/>
+            </a:effectRef>
+            <a:fontRef idx="minor">
+              <a:schemeClr val="tx1"/>
+            </a:fontRef>
+          </p:style>
+        </p:cxnSp>
+        <p:cxnSp>
+          <p:nvCxnSpPr>
+            <p:cNvPr id="14" name="Conector recto 13">
+              <a:extLst>
+                <a:ext uri="{FF2B5EF4-FFF2-40B4-BE49-F238E27FC236}">
+                  <a16:creationId xmlns:a16="http://schemas.microsoft.com/office/drawing/2014/main" id="{699EC050-D48F-511E-B695-70CF07246CF3}"/>
+                </a:ext>
+              </a:extLst>
+            </p:cNvPr>
+            <p:cNvCxnSpPr>
+              <a:cxnSpLocks/>
+            </p:cNvCxnSpPr>
+            <p:nvPr/>
+          </p:nvCxnSpPr>
+          <p:spPr>
+            <a:xfrm flipH="1">
+              <a:off x="3958104" y="4165588"/>
+              <a:ext cx="1844790" cy="0"/>
+            </a:xfrm>
+            <a:prstGeom prst="line">
+              <a:avLst/>
+            </a:prstGeom>
+            <a:ln w="25400">
+              <a:solidFill>
+                <a:srgbClr val="FF0000"/>
+              </a:solidFill>
+              <a:prstDash val="solid"/>
+              <a:headEnd type="triangle"/>
+              <a:tailEnd type="none" w="med" len="med"/>
+            </a:ln>
+          </p:spPr>
+          <p:style>
+            <a:lnRef idx="1">
+              <a:schemeClr val="accent1"/>
+            </a:lnRef>
+            <a:fillRef idx="0">
+              <a:schemeClr val="accent1"/>
+            </a:fillRef>
+            <a:effectRef idx="0">
+              <a:schemeClr val="accent1"/>
+            </a:effectRef>
+            <a:fontRef idx="minor">
+              <a:schemeClr val="tx1"/>
+            </a:fontRef>
+          </p:style>
+        </p:cxnSp>
+        <mc:AlternateContent xmlns:mc="http://schemas.openxmlformats.org/markup-compatibility/2006">
+          <mc:Choice xmlns:a14="http://schemas.microsoft.com/office/drawing/2010/main" Requires="a14">
+            <p:sp>
+              <p:nvSpPr>
+                <p:cNvPr id="18" name="CuadroTexto 17">
+                  <a:extLst>
+                    <a:ext uri="{FF2B5EF4-FFF2-40B4-BE49-F238E27FC236}">
+                      <a16:creationId xmlns:a16="http://schemas.microsoft.com/office/drawing/2014/main" id="{AFFB20CB-83CC-5D52-57D9-37906F746F3D}"/>
+                    </a:ext>
+                  </a:extLst>
+                </p:cNvPr>
+                <p:cNvSpPr txBox="1"/>
+                <p:nvPr/>
+              </p:nvSpPr>
+              <p:spPr>
+                <a:xfrm>
+                  <a:off x="3360182" y="3485358"/>
+                  <a:ext cx="540084" cy="400110"/>
+                </a:xfrm>
+                <a:prstGeom prst="rect">
+                  <a:avLst/>
+                </a:prstGeom>
+                <a:noFill/>
+              </p:spPr>
+              <p:txBody>
+                <a:bodyPr wrap="none" rtlCol="0">
+                  <a:spAutoFit/>
+                </a:bodyPr>
+                <a:lstStyle/>
+                <a:p>
+                  <a:pPr/>
+                  <a14:m>
+                    <m:oMathPara xmlns:m="http://schemas.openxmlformats.org/officeDocument/2006/math">
+                      <m:oMathParaPr>
+                        <m:jc m:val="centerGroup"/>
+                      </m:oMathParaPr>
+                      <m:oMath xmlns:m="http://schemas.openxmlformats.org/officeDocument/2006/math">
+                        <m:r>
+                          <a:rPr lang="es-ES" sz="2000" b="0" i="1" smtClean="0">
+                            <a:latin typeface="Cambria Math" panose="02040503050406030204" pitchFamily="18" charset="0"/>
+                          </a:rPr>
+                          <m:t>𝑑𝑦</m:t>
+                        </m:r>
+                      </m:oMath>
+                    </m:oMathPara>
+                  </a14:m>
+                  <a:endParaRPr lang="es-CO" sz="2000" dirty="0"/>
+                </a:p>
+              </p:txBody>
+            </p:sp>
+          </mc:Choice>
+          <mc:Fallback>
+            <p:sp>
+              <p:nvSpPr>
+                <p:cNvPr id="18" name="CuadroTexto 17">
+                  <a:extLst>
+                    <a:ext uri="{FF2B5EF4-FFF2-40B4-BE49-F238E27FC236}">
+                      <a16:creationId xmlns:a16="http://schemas.microsoft.com/office/drawing/2014/main" id="{AFFB20CB-83CC-5D52-57D9-37906F746F3D}"/>
+                    </a:ext>
+                  </a:extLst>
+                </p:cNvPr>
+                <p:cNvSpPr txBox="1">
+                  <a:spLocks noRot="1" noChangeAspect="1" noMove="1" noResize="1" noEditPoints="1" noAdjustHandles="1" noChangeArrowheads="1" noChangeShapeType="1" noTextEdit="1"/>
+                </p:cNvSpPr>
+                <p:nvPr/>
+              </p:nvSpPr>
+              <p:spPr>
+                <a:xfrm>
+                  <a:off x="3360182" y="3485358"/>
+                  <a:ext cx="540084" cy="400110"/>
+                </a:xfrm>
+                <a:prstGeom prst="rect">
+                  <a:avLst/>
+                </a:prstGeom>
+                <a:blipFill>
+                  <a:blip r:embed="rId5"/>
+                  <a:stretch>
+                    <a:fillRect b="-15625"/>
+                  </a:stretch>
+                </a:blipFill>
+              </p:spPr>
+              <p:txBody>
+                <a:bodyPr/>
+                <a:lstStyle/>
+                <a:p>
+                  <a:r>
+                    <a:rPr lang="es-CO">
+                      <a:noFill/>
+                    </a:rPr>
+                    <a:t> </a:t>
+                  </a:r>
+                </a:p>
+              </p:txBody>
+            </p:sp>
+          </mc:Fallback>
+        </mc:AlternateContent>
+        <mc:AlternateContent xmlns:mc="http://schemas.openxmlformats.org/markup-compatibility/2006">
+          <mc:Choice xmlns:a14="http://schemas.microsoft.com/office/drawing/2010/main" Requires="a14">
+            <p:sp>
+              <p:nvSpPr>
+                <p:cNvPr id="19" name="CuadroTexto 18">
+                  <a:extLst>
+                    <a:ext uri="{FF2B5EF4-FFF2-40B4-BE49-F238E27FC236}">
+                      <a16:creationId xmlns:a16="http://schemas.microsoft.com/office/drawing/2014/main" id="{850A87F1-AF92-D1E4-74C5-821436992DF3}"/>
+                    </a:ext>
+                  </a:extLst>
+                </p:cNvPr>
+                <p:cNvSpPr txBox="1"/>
+                <p:nvPr/>
+              </p:nvSpPr>
+              <p:spPr>
+                <a:xfrm>
+                  <a:off x="4540436" y="4209312"/>
+                  <a:ext cx="540084" cy="400110"/>
+                </a:xfrm>
+                <a:prstGeom prst="rect">
+                  <a:avLst/>
+                </a:prstGeom>
+                <a:noFill/>
+              </p:spPr>
+              <p:txBody>
+                <a:bodyPr wrap="none" rtlCol="0">
+                  <a:spAutoFit/>
+                </a:bodyPr>
+                <a:lstStyle/>
+                <a:p>
+                  <a:pPr/>
+                  <a14:m>
+                    <m:oMathPara xmlns:m="http://schemas.openxmlformats.org/officeDocument/2006/math">
+                      <m:oMathParaPr>
+                        <m:jc m:val="centerGroup"/>
+                      </m:oMathParaPr>
+                      <m:oMath xmlns:m="http://schemas.openxmlformats.org/officeDocument/2006/math">
+                        <m:r>
+                          <a:rPr lang="es-ES" sz="2000" b="0" i="1" smtClean="0">
+                            <a:latin typeface="Cambria Math" panose="02040503050406030204" pitchFamily="18" charset="0"/>
+                          </a:rPr>
+                          <m:t>𝑑𝑥</m:t>
+                        </m:r>
+                      </m:oMath>
+                    </m:oMathPara>
+                  </a14:m>
+                  <a:endParaRPr lang="es-CO" sz="2000" dirty="0"/>
+                </a:p>
+              </p:txBody>
+            </p:sp>
+          </mc:Choice>
+          <mc:Fallback>
+            <p:sp>
+              <p:nvSpPr>
+                <p:cNvPr id="19" name="CuadroTexto 18">
+                  <a:extLst>
+                    <a:ext uri="{FF2B5EF4-FFF2-40B4-BE49-F238E27FC236}">
+                      <a16:creationId xmlns:a16="http://schemas.microsoft.com/office/drawing/2014/main" id="{850A87F1-AF92-D1E4-74C5-821436992DF3}"/>
+                    </a:ext>
+                  </a:extLst>
+                </p:cNvPr>
+                <p:cNvSpPr txBox="1">
+                  <a:spLocks noRot="1" noChangeAspect="1" noMove="1" noResize="1" noEditPoints="1" noAdjustHandles="1" noChangeArrowheads="1" noChangeShapeType="1" noTextEdit="1"/>
+                </p:cNvSpPr>
+                <p:nvPr/>
+              </p:nvSpPr>
+              <p:spPr>
+                <a:xfrm>
+                  <a:off x="4540436" y="4209312"/>
+                  <a:ext cx="540084" cy="400110"/>
+                </a:xfrm>
+                <a:prstGeom prst="rect">
+                  <a:avLst/>
+                </a:prstGeom>
+                <a:blipFill>
+                  <a:blip r:embed="rId6"/>
+                  <a:stretch>
+                    <a:fillRect/>
+                  </a:stretch>
+                </a:blipFill>
+              </p:spPr>
+              <p:txBody>
+                <a:bodyPr/>
+                <a:lstStyle/>
+                <a:p>
+                  <a:r>
+                    <a:rPr lang="es-CO">
+                      <a:noFill/>
+                    </a:rPr>
+                    <a:t> </a:t>
+                  </a:r>
+                </a:p>
+              </p:txBody>
+            </p:sp>
+          </mc:Fallback>
+        </mc:AlternateContent>
+        <p:cxnSp>
+          <p:nvCxnSpPr>
+            <p:cNvPr id="20" name="Conector recto 19">
+              <a:extLst>
+                <a:ext uri="{FF2B5EF4-FFF2-40B4-BE49-F238E27FC236}">
+                  <a16:creationId xmlns:a16="http://schemas.microsoft.com/office/drawing/2014/main" id="{3EA68B35-3DE0-547A-260E-ED745E6217E8}"/>
+                </a:ext>
+              </a:extLst>
+            </p:cNvPr>
+            <p:cNvCxnSpPr>
+              <a:cxnSpLocks/>
+            </p:cNvCxnSpPr>
+            <p:nvPr/>
+          </p:nvCxnSpPr>
+          <p:spPr>
+            <a:xfrm flipH="1">
+              <a:off x="3946361" y="3308623"/>
+              <a:ext cx="1856532" cy="801210"/>
+            </a:xfrm>
+            <a:prstGeom prst="line">
+              <a:avLst/>
+            </a:prstGeom>
+            <a:ln w="47625">
+              <a:solidFill>
+                <a:srgbClr val="FF0000"/>
+              </a:solidFill>
+              <a:prstDash val="solid"/>
+              <a:headEnd type="triangle"/>
+              <a:tailEnd type="none" w="med" len="med"/>
+            </a:ln>
+          </p:spPr>
+          <p:style>
+            <a:lnRef idx="1">
+              <a:schemeClr val="accent1"/>
+            </a:lnRef>
+            <a:fillRef idx="0">
+              <a:schemeClr val="accent1"/>
+            </a:fillRef>
+            <a:effectRef idx="0">
+              <a:schemeClr val="accent1"/>
+            </a:effectRef>
+            <a:fontRef idx="minor">
+              <a:schemeClr val="tx1"/>
+            </a:fontRef>
+          </p:style>
+        </p:cxnSp>
+        <p:cxnSp>
+          <p:nvCxnSpPr>
+            <p:cNvPr id="24" name="Conector recto 23">
+              <a:extLst>
+                <a:ext uri="{FF2B5EF4-FFF2-40B4-BE49-F238E27FC236}">
+                  <a16:creationId xmlns:a16="http://schemas.microsoft.com/office/drawing/2014/main" id="{FB2216E6-5FE5-3790-B44E-056843C325BB}"/>
+                </a:ext>
+              </a:extLst>
+            </p:cNvPr>
+            <p:cNvCxnSpPr>
+              <a:cxnSpLocks/>
+            </p:cNvCxnSpPr>
+            <p:nvPr/>
+          </p:nvCxnSpPr>
+          <p:spPr>
+            <a:xfrm>
+              <a:off x="3888082" y="3308623"/>
+              <a:ext cx="1904530" cy="0"/>
+            </a:xfrm>
+            <a:prstGeom prst="line">
+              <a:avLst/>
+            </a:prstGeom>
+            <a:ln w="19050">
+              <a:solidFill>
+                <a:srgbClr val="FF0000"/>
+              </a:solidFill>
+              <a:prstDash val="dash"/>
+            </a:ln>
+          </p:spPr>
+          <p:style>
+            <a:lnRef idx="1">
+              <a:schemeClr val="accent1"/>
+            </a:lnRef>
+            <a:fillRef idx="0">
+              <a:schemeClr val="accent1"/>
+            </a:fillRef>
+            <a:effectRef idx="0">
+              <a:schemeClr val="accent1"/>
+            </a:effectRef>
+            <a:fontRef idx="minor">
+              <a:schemeClr val="tx1"/>
+            </a:fontRef>
+          </p:style>
+        </p:cxnSp>
+        <p:cxnSp>
+          <p:nvCxnSpPr>
+            <p:cNvPr id="27" name="Conector recto 26">
+              <a:extLst>
+                <a:ext uri="{FF2B5EF4-FFF2-40B4-BE49-F238E27FC236}">
+                  <a16:creationId xmlns:a16="http://schemas.microsoft.com/office/drawing/2014/main" id="{698BDA74-738D-2A0A-5EF9-0D5E198B9967}"/>
+                </a:ext>
+              </a:extLst>
+            </p:cNvPr>
+            <p:cNvCxnSpPr>
+              <a:cxnSpLocks/>
+            </p:cNvCxnSpPr>
+            <p:nvPr/>
+          </p:nvCxnSpPr>
+          <p:spPr>
+            <a:xfrm flipH="1" flipV="1">
+              <a:off x="5802894" y="3345366"/>
+              <a:ext cx="19099" cy="764467"/>
+            </a:xfrm>
+            <a:prstGeom prst="line">
+              <a:avLst/>
+            </a:prstGeom>
+            <a:ln w="19050">
+              <a:solidFill>
+                <a:srgbClr val="FF0000"/>
+              </a:solidFill>
+              <a:prstDash val="dash"/>
+            </a:ln>
+          </p:spPr>
+          <p:style>
+            <a:lnRef idx="1">
+              <a:schemeClr val="accent1"/>
+            </a:lnRef>
+            <a:fillRef idx="0">
+              <a:schemeClr val="accent1"/>
+            </a:fillRef>
+            <a:effectRef idx="0">
+              <a:schemeClr val="accent1"/>
+            </a:effectRef>
+            <a:fontRef idx="minor">
+              <a:schemeClr val="tx1"/>
+            </a:fontRef>
+          </p:style>
+        </p:cxnSp>
+        <mc:AlternateContent xmlns:mc="http://schemas.openxmlformats.org/markup-compatibility/2006">
+          <mc:Choice xmlns:a14="http://schemas.microsoft.com/office/drawing/2010/main" Requires="a14">
+            <p:sp>
+              <p:nvSpPr>
+                <p:cNvPr id="37" name="CuadroTexto 36">
+                  <a:extLst>
+                    <a:ext uri="{FF2B5EF4-FFF2-40B4-BE49-F238E27FC236}">
+                      <a16:creationId xmlns:a16="http://schemas.microsoft.com/office/drawing/2014/main" id="{3C216BFB-EB4A-92CB-76B0-BEED3E985D57}"/>
+                    </a:ext>
+                  </a:extLst>
+                </p:cNvPr>
+                <p:cNvSpPr txBox="1"/>
+                <p:nvPr/>
+              </p:nvSpPr>
+              <p:spPr>
+                <a:xfrm>
+                  <a:off x="5816433" y="3294053"/>
+                  <a:ext cx="2894382" cy="624273"/>
+                </a:xfrm>
+                <a:prstGeom prst="rect">
+                  <a:avLst/>
+                </a:prstGeom>
+                <a:noFill/>
+              </p:spPr>
+              <p:txBody>
+                <a:bodyPr wrap="none" rtlCol="0">
+                  <a:spAutoFit/>
+                </a:bodyPr>
+                <a:lstStyle/>
+                <a:p>
+                  <a:pPr/>
+                  <a14:m>
+                    <m:oMath xmlns:m="http://schemas.openxmlformats.org/officeDocument/2006/math">
+                      <m:f>
+                        <m:fPr>
+                          <m:ctrlPr>
+                            <a:rPr lang="es-ES" sz="2400" b="0" i="1" smtClean="0">
+                              <a:latin typeface="Cambria Math" panose="02040503050406030204" pitchFamily="18" charset="0"/>
+                              <a:ea typeface="Cambria Math" panose="02040503050406030204" pitchFamily="18" charset="0"/>
+                            </a:rPr>
+                          </m:ctrlPr>
+                        </m:fPr>
+                        <m:num>
+                          <m:r>
+                            <a:rPr lang="es-ES" sz="2400" i="1">
+                              <a:latin typeface="Cambria Math" panose="02040503050406030204" pitchFamily="18" charset="0"/>
+                              <a:ea typeface="Cambria Math" panose="02040503050406030204" pitchFamily="18" charset="0"/>
+                            </a:rPr>
+                            <m:t>𝑑𝑦</m:t>
+                          </m:r>
+                        </m:num>
+                        <m:den>
+                          <m:r>
+                            <a:rPr lang="es-ES" sz="2400" i="1">
+                              <a:latin typeface="Cambria Math" panose="02040503050406030204" pitchFamily="18" charset="0"/>
+                              <a:ea typeface="Cambria Math" panose="02040503050406030204" pitchFamily="18" charset="0"/>
+                            </a:rPr>
+                            <m:t>𝑑𝑥</m:t>
+                          </m:r>
+                        </m:den>
+                      </m:f>
+                    </m:oMath>
+                  </a14:m>
+                  <a:r>
+                    <a:rPr lang="es-CO" sz="2400" dirty="0">
+                      <a:latin typeface="Cambria Math" panose="02040503050406030204" pitchFamily="18" charset="0"/>
+                      <a:ea typeface="Cambria Math" panose="02040503050406030204" pitchFamily="18" charset="0"/>
+                    </a:rPr>
+                    <a:t> =</a:t>
+                  </a:r>
+                  <a:r>
+                    <a:rPr lang="es-ES" sz="2400" dirty="0">
+                      <a:latin typeface="Cambria Math" panose="02040503050406030204" pitchFamily="18" charset="0"/>
+                      <a:ea typeface="Cambria Math" panose="02040503050406030204" pitchFamily="18" charset="0"/>
+                    </a:rPr>
+                    <a:t> </a:t>
+                  </a:r>
+                  <a14:m>
+                    <m:oMath xmlns:m="http://schemas.openxmlformats.org/officeDocument/2006/math">
+                      <m:f>
+                        <m:fPr>
+                          <m:ctrlPr>
+                            <a:rPr lang="es-ES" sz="2400" i="1">
+                              <a:latin typeface="Cambria Math" panose="02040503050406030204" pitchFamily="18" charset="0"/>
+                              <a:ea typeface="Cambria Math" panose="02040503050406030204" pitchFamily="18" charset="0"/>
+                            </a:rPr>
+                          </m:ctrlPr>
+                        </m:fPr>
+                        <m:num>
+                          <m:r>
+                            <a:rPr lang="es-ES" sz="2400" i="1">
+                              <a:latin typeface="Cambria Math" panose="02040503050406030204" pitchFamily="18" charset="0"/>
+                              <a:ea typeface="Cambria Math" panose="02040503050406030204" pitchFamily="18" charset="0"/>
+                            </a:rPr>
+                            <m:t>𝑑</m:t>
+                          </m:r>
+                        </m:num>
+                        <m:den>
+                          <m:r>
+                            <a:rPr lang="es-ES" sz="2400" i="1">
+                              <a:latin typeface="Cambria Math" panose="02040503050406030204" pitchFamily="18" charset="0"/>
+                              <a:ea typeface="Cambria Math" panose="02040503050406030204" pitchFamily="18" charset="0"/>
+                            </a:rPr>
+                            <m:t>𝑑𝑥</m:t>
+                          </m:r>
+                        </m:den>
+                      </m:f>
+                      <m:r>
+                        <a:rPr lang="es-ES" sz="2400" b="0" i="1" smtClean="0">
+                          <a:latin typeface="Cambria Math" panose="02040503050406030204" pitchFamily="18" charset="0"/>
+                          <a:ea typeface="Cambria Math" panose="02040503050406030204" pitchFamily="18" charset="0"/>
+                        </a:rPr>
+                        <m:t>𝑓</m:t>
+                      </m:r>
+                      <m:r>
+                        <a:rPr lang="es-ES" sz="2400" b="0" i="1" smtClean="0">
+                          <a:latin typeface="Cambria Math" panose="02040503050406030204" pitchFamily="18" charset="0"/>
+                          <a:ea typeface="Cambria Math" panose="02040503050406030204" pitchFamily="18" charset="0"/>
+                        </a:rPr>
+                        <m:t>(</m:t>
+                      </m:r>
+                      <m:r>
+                        <a:rPr lang="es-ES" sz="2400" b="0" i="1" smtClean="0">
+                          <a:latin typeface="Cambria Math" panose="02040503050406030204" pitchFamily="18" charset="0"/>
+                          <a:ea typeface="Cambria Math" panose="02040503050406030204" pitchFamily="18" charset="0"/>
+                        </a:rPr>
+                        <m:t>𝑥</m:t>
+                      </m:r>
+                      <m:r>
+                        <a:rPr lang="es-ES" sz="2400" b="0" i="1" smtClean="0">
+                          <a:latin typeface="Cambria Math" panose="02040503050406030204" pitchFamily="18" charset="0"/>
+                          <a:ea typeface="Cambria Math" panose="02040503050406030204" pitchFamily="18" charset="0"/>
+                        </a:rPr>
+                        <m:t>)</m:t>
+                      </m:r>
+                    </m:oMath>
+                  </a14:m>
+                  <a:r>
+                    <a:rPr lang="es-CO" sz="2400" dirty="0">
+                      <a:latin typeface="Cambria Math" panose="02040503050406030204" pitchFamily="18" charset="0"/>
+                      <a:ea typeface="Cambria Math" panose="02040503050406030204" pitchFamily="18" charset="0"/>
+                    </a:rPr>
+                    <a:t> =</a:t>
+                  </a:r>
+                  <a:r>
+                    <a:rPr lang="es-ES" sz="2400" dirty="0">
+                      <a:latin typeface="Cambria Math" panose="02040503050406030204" pitchFamily="18" charset="0"/>
+                      <a:ea typeface="Cambria Math" panose="02040503050406030204" pitchFamily="18" charset="0"/>
+                    </a:rPr>
+                    <a:t> </a:t>
+                  </a:r>
+                  <a14:m>
+                    <m:oMath xmlns:m="http://schemas.openxmlformats.org/officeDocument/2006/math">
+                      <m:r>
+                        <a:rPr lang="es-ES" sz="2400" i="1">
+                          <a:latin typeface="Cambria Math" panose="02040503050406030204" pitchFamily="18" charset="0"/>
+                          <a:ea typeface="Cambria Math" panose="02040503050406030204" pitchFamily="18" charset="0"/>
+                        </a:rPr>
+                        <m:t>𝑓</m:t>
+                      </m:r>
+                      <m:r>
+                        <a:rPr lang="es-ES" sz="2400" b="0" i="1" smtClean="0">
+                          <a:latin typeface="Cambria Math" panose="02040503050406030204" pitchFamily="18" charset="0"/>
+                          <a:ea typeface="Cambria Math" panose="02040503050406030204" pitchFamily="18" charset="0"/>
+                        </a:rPr>
+                        <m:t>′</m:t>
+                      </m:r>
+                      <m:r>
+                        <a:rPr lang="es-ES" sz="2400" i="1">
+                          <a:latin typeface="Cambria Math" panose="02040503050406030204" pitchFamily="18" charset="0"/>
+                          <a:ea typeface="Cambria Math" panose="02040503050406030204" pitchFamily="18" charset="0"/>
+                        </a:rPr>
+                        <m:t>(</m:t>
+                      </m:r>
+                      <m:r>
+                        <a:rPr lang="es-ES" sz="2400" i="1">
+                          <a:latin typeface="Cambria Math" panose="02040503050406030204" pitchFamily="18" charset="0"/>
+                          <a:ea typeface="Cambria Math" panose="02040503050406030204" pitchFamily="18" charset="0"/>
+                        </a:rPr>
+                        <m:t>𝑥</m:t>
+                      </m:r>
+                      <m:r>
+                        <a:rPr lang="es-ES" sz="2400" i="1">
+                          <a:latin typeface="Cambria Math" panose="02040503050406030204" pitchFamily="18" charset="0"/>
+                          <a:ea typeface="Cambria Math" panose="02040503050406030204" pitchFamily="18" charset="0"/>
+                        </a:rPr>
+                        <m:t>)</m:t>
+                      </m:r>
+                    </m:oMath>
+                  </a14:m>
+                  <a:r>
+                    <a:rPr lang="es-CO" sz="2400" dirty="0">
+                      <a:latin typeface="Cambria Math" panose="02040503050406030204" pitchFamily="18" charset="0"/>
+                      <a:ea typeface="Cambria Math" panose="02040503050406030204" pitchFamily="18" charset="0"/>
+                    </a:rPr>
+                    <a:t> </a:t>
+                  </a:r>
+                </a:p>
+              </p:txBody>
+            </p:sp>
+          </mc:Choice>
+          <mc:Fallback>
+            <p:sp>
+              <p:nvSpPr>
+                <p:cNvPr id="37" name="CuadroTexto 36">
+                  <a:extLst>
+                    <a:ext uri="{FF2B5EF4-FFF2-40B4-BE49-F238E27FC236}">
+                      <a16:creationId xmlns:a16="http://schemas.microsoft.com/office/drawing/2014/main" id="{3C216BFB-EB4A-92CB-76B0-BEED3E985D57}"/>
+                    </a:ext>
+                  </a:extLst>
+                </p:cNvPr>
+                <p:cNvSpPr txBox="1">
+                  <a:spLocks noRot="1" noChangeAspect="1" noMove="1" noResize="1" noEditPoints="1" noAdjustHandles="1" noChangeArrowheads="1" noChangeShapeType="1" noTextEdit="1"/>
+                </p:cNvSpPr>
+                <p:nvPr/>
+              </p:nvSpPr>
+              <p:spPr>
+                <a:xfrm>
+                  <a:off x="5816433" y="3294053"/>
+                  <a:ext cx="2894382" cy="624273"/>
+                </a:xfrm>
+                <a:prstGeom prst="rect">
+                  <a:avLst/>
+                </a:prstGeom>
+                <a:blipFill>
+                  <a:blip r:embed="rId7"/>
+                  <a:stretch>
+                    <a:fillRect l="-437" b="-8000"/>
+                  </a:stretch>
+                </a:blipFill>
+              </p:spPr>
+              <p:txBody>
+                <a:bodyPr/>
+                <a:lstStyle/>
+                <a:p>
+                  <a:r>
+                    <a:rPr lang="es-CO">
+                      <a:noFill/>
+                    </a:rPr>
+                    <a:t> </a:t>
+                  </a:r>
+                </a:p>
+              </p:txBody>
+            </p:sp>
+          </mc:Fallback>
+        </mc:AlternateContent>
+      </p:grpSp>
+    </p:spTree>
+    <p:extLst>
+      <p:ext uri="{BB962C8B-B14F-4D97-AF65-F5344CB8AC3E}">
+        <p14:creationId xmlns:p14="http://schemas.microsoft.com/office/powerpoint/2010/main" val="2083357503"/>
+      </p:ext>
+    </p:extLst>
+  </p:cSld>
+  <p:clrMapOvr>
+    <a:masterClrMapping/>
+  </p:clrMapOvr>
+</p:sld>
+</file>
+
+<file path=ppt/slides/slide5.xml><?xml version="1.0" encoding="utf-8"?>
 <p:sld xmlns:a="http://schemas.openxmlformats.org/drawingml/2006/main" xmlns:r="http://schemas.openxmlformats.org/officeDocument/2006/relationships" xmlns:p="http://schemas.openxmlformats.org/presentationml/2006/main">
   <p:cSld>
     <p:spTree>
@@ -7269,8 +10983,8 @@
           </a:fontRef>
         </p:style>
       </p:cxnSp>
-      <mc:AlternateContent xmlns:mc="http://schemas.openxmlformats.org/markup-compatibility/2006">
-        <mc:Choice xmlns:a14="http://schemas.microsoft.com/office/drawing/2010/main" Requires="a14">
+      <mc:AlternateContent xmlns:mc="http://schemas.openxmlformats.org/markup-compatibility/2006" xmlns:a14="http://schemas.microsoft.com/office/drawing/2010/main">
+        <mc:Choice Requires="a14">
           <p:sp>
             <p:nvSpPr>
               <p:cNvPr id="17" name="CuadroTexto 16">
@@ -7299,6 +11013,7 @@
               </a:bodyPr>
               <a:lstStyle/>
               <a:p>
+                <a:pPr/>
                 <a14:m>
                   <m:oMathPara xmlns:m="http://schemas.openxmlformats.org/officeDocument/2006/math">
                     <m:oMathParaPr>
@@ -7367,7 +11082,7 @@
             </p:txBody>
           </p:sp>
         </mc:Choice>
-        <mc:Fallback>
+        <mc:Fallback xmlns="">
           <p:sp>
             <p:nvSpPr>
               <p:cNvPr id="17" name="CuadroTexto 16">
@@ -7510,8 +11225,8 @@
           </a:fontRef>
         </p:style>
       </p:cxnSp>
-      <mc:AlternateContent xmlns:mc="http://schemas.openxmlformats.org/markup-compatibility/2006">
-        <mc:Choice xmlns:a14="http://schemas.microsoft.com/office/drawing/2010/main" Requires="a14">
+      <mc:AlternateContent xmlns:mc="http://schemas.openxmlformats.org/markup-compatibility/2006" xmlns:a14="http://schemas.microsoft.com/office/drawing/2010/main">
+        <mc:Choice Requires="a14">
           <p:sp>
             <p:nvSpPr>
               <p:cNvPr id="24" name="CuadroTexto 23">
@@ -7540,6 +11255,7 @@
               </a:bodyPr>
               <a:lstStyle/>
               <a:p>
+                <a:pPr/>
                 <a14:m>
                   <m:oMathPara xmlns:m="http://schemas.openxmlformats.org/officeDocument/2006/math">
                     <m:oMathParaPr>
@@ -7608,7 +11324,7 @@
             </p:txBody>
           </p:sp>
         </mc:Choice>
-        <mc:Fallback>
+        <mc:Fallback xmlns="">
           <p:sp>
             <p:nvSpPr>
               <p:cNvPr id="24" name="CuadroTexto 23">
@@ -7849,8 +11565,8 @@
           </a:fontRef>
         </p:style>
       </p:cxnSp>
-      <mc:AlternateContent xmlns:mc="http://schemas.openxmlformats.org/markup-compatibility/2006">
-        <mc:Choice xmlns:a14="http://schemas.microsoft.com/office/drawing/2010/main" Requires="a14">
+      <mc:AlternateContent xmlns:mc="http://schemas.openxmlformats.org/markup-compatibility/2006" xmlns:a14="http://schemas.microsoft.com/office/drawing/2010/main">
+        <mc:Choice Requires="a14">
           <p:sp>
             <p:nvSpPr>
               <p:cNvPr id="34" name="CuadroTexto 33">
@@ -7879,6 +11595,7 @@
               </a:bodyPr>
               <a:lstStyle/>
               <a:p>
+                <a:pPr/>
                 <a14:m>
                   <m:oMathPara xmlns:m="http://schemas.openxmlformats.org/officeDocument/2006/math">
                     <m:oMathParaPr>
@@ -7947,7 +11664,7 @@
             </p:txBody>
           </p:sp>
         </mc:Choice>
-        <mc:Fallback>
+        <mc:Fallback xmlns="">
           <p:sp>
             <p:nvSpPr>
               <p:cNvPr id="34" name="CuadroTexto 33">
@@ -7992,8 +11709,8 @@
           </p:sp>
         </mc:Fallback>
       </mc:AlternateContent>
-      <mc:AlternateContent xmlns:mc="http://schemas.openxmlformats.org/markup-compatibility/2006">
-        <mc:Choice xmlns:a14="http://schemas.microsoft.com/office/drawing/2010/main" Requires="a14">
+      <mc:AlternateContent xmlns:mc="http://schemas.openxmlformats.org/markup-compatibility/2006" xmlns:a14="http://schemas.microsoft.com/office/drawing/2010/main">
+        <mc:Choice Requires="a14">
           <p:sp>
             <p:nvSpPr>
               <p:cNvPr id="35" name="CuadroTexto 34">
@@ -8022,6 +11739,7 @@
               </a:bodyPr>
               <a:lstStyle/>
               <a:p>
+                <a:pPr/>
                 <a14:m>
                   <m:oMathPara xmlns:m="http://schemas.openxmlformats.org/officeDocument/2006/math">
                     <m:oMathParaPr>
@@ -8090,7 +11808,7 @@
             </p:txBody>
           </p:sp>
         </mc:Choice>
-        <mc:Fallback>
+        <mc:Fallback xmlns="">
           <p:sp>
             <p:nvSpPr>
               <p:cNvPr id="35" name="CuadroTexto 34">
@@ -8148,7 +11866,7 @@
 </p:sld>
 </file>
 
-<file path=ppt/slides/slide5.xml><?xml version="1.0" encoding="utf-8"?>
+<file path=ppt/slides/slide6.xml><?xml version="1.0" encoding="utf-8"?>
 <p:sld xmlns:a="http://schemas.openxmlformats.org/drawingml/2006/main" xmlns:r="http://schemas.openxmlformats.org/officeDocument/2006/relationships" xmlns:p="http://schemas.openxmlformats.org/presentationml/2006/main">
   <p:cSld>
     <p:spTree>
@@ -8575,8 +12293,8 @@
           </a:fontRef>
         </p:style>
       </p:cxnSp>
-      <mc:AlternateContent xmlns:mc="http://schemas.openxmlformats.org/markup-compatibility/2006">
-        <mc:Choice xmlns:a14="http://schemas.microsoft.com/office/drawing/2010/main" Requires="a14">
+      <mc:AlternateContent xmlns:mc="http://schemas.openxmlformats.org/markup-compatibility/2006" xmlns:a14="http://schemas.microsoft.com/office/drawing/2010/main">
+        <mc:Choice Requires="a14">
           <p:sp>
             <p:nvSpPr>
               <p:cNvPr id="17" name="CuadroTexto 16">
@@ -8790,7 +12508,7 @@
             </p:txBody>
           </p:sp>
         </mc:Choice>
-        <mc:Fallback>
+        <mc:Fallback xmlns="">
           <p:sp>
             <p:nvSpPr>
               <p:cNvPr id="17" name="CuadroTexto 16">
@@ -8973,8 +12691,8 @@
           </a:fontRef>
         </p:style>
       </p:cxnSp>
-      <mc:AlternateContent xmlns:mc="http://schemas.openxmlformats.org/markup-compatibility/2006">
-        <mc:Choice xmlns:a14="http://schemas.microsoft.com/office/drawing/2010/main" Requires="a14">
+      <mc:AlternateContent xmlns:mc="http://schemas.openxmlformats.org/markup-compatibility/2006" xmlns:a14="http://schemas.microsoft.com/office/drawing/2010/main">
+        <mc:Choice Requires="a14">
           <p:sp>
             <p:nvSpPr>
               <p:cNvPr id="31" name="CuadroTexto 30">
@@ -9188,7 +12906,7 @@
             </p:txBody>
           </p:sp>
         </mc:Choice>
-        <mc:Fallback>
+        <mc:Fallback xmlns="">
           <p:sp>
             <p:nvSpPr>
               <p:cNvPr id="31" name="CuadroTexto 30">
@@ -9233,8 +12951,8 @@
           </p:sp>
         </mc:Fallback>
       </mc:AlternateContent>
-      <mc:AlternateContent xmlns:mc="http://schemas.openxmlformats.org/markup-compatibility/2006">
-        <mc:Choice xmlns:a14="http://schemas.microsoft.com/office/drawing/2010/main" Requires="a14">
+      <mc:AlternateContent xmlns:mc="http://schemas.openxmlformats.org/markup-compatibility/2006" xmlns:a14="http://schemas.microsoft.com/office/drawing/2010/main">
+        <mc:Choice Requires="a14">
           <p:sp>
             <p:nvSpPr>
               <p:cNvPr id="32" name="CuadroTexto 31">
@@ -9448,7 +13166,7 @@
             </p:txBody>
           </p:sp>
         </mc:Choice>
-        <mc:Fallback>
+        <mc:Fallback xmlns="">
           <p:sp>
             <p:nvSpPr>
               <p:cNvPr id="32" name="CuadroTexto 31">
@@ -9493,8 +13211,8 @@
           </p:sp>
         </mc:Fallback>
       </mc:AlternateContent>
-      <mc:AlternateContent xmlns:mc="http://schemas.openxmlformats.org/markup-compatibility/2006">
-        <mc:Choice xmlns:a14="http://schemas.microsoft.com/office/drawing/2010/main" Requires="a14">
+      <mc:AlternateContent xmlns:mc="http://schemas.openxmlformats.org/markup-compatibility/2006" xmlns:a14="http://schemas.microsoft.com/office/drawing/2010/main">
+        <mc:Choice Requires="a14">
           <p:sp>
             <p:nvSpPr>
               <p:cNvPr id="33" name="CuadroTexto 32">
@@ -9708,7 +13426,7 @@
             </p:txBody>
           </p:sp>
         </mc:Choice>
-        <mc:Fallback>
+        <mc:Fallback xmlns="">
           <p:sp>
             <p:nvSpPr>
               <p:cNvPr id="33" name="CuadroTexto 32">
@@ -9766,7 +13484,7 @@
 </p:sld>
 </file>
 
-<file path=ppt/slides/slide6.xml><?xml version="1.0" encoding="utf-8"?>
+<file path=ppt/slides/slide7.xml><?xml version="1.0" encoding="utf-8"?>
 <p:sld xmlns:a="http://schemas.openxmlformats.org/drawingml/2006/main" xmlns:r="http://schemas.openxmlformats.org/officeDocument/2006/relationships" xmlns:p="http://schemas.openxmlformats.org/presentationml/2006/main">
   <p:cSld>
     <p:spTree>
@@ -10505,8 +14223,8 @@
           </a:p>
         </p:txBody>
       </p:sp>
-      <mc:AlternateContent xmlns:mc="http://schemas.openxmlformats.org/markup-compatibility/2006">
-        <mc:Choice xmlns:a14="http://schemas.microsoft.com/office/drawing/2010/main" Requires="a14">
+      <mc:AlternateContent xmlns:mc="http://schemas.openxmlformats.org/markup-compatibility/2006" xmlns:a14="http://schemas.microsoft.com/office/drawing/2010/main">
+        <mc:Choice Requires="a14">
           <p:sp>
             <p:nvSpPr>
               <p:cNvPr id="15" name="CuadroTexto 14">
@@ -10535,6 +14253,7 @@
               </a:bodyPr>
               <a:lstStyle/>
               <a:p>
+                <a:pPr/>
                 <a14:m>
                   <m:oMathPara xmlns:m="http://schemas.openxmlformats.org/officeDocument/2006/math">
                     <m:oMathParaPr>
@@ -10574,7 +14293,7 @@
             </p:txBody>
           </p:sp>
         </mc:Choice>
-        <mc:Fallback>
+        <mc:Fallback xmlns="">
           <p:sp>
             <p:nvSpPr>
               <p:cNvPr id="15" name="CuadroTexto 14">
@@ -10795,8 +14514,8 @@
           </a:fontRef>
         </p:style>
       </p:cxnSp>
-      <mc:AlternateContent xmlns:mc="http://schemas.openxmlformats.org/markup-compatibility/2006">
-        <mc:Choice xmlns:a14="http://schemas.microsoft.com/office/drawing/2010/main" Requires="a14">
+      <mc:AlternateContent xmlns:mc="http://schemas.openxmlformats.org/markup-compatibility/2006" xmlns:a14="http://schemas.microsoft.com/office/drawing/2010/main">
+        <mc:Choice Requires="a14">
           <p:sp>
             <p:nvSpPr>
               <p:cNvPr id="24" name="CuadroTexto 23">
@@ -10825,6 +14544,7 @@
               </a:bodyPr>
               <a:lstStyle/>
               <a:p>
+                <a:pPr/>
                 <a14:m>
                   <m:oMathPara xmlns:m="http://schemas.openxmlformats.org/officeDocument/2006/math">
                     <m:oMathParaPr>
@@ -10864,7 +14584,7 @@
             </p:txBody>
           </p:sp>
         </mc:Choice>
-        <mc:Fallback>
+        <mc:Fallback xmlns="">
           <p:sp>
             <p:nvSpPr>
               <p:cNvPr id="24" name="CuadroTexto 23">
@@ -10909,8 +14629,8 @@
           </p:sp>
         </mc:Fallback>
       </mc:AlternateContent>
-      <mc:AlternateContent xmlns:mc="http://schemas.openxmlformats.org/markup-compatibility/2006">
-        <mc:Choice xmlns:a14="http://schemas.microsoft.com/office/drawing/2010/main" Requires="a14">
+      <mc:AlternateContent xmlns:mc="http://schemas.openxmlformats.org/markup-compatibility/2006" xmlns:a14="http://schemas.microsoft.com/office/drawing/2010/main">
+        <mc:Choice Requires="a14">
           <p:sp>
             <p:nvSpPr>
               <p:cNvPr id="25" name="CuadroTexto 24">
@@ -10939,6 +14659,7 @@
               </a:bodyPr>
               <a:lstStyle/>
               <a:p>
+                <a:pPr/>
                 <a14:m>
                   <m:oMathPara xmlns:m="http://schemas.openxmlformats.org/officeDocument/2006/math">
                     <m:oMathParaPr>
@@ -10978,7 +14699,7 @@
             </p:txBody>
           </p:sp>
         </mc:Choice>
-        <mc:Fallback>
+        <mc:Fallback xmlns="">
           <p:sp>
             <p:nvSpPr>
               <p:cNvPr id="25" name="CuadroTexto 24">
@@ -11023,8 +14744,8 @@
           </p:sp>
         </mc:Fallback>
       </mc:AlternateContent>
-      <mc:AlternateContent xmlns:mc="http://schemas.openxmlformats.org/markup-compatibility/2006">
-        <mc:Choice xmlns:a14="http://schemas.microsoft.com/office/drawing/2010/main" Requires="a14">
+      <mc:AlternateContent xmlns:mc="http://schemas.openxmlformats.org/markup-compatibility/2006" xmlns:a14="http://schemas.microsoft.com/office/drawing/2010/main">
+        <mc:Choice Requires="a14">
           <p:sp>
             <p:nvSpPr>
               <p:cNvPr id="26" name="CuadroTexto 25">
@@ -11053,6 +14774,7 @@
               </a:bodyPr>
               <a:lstStyle/>
               <a:p>
+                <a:pPr/>
                 <a14:m>
                   <m:oMathPara xmlns:m="http://schemas.openxmlformats.org/officeDocument/2006/math">
                     <m:oMathParaPr>
@@ -11092,7 +14814,7 @@
             </p:txBody>
           </p:sp>
         </mc:Choice>
-        <mc:Fallback>
+        <mc:Fallback xmlns="">
           <p:sp>
             <p:nvSpPr>
               <p:cNvPr id="26" name="CuadroTexto 25">
@@ -11141,6 +14863,1464 @@
     <p:extLst>
       <p:ext uri="{BB962C8B-B14F-4D97-AF65-F5344CB8AC3E}">
         <p14:creationId xmlns:p14="http://schemas.microsoft.com/office/powerpoint/2010/main" val="2052622510"/>
+      </p:ext>
+    </p:extLst>
+  </p:cSld>
+  <p:clrMapOvr>
+    <a:masterClrMapping/>
+  </p:clrMapOvr>
+</p:sld>
+</file>
+
+<file path=ppt/slides/slide8.xml><?xml version="1.0" encoding="utf-8"?>
+<p:sld xmlns:a="http://schemas.openxmlformats.org/drawingml/2006/main" xmlns:r="http://schemas.openxmlformats.org/officeDocument/2006/relationships" xmlns:p="http://schemas.openxmlformats.org/presentationml/2006/main">
+  <p:cSld>
+    <p:spTree>
+      <p:nvGrpSpPr>
+        <p:cNvPr id="1" name=""/>
+        <p:cNvGrpSpPr/>
+        <p:nvPr/>
+      </p:nvGrpSpPr>
+      <p:grpSpPr>
+        <a:xfrm>
+          <a:off x="0" y="0"/>
+          <a:ext cx="0" cy="0"/>
+          <a:chOff x="0" y="0"/>
+          <a:chExt cx="0" cy="0"/>
+        </a:xfrm>
+      </p:grpSpPr>
+      <p:grpSp>
+        <p:nvGrpSpPr>
+          <p:cNvPr id="41" name="Grupo 40">
+            <a:extLst>
+              <a:ext uri="{FF2B5EF4-FFF2-40B4-BE49-F238E27FC236}">
+                <a16:creationId xmlns:a16="http://schemas.microsoft.com/office/drawing/2014/main" id="{43DF8F71-4E97-5B11-F7BC-348D7CD81810}"/>
+              </a:ext>
+            </a:extLst>
+          </p:cNvPr>
+          <p:cNvGrpSpPr/>
+          <p:nvPr/>
+        </p:nvGrpSpPr>
+        <p:grpSpPr>
+          <a:xfrm>
+            <a:off x="1459727" y="1150866"/>
+            <a:ext cx="9045945" cy="3720098"/>
+            <a:chOff x="1247852" y="738272"/>
+            <a:chExt cx="9045945" cy="3720098"/>
+          </a:xfrm>
+        </p:grpSpPr>
+        <p:cxnSp>
+          <p:nvCxnSpPr>
+            <p:cNvPr id="28" name="Conector recto 27">
+              <a:extLst>
+                <a:ext uri="{FF2B5EF4-FFF2-40B4-BE49-F238E27FC236}">
+                  <a16:creationId xmlns:a16="http://schemas.microsoft.com/office/drawing/2014/main" id="{DFB4278D-594B-D91C-D90A-B63D6A4B9469}"/>
+                </a:ext>
+              </a:extLst>
+            </p:cNvPr>
+            <p:cNvCxnSpPr>
+              <a:cxnSpLocks/>
+            </p:cNvCxnSpPr>
+            <p:nvPr/>
+          </p:nvCxnSpPr>
+          <p:spPr>
+            <a:xfrm>
+              <a:off x="7462324" y="2876390"/>
+              <a:ext cx="2831473" cy="0"/>
+            </a:xfrm>
+            <a:prstGeom prst="line">
+              <a:avLst/>
+            </a:prstGeom>
+            <a:ln w="38100">
+              <a:solidFill>
+                <a:srgbClr val="FF0000"/>
+              </a:solidFill>
+            </a:ln>
+          </p:spPr>
+          <p:style>
+            <a:lnRef idx="1">
+              <a:schemeClr val="accent1"/>
+            </a:lnRef>
+            <a:fillRef idx="0">
+              <a:schemeClr val="accent1"/>
+            </a:fillRef>
+            <a:effectRef idx="0">
+              <a:schemeClr val="accent1"/>
+            </a:effectRef>
+            <a:fontRef idx="minor">
+              <a:schemeClr val="tx1"/>
+            </a:fontRef>
+          </p:style>
+        </p:cxnSp>
+        <p:cxnSp>
+          <p:nvCxnSpPr>
+            <p:cNvPr id="26" name="Conector recto 25">
+              <a:extLst>
+                <a:ext uri="{FF2B5EF4-FFF2-40B4-BE49-F238E27FC236}">
+                  <a16:creationId xmlns:a16="http://schemas.microsoft.com/office/drawing/2014/main" id="{FA805BB9-E0AF-BF4E-814A-67DCB9286507}"/>
+                </a:ext>
+              </a:extLst>
+            </p:cNvPr>
+            <p:cNvCxnSpPr>
+              <a:cxnSpLocks/>
+            </p:cNvCxnSpPr>
+            <p:nvPr/>
+          </p:nvCxnSpPr>
+          <p:spPr>
+            <a:xfrm flipH="1">
+              <a:off x="5163734" y="1257405"/>
+              <a:ext cx="471865" cy="484128"/>
+            </a:xfrm>
+            <a:prstGeom prst="line">
+              <a:avLst/>
+            </a:prstGeom>
+            <a:ln w="38100">
+              <a:solidFill>
+                <a:srgbClr val="FF0000"/>
+              </a:solidFill>
+              <a:prstDash val="solid"/>
+              <a:headEnd type="triangle"/>
+              <a:tailEnd type="oval" w="med" len="med"/>
+            </a:ln>
+          </p:spPr>
+          <p:style>
+            <a:lnRef idx="1">
+              <a:schemeClr val="accent1"/>
+            </a:lnRef>
+            <a:fillRef idx="0">
+              <a:schemeClr val="accent1"/>
+            </a:fillRef>
+            <a:effectRef idx="0">
+              <a:schemeClr val="accent1"/>
+            </a:effectRef>
+            <a:fontRef idx="minor">
+              <a:schemeClr val="tx1"/>
+            </a:fontRef>
+          </p:style>
+        </p:cxnSp>
+        <p:cxnSp>
+          <p:nvCxnSpPr>
+            <p:cNvPr id="27" name="Conector recto 26">
+              <a:extLst>
+                <a:ext uri="{FF2B5EF4-FFF2-40B4-BE49-F238E27FC236}">
+                  <a16:creationId xmlns:a16="http://schemas.microsoft.com/office/drawing/2014/main" id="{878DF01B-6CE9-EB4F-86C2-489F33FC432E}"/>
+                </a:ext>
+              </a:extLst>
+            </p:cNvPr>
+            <p:cNvCxnSpPr>
+              <a:cxnSpLocks/>
+            </p:cNvCxnSpPr>
+            <p:nvPr/>
+          </p:nvCxnSpPr>
+          <p:spPr>
+            <a:xfrm flipH="1">
+              <a:off x="3422055" y="3601361"/>
+              <a:ext cx="655959" cy="297975"/>
+            </a:xfrm>
+            <a:prstGeom prst="line">
+              <a:avLst/>
+            </a:prstGeom>
+            <a:ln w="38100">
+              <a:solidFill>
+                <a:srgbClr val="FF0000"/>
+              </a:solidFill>
+              <a:prstDash val="solid"/>
+              <a:headEnd type="triangle"/>
+              <a:tailEnd type="oval" w="med" len="med"/>
+            </a:ln>
+          </p:spPr>
+          <p:style>
+            <a:lnRef idx="1">
+              <a:schemeClr val="accent1"/>
+            </a:lnRef>
+            <a:fillRef idx="0">
+              <a:schemeClr val="accent1"/>
+            </a:fillRef>
+            <a:effectRef idx="0">
+              <a:schemeClr val="accent1"/>
+            </a:effectRef>
+            <a:fontRef idx="minor">
+              <a:schemeClr val="tx1"/>
+            </a:fontRef>
+          </p:style>
+        </p:cxnSp>
+        <p:cxnSp>
+          <p:nvCxnSpPr>
+            <p:cNvPr id="9" name="Conector recto 8">
+              <a:extLst>
+                <a:ext uri="{FF2B5EF4-FFF2-40B4-BE49-F238E27FC236}">
+                  <a16:creationId xmlns:a16="http://schemas.microsoft.com/office/drawing/2014/main" id="{FC3AE01E-FDB3-6AD1-4AAB-5CA0AD806943}"/>
+                </a:ext>
+              </a:extLst>
+            </p:cNvPr>
+            <p:cNvCxnSpPr>
+              <a:cxnSpLocks/>
+            </p:cNvCxnSpPr>
+            <p:nvPr/>
+          </p:nvCxnSpPr>
+          <p:spPr>
+            <a:xfrm flipH="1" flipV="1">
+              <a:off x="7506671" y="2187999"/>
+              <a:ext cx="418129" cy="600561"/>
+            </a:xfrm>
+            <a:prstGeom prst="line">
+              <a:avLst/>
+            </a:prstGeom>
+            <a:ln w="38100">
+              <a:solidFill>
+                <a:srgbClr val="FF0000"/>
+              </a:solidFill>
+              <a:prstDash val="solid"/>
+              <a:headEnd type="triangle"/>
+              <a:tailEnd type="oval" w="med" len="med"/>
+            </a:ln>
+          </p:spPr>
+          <p:style>
+            <a:lnRef idx="1">
+              <a:schemeClr val="accent1"/>
+            </a:lnRef>
+            <a:fillRef idx="0">
+              <a:schemeClr val="accent1"/>
+            </a:fillRef>
+            <a:effectRef idx="0">
+              <a:schemeClr val="accent1"/>
+            </a:effectRef>
+            <a:fontRef idx="minor">
+              <a:schemeClr val="tx1"/>
+            </a:fontRef>
+          </p:style>
+        </p:cxnSp>
+        <p:cxnSp>
+          <p:nvCxnSpPr>
+            <p:cNvPr id="13" name="Conector recto 12">
+              <a:extLst>
+                <a:ext uri="{FF2B5EF4-FFF2-40B4-BE49-F238E27FC236}">
+                  <a16:creationId xmlns:a16="http://schemas.microsoft.com/office/drawing/2014/main" id="{52300E55-778E-C464-36D2-67135BB3E92D}"/>
+                </a:ext>
+              </a:extLst>
+            </p:cNvPr>
+            <p:cNvCxnSpPr>
+              <a:cxnSpLocks/>
+            </p:cNvCxnSpPr>
+            <p:nvPr/>
+          </p:nvCxnSpPr>
+          <p:spPr>
+            <a:xfrm flipH="1" flipV="1">
+              <a:off x="1836315" y="3366446"/>
+              <a:ext cx="370857" cy="469830"/>
+            </a:xfrm>
+            <a:prstGeom prst="line">
+              <a:avLst/>
+            </a:prstGeom>
+            <a:ln w="38100">
+              <a:solidFill>
+                <a:srgbClr val="FF0000"/>
+              </a:solidFill>
+              <a:prstDash val="solid"/>
+              <a:headEnd type="triangle"/>
+              <a:tailEnd type="oval" w="med" len="med"/>
+            </a:ln>
+          </p:spPr>
+          <p:style>
+            <a:lnRef idx="1">
+              <a:schemeClr val="accent1"/>
+            </a:lnRef>
+            <a:fillRef idx="0">
+              <a:schemeClr val="accent1"/>
+            </a:fillRef>
+            <a:effectRef idx="0">
+              <a:schemeClr val="accent1"/>
+            </a:effectRef>
+            <a:fontRef idx="minor">
+              <a:schemeClr val="tx1"/>
+            </a:fontRef>
+          </p:style>
+        </p:cxnSp>
+        <p:cxnSp>
+          <p:nvCxnSpPr>
+            <p:cNvPr id="18" name="Conector recto 17">
+              <a:extLst>
+                <a:ext uri="{FF2B5EF4-FFF2-40B4-BE49-F238E27FC236}">
+                  <a16:creationId xmlns:a16="http://schemas.microsoft.com/office/drawing/2014/main" id="{B2949F97-ADAD-9551-D92F-B0558F1BBF99}"/>
+                </a:ext>
+              </a:extLst>
+            </p:cNvPr>
+            <p:cNvCxnSpPr>
+              <a:cxnSpLocks/>
+            </p:cNvCxnSpPr>
+            <p:nvPr/>
+          </p:nvCxnSpPr>
+          <p:spPr>
+            <a:xfrm flipH="1">
+              <a:off x="9335316" y="1863445"/>
+              <a:ext cx="334201" cy="574972"/>
+            </a:xfrm>
+            <a:prstGeom prst="line">
+              <a:avLst/>
+            </a:prstGeom>
+            <a:ln w="38100">
+              <a:solidFill>
+                <a:srgbClr val="FF0000"/>
+              </a:solidFill>
+              <a:prstDash val="solid"/>
+              <a:headEnd type="triangle"/>
+              <a:tailEnd type="oval" w="med" len="med"/>
+            </a:ln>
+          </p:spPr>
+          <p:style>
+            <a:lnRef idx="1">
+              <a:schemeClr val="accent1"/>
+            </a:lnRef>
+            <a:fillRef idx="0">
+              <a:schemeClr val="accent1"/>
+            </a:fillRef>
+            <a:effectRef idx="0">
+              <a:schemeClr val="accent1"/>
+            </a:effectRef>
+            <a:fontRef idx="minor">
+              <a:schemeClr val="tx1"/>
+            </a:fontRef>
+          </p:style>
+        </p:cxnSp>
+        <p:cxnSp>
+          <p:nvCxnSpPr>
+            <p:cNvPr id="30" name="Conector recto 29">
+              <a:extLst>
+                <a:ext uri="{FF2B5EF4-FFF2-40B4-BE49-F238E27FC236}">
+                  <a16:creationId xmlns:a16="http://schemas.microsoft.com/office/drawing/2014/main" id="{23BAE84A-5B7F-A5CB-DDC1-81C1EA2A87CB}"/>
+                </a:ext>
+              </a:extLst>
+            </p:cNvPr>
+            <p:cNvCxnSpPr>
+              <a:cxnSpLocks/>
+            </p:cNvCxnSpPr>
+            <p:nvPr/>
+          </p:nvCxnSpPr>
+          <p:spPr>
+            <a:xfrm>
+              <a:off x="5093327" y="1135482"/>
+              <a:ext cx="2831473" cy="0"/>
+            </a:xfrm>
+            <a:prstGeom prst="line">
+              <a:avLst/>
+            </a:prstGeom>
+            <a:ln w="38100">
+              <a:solidFill>
+                <a:srgbClr val="FF0000"/>
+              </a:solidFill>
+            </a:ln>
+          </p:spPr>
+          <p:style>
+            <a:lnRef idx="1">
+              <a:schemeClr val="accent1"/>
+            </a:lnRef>
+            <a:fillRef idx="0">
+              <a:schemeClr val="accent1"/>
+            </a:fillRef>
+            <a:effectRef idx="0">
+              <a:schemeClr val="accent1"/>
+            </a:effectRef>
+            <a:fontRef idx="minor">
+              <a:schemeClr val="tx1"/>
+            </a:fontRef>
+          </p:style>
+        </p:cxnSp>
+        <p:cxnSp>
+          <p:nvCxnSpPr>
+            <p:cNvPr id="34" name="Conector recto 33">
+              <a:extLst>
+                <a:ext uri="{FF2B5EF4-FFF2-40B4-BE49-F238E27FC236}">
+                  <a16:creationId xmlns:a16="http://schemas.microsoft.com/office/drawing/2014/main" id="{5CE35C2F-B165-70C6-8202-A2F2073E43FE}"/>
+                </a:ext>
+              </a:extLst>
+            </p:cNvPr>
+            <p:cNvCxnSpPr>
+              <a:cxnSpLocks/>
+            </p:cNvCxnSpPr>
+            <p:nvPr/>
+          </p:nvCxnSpPr>
+          <p:spPr>
+            <a:xfrm>
+              <a:off x="1535855" y="4017039"/>
+              <a:ext cx="2831473" cy="0"/>
+            </a:xfrm>
+            <a:prstGeom prst="line">
+              <a:avLst/>
+            </a:prstGeom>
+            <a:ln w="38100">
+              <a:solidFill>
+                <a:srgbClr val="FF0000"/>
+              </a:solidFill>
+            </a:ln>
+          </p:spPr>
+          <p:style>
+            <a:lnRef idx="1">
+              <a:schemeClr val="accent1"/>
+            </a:lnRef>
+            <a:fillRef idx="0">
+              <a:schemeClr val="accent1"/>
+            </a:fillRef>
+            <a:effectRef idx="0">
+              <a:schemeClr val="accent1"/>
+            </a:effectRef>
+            <a:fontRef idx="minor">
+              <a:schemeClr val="tx1"/>
+            </a:fontRef>
+          </p:style>
+        </p:cxnSp>
+        <p:sp>
+          <p:nvSpPr>
+            <p:cNvPr id="35" name="Elipse 34">
+              <a:extLst>
+                <a:ext uri="{FF2B5EF4-FFF2-40B4-BE49-F238E27FC236}">
+                  <a16:creationId xmlns:a16="http://schemas.microsoft.com/office/drawing/2014/main" id="{5A2C2144-17B6-6233-CB99-5BD2E071F030}"/>
+                </a:ext>
+              </a:extLst>
+            </p:cNvPr>
+            <p:cNvSpPr/>
+            <p:nvPr/>
+          </p:nvSpPr>
+          <p:spPr>
+            <a:xfrm>
+              <a:off x="8626235" y="2820633"/>
+              <a:ext cx="144000" cy="144000"/>
+            </a:xfrm>
+            <a:prstGeom prst="ellipse">
+              <a:avLst/>
+            </a:prstGeom>
+            <a:solidFill>
+              <a:srgbClr val="FF0000"/>
+            </a:solidFill>
+            <a:ln>
+              <a:solidFill>
+                <a:srgbClr val="FF0000"/>
+              </a:solidFill>
+            </a:ln>
+          </p:spPr>
+          <p:style>
+            <a:lnRef idx="2">
+              <a:schemeClr val="accent1">
+                <a:shade val="50000"/>
+              </a:schemeClr>
+            </a:lnRef>
+            <a:fillRef idx="1">
+              <a:schemeClr val="accent1"/>
+            </a:fillRef>
+            <a:effectRef idx="0">
+              <a:schemeClr val="accent1"/>
+            </a:effectRef>
+            <a:fontRef idx="minor">
+              <a:schemeClr val="lt1"/>
+            </a:fontRef>
+          </p:style>
+          <p:txBody>
+            <a:bodyPr rtlCol="0" anchor="ctr"/>
+            <a:lstStyle/>
+            <a:p>
+              <a:pPr algn="ctr"/>
+              <a:endParaRPr lang="es-CO"/>
+            </a:p>
+          </p:txBody>
+        </p:sp>
+        <p:sp>
+          <p:nvSpPr>
+            <p:cNvPr id="36" name="Elipse 35">
+              <a:extLst>
+                <a:ext uri="{FF2B5EF4-FFF2-40B4-BE49-F238E27FC236}">
+                  <a16:creationId xmlns:a16="http://schemas.microsoft.com/office/drawing/2014/main" id="{8F3801F1-736F-0710-AE01-8BDBAD803437}"/>
+                </a:ext>
+              </a:extLst>
+            </p:cNvPr>
+            <p:cNvSpPr/>
+            <p:nvPr/>
+          </p:nvSpPr>
+          <p:spPr>
+            <a:xfrm>
+              <a:off x="6242999" y="1063481"/>
+              <a:ext cx="144000" cy="144000"/>
+            </a:xfrm>
+            <a:prstGeom prst="ellipse">
+              <a:avLst/>
+            </a:prstGeom>
+            <a:solidFill>
+              <a:srgbClr val="FF0000"/>
+            </a:solidFill>
+            <a:ln>
+              <a:solidFill>
+                <a:srgbClr val="FF0000"/>
+              </a:solidFill>
+            </a:ln>
+          </p:spPr>
+          <p:style>
+            <a:lnRef idx="2">
+              <a:schemeClr val="accent1">
+                <a:shade val="50000"/>
+              </a:schemeClr>
+            </a:lnRef>
+            <a:fillRef idx="1">
+              <a:schemeClr val="accent1"/>
+            </a:fillRef>
+            <a:effectRef idx="0">
+              <a:schemeClr val="accent1"/>
+            </a:effectRef>
+            <a:fontRef idx="minor">
+              <a:schemeClr val="lt1"/>
+            </a:fontRef>
+          </p:style>
+          <p:txBody>
+            <a:bodyPr rtlCol="0" anchor="ctr"/>
+            <a:lstStyle/>
+            <a:p>
+              <a:pPr algn="ctr"/>
+              <a:endParaRPr lang="es-CO"/>
+            </a:p>
+          </p:txBody>
+        </p:sp>
+        <p:sp>
+          <p:nvSpPr>
+            <p:cNvPr id="37" name="Elipse 36">
+              <a:extLst>
+                <a:ext uri="{FF2B5EF4-FFF2-40B4-BE49-F238E27FC236}">
+                  <a16:creationId xmlns:a16="http://schemas.microsoft.com/office/drawing/2014/main" id="{531FF5BF-6D42-25C2-74E4-59190A03FA28}"/>
+                </a:ext>
+              </a:extLst>
+            </p:cNvPr>
+            <p:cNvSpPr/>
+            <p:nvPr/>
+          </p:nvSpPr>
+          <p:spPr>
+            <a:xfrm>
+              <a:off x="2879591" y="3945040"/>
+              <a:ext cx="144000" cy="144000"/>
+            </a:xfrm>
+            <a:prstGeom prst="ellipse">
+              <a:avLst/>
+            </a:prstGeom>
+            <a:solidFill>
+              <a:srgbClr val="FF0000"/>
+            </a:solidFill>
+            <a:ln>
+              <a:solidFill>
+                <a:srgbClr val="FF0000"/>
+              </a:solidFill>
+            </a:ln>
+          </p:spPr>
+          <p:style>
+            <a:lnRef idx="2">
+              <a:schemeClr val="accent1">
+                <a:shade val="50000"/>
+              </a:schemeClr>
+            </a:lnRef>
+            <a:fillRef idx="1">
+              <a:schemeClr val="accent1"/>
+            </a:fillRef>
+            <a:effectRef idx="0">
+              <a:schemeClr val="accent1"/>
+            </a:effectRef>
+            <a:fontRef idx="minor">
+              <a:schemeClr val="lt1"/>
+            </a:fontRef>
+          </p:style>
+          <p:txBody>
+            <a:bodyPr rtlCol="0" anchor="ctr"/>
+            <a:lstStyle/>
+            <a:p>
+              <a:pPr algn="ctr"/>
+              <a:endParaRPr lang="es-CO"/>
+            </a:p>
+          </p:txBody>
+        </p:sp>
+        <p:sp>
+          <p:nvSpPr>
+            <p:cNvPr id="11" name="Forma libre 10">
+              <a:extLst>
+                <a:ext uri="{FF2B5EF4-FFF2-40B4-BE49-F238E27FC236}">
+                  <a16:creationId xmlns:a16="http://schemas.microsoft.com/office/drawing/2014/main" id="{2AAD6773-817E-2045-AF08-BEED2AF50D88}"/>
+                </a:ext>
+              </a:extLst>
+            </p:cNvPr>
+            <p:cNvSpPr/>
+            <p:nvPr/>
+          </p:nvSpPr>
+          <p:spPr>
+            <a:xfrm>
+              <a:off x="1247852" y="2552130"/>
+              <a:ext cx="3407480" cy="1464909"/>
+            </a:xfrm>
+            <a:custGeom>
+              <a:avLst/>
+              <a:gdLst>
+                <a:gd name="connsiteX0" fmla="*/ 0 w 3984171"/>
+                <a:gd name="connsiteY0" fmla="*/ 0 h 1464909"/>
+                <a:gd name="connsiteX1" fmla="*/ 2034074 w 3984171"/>
+                <a:gd name="connsiteY1" fmla="*/ 1464907 h 1464909"/>
+                <a:gd name="connsiteX2" fmla="*/ 3984171 w 3984171"/>
+                <a:gd name="connsiteY2" fmla="*/ 9331 h 1464909"/>
+                <a:gd name="connsiteX0" fmla="*/ 0 w 3984171"/>
+                <a:gd name="connsiteY0" fmla="*/ 0 h 1464909"/>
+                <a:gd name="connsiteX1" fmla="*/ 2034074 w 3984171"/>
+                <a:gd name="connsiteY1" fmla="*/ 1464907 h 1464909"/>
+                <a:gd name="connsiteX2" fmla="*/ 3984171 w 3984171"/>
+                <a:gd name="connsiteY2" fmla="*/ 9331 h 1464909"/>
+                <a:gd name="connsiteX0" fmla="*/ 0 w 3984171"/>
+                <a:gd name="connsiteY0" fmla="*/ 0 h 1464909"/>
+                <a:gd name="connsiteX1" fmla="*/ 2034074 w 3984171"/>
+                <a:gd name="connsiteY1" fmla="*/ 1464907 h 1464909"/>
+                <a:gd name="connsiteX2" fmla="*/ 3984171 w 3984171"/>
+                <a:gd name="connsiteY2" fmla="*/ 9331 h 1464909"/>
+                <a:gd name="connsiteX0" fmla="*/ 0 w 3984171"/>
+                <a:gd name="connsiteY0" fmla="*/ 0 h 1464909"/>
+                <a:gd name="connsiteX1" fmla="*/ 2034074 w 3984171"/>
+                <a:gd name="connsiteY1" fmla="*/ 1464907 h 1464909"/>
+                <a:gd name="connsiteX2" fmla="*/ 3984171 w 3984171"/>
+                <a:gd name="connsiteY2" fmla="*/ 9331 h 1464909"/>
+              </a:gdLst>
+              <a:ahLst/>
+              <a:cxnLst>
+                <a:cxn ang="0">
+                  <a:pos x="connsiteX0" y="connsiteY0"/>
+                </a:cxn>
+                <a:cxn ang="0">
+                  <a:pos x="connsiteX1" y="connsiteY1"/>
+                </a:cxn>
+                <a:cxn ang="0">
+                  <a:pos x="connsiteX2" y="connsiteY2"/>
+                </a:cxn>
+              </a:cxnLst>
+              <a:rect l="l" t="t" r="r" b="b"/>
+              <a:pathLst>
+                <a:path w="3984171" h="1464909">
+                  <a:moveTo>
+                    <a:pt x="0" y="0"/>
+                  </a:moveTo>
+                  <a:cubicBezTo>
+                    <a:pt x="517072" y="834313"/>
+                    <a:pt x="1370046" y="1463352"/>
+                    <a:pt x="2034074" y="1464907"/>
+                  </a:cubicBezTo>
+                  <a:cubicBezTo>
+                    <a:pt x="2698102" y="1466462"/>
+                    <a:pt x="3518418" y="793880"/>
+                    <a:pt x="3984171" y="9331"/>
+                  </a:cubicBezTo>
+                </a:path>
+              </a:pathLst>
+            </a:custGeom>
+            <a:noFill/>
+            <a:ln w="25400">
+              <a:solidFill>
+                <a:schemeClr val="tx1"/>
+              </a:solidFill>
+            </a:ln>
+          </p:spPr>
+          <p:style>
+            <a:lnRef idx="2">
+              <a:schemeClr val="accent1">
+                <a:shade val="50000"/>
+              </a:schemeClr>
+            </a:lnRef>
+            <a:fillRef idx="1">
+              <a:schemeClr val="accent1"/>
+            </a:fillRef>
+            <a:effectRef idx="0">
+              <a:schemeClr val="accent1"/>
+            </a:effectRef>
+            <a:fontRef idx="minor">
+              <a:schemeClr val="lt1"/>
+            </a:fontRef>
+          </p:style>
+          <p:txBody>
+            <a:bodyPr rtlCol="0" anchor="ctr"/>
+            <a:lstStyle/>
+            <a:p>
+              <a:pPr marL="0" marR="0" lvl="0" indent="0" algn="ctr" defTabSz="914400" rtl="0" eaLnBrk="1" fontAlgn="auto" latinLnBrk="0" hangingPunct="1">
+                <a:lnSpc>
+                  <a:spcPct val="100000"/>
+                </a:lnSpc>
+                <a:spcBef>
+                  <a:spcPts val="0"/>
+                </a:spcBef>
+                <a:spcAft>
+                  <a:spcPts val="0"/>
+                </a:spcAft>
+                <a:buClrTx/>
+                <a:buSzTx/>
+                <a:buFontTx/>
+                <a:buNone/>
+                <a:tabLst/>
+                <a:defRPr/>
+              </a:pPr>
+              <a:endParaRPr kumimoji="0" lang="es-CO" sz="1800" b="0" i="0" u="none" strike="noStrike" kern="1200" cap="none" spc="0" normalizeH="0" baseline="0" noProof="0" dirty="0">
+                <a:ln>
+                  <a:noFill/>
+                </a:ln>
+                <a:solidFill>
+                  <a:prstClr val="white"/>
+                </a:solidFill>
+                <a:effectLst/>
+                <a:uLnTx/>
+                <a:uFillTx/>
+                <a:latin typeface="Calibri" panose="020F0502020204030204"/>
+                <a:ea typeface="+mn-ea"/>
+                <a:cs typeface="+mn-cs"/>
+              </a:endParaRPr>
+            </a:p>
+          </p:txBody>
+        </p:sp>
+        <p:sp>
+          <p:nvSpPr>
+            <p:cNvPr id="12" name="Forma libre 11">
+              <a:extLst>
+                <a:ext uri="{FF2B5EF4-FFF2-40B4-BE49-F238E27FC236}">
+                  <a16:creationId xmlns:a16="http://schemas.microsoft.com/office/drawing/2014/main" id="{06379C02-6D8F-BE43-9835-E911A99F5B0B}"/>
+                </a:ext>
+              </a:extLst>
+            </p:cNvPr>
+            <p:cNvSpPr/>
+            <p:nvPr/>
+          </p:nvSpPr>
+          <p:spPr>
+            <a:xfrm rot="10800000">
+              <a:off x="4644822" y="1135483"/>
+              <a:ext cx="2912088" cy="1455926"/>
+            </a:xfrm>
+            <a:custGeom>
+              <a:avLst/>
+              <a:gdLst>
+                <a:gd name="connsiteX0" fmla="*/ 0 w 3984171"/>
+                <a:gd name="connsiteY0" fmla="*/ 0 h 1464909"/>
+                <a:gd name="connsiteX1" fmla="*/ 2034074 w 3984171"/>
+                <a:gd name="connsiteY1" fmla="*/ 1464907 h 1464909"/>
+                <a:gd name="connsiteX2" fmla="*/ 3984171 w 3984171"/>
+                <a:gd name="connsiteY2" fmla="*/ 9331 h 1464909"/>
+                <a:gd name="connsiteX0" fmla="*/ 0 w 3984171"/>
+                <a:gd name="connsiteY0" fmla="*/ 0 h 1464909"/>
+                <a:gd name="connsiteX1" fmla="*/ 2034074 w 3984171"/>
+                <a:gd name="connsiteY1" fmla="*/ 1464907 h 1464909"/>
+                <a:gd name="connsiteX2" fmla="*/ 3984171 w 3984171"/>
+                <a:gd name="connsiteY2" fmla="*/ 9331 h 1464909"/>
+                <a:gd name="connsiteX0" fmla="*/ 0 w 3984171"/>
+                <a:gd name="connsiteY0" fmla="*/ 0 h 1464909"/>
+                <a:gd name="connsiteX1" fmla="*/ 2034074 w 3984171"/>
+                <a:gd name="connsiteY1" fmla="*/ 1464907 h 1464909"/>
+                <a:gd name="connsiteX2" fmla="*/ 3984171 w 3984171"/>
+                <a:gd name="connsiteY2" fmla="*/ 9331 h 1464909"/>
+                <a:gd name="connsiteX0" fmla="*/ 0 w 3984171"/>
+                <a:gd name="connsiteY0" fmla="*/ 0 h 1464909"/>
+                <a:gd name="connsiteX1" fmla="*/ 2034074 w 3984171"/>
+                <a:gd name="connsiteY1" fmla="*/ 1464907 h 1464909"/>
+                <a:gd name="connsiteX2" fmla="*/ 3984171 w 3984171"/>
+                <a:gd name="connsiteY2" fmla="*/ 9331 h 1464909"/>
+                <a:gd name="connsiteX0" fmla="*/ 0 w 3246077"/>
+                <a:gd name="connsiteY0" fmla="*/ 348021 h 1455578"/>
+                <a:gd name="connsiteX1" fmla="*/ 1295980 w 3246077"/>
+                <a:gd name="connsiteY1" fmla="*/ 1455576 h 1455578"/>
+                <a:gd name="connsiteX2" fmla="*/ 3246077 w 3246077"/>
+                <a:gd name="connsiteY2" fmla="*/ 0 h 1455578"/>
+                <a:gd name="connsiteX0" fmla="*/ 0 w 3246077"/>
+                <a:gd name="connsiteY0" fmla="*/ 348021 h 1455578"/>
+                <a:gd name="connsiteX1" fmla="*/ 1295980 w 3246077"/>
+                <a:gd name="connsiteY1" fmla="*/ 1455576 h 1455578"/>
+                <a:gd name="connsiteX2" fmla="*/ 3246077 w 3246077"/>
+                <a:gd name="connsiteY2" fmla="*/ 0 h 1455578"/>
+                <a:gd name="connsiteX0" fmla="*/ 0 w 3246077"/>
+                <a:gd name="connsiteY0" fmla="*/ 348021 h 1455577"/>
+                <a:gd name="connsiteX1" fmla="*/ 1295980 w 3246077"/>
+                <a:gd name="connsiteY1" fmla="*/ 1455576 h 1455577"/>
+                <a:gd name="connsiteX2" fmla="*/ 3246077 w 3246077"/>
+                <a:gd name="connsiteY2" fmla="*/ 0 h 1455577"/>
+                <a:gd name="connsiteX0" fmla="*/ 0 w 3246077"/>
+                <a:gd name="connsiteY0" fmla="*/ 348021 h 1455577"/>
+                <a:gd name="connsiteX1" fmla="*/ 1295980 w 3246077"/>
+                <a:gd name="connsiteY1" fmla="*/ 1455576 h 1455577"/>
+                <a:gd name="connsiteX2" fmla="*/ 3246077 w 3246077"/>
+                <a:gd name="connsiteY2" fmla="*/ 0 h 1455577"/>
+                <a:gd name="connsiteX0" fmla="*/ 0 w 3246077"/>
+                <a:gd name="connsiteY0" fmla="*/ 348021 h 1455577"/>
+                <a:gd name="connsiteX1" fmla="*/ 1295980 w 3246077"/>
+                <a:gd name="connsiteY1" fmla="*/ 1455576 h 1455577"/>
+                <a:gd name="connsiteX2" fmla="*/ 3246077 w 3246077"/>
+                <a:gd name="connsiteY2" fmla="*/ 0 h 1455577"/>
+                <a:gd name="connsiteX0" fmla="*/ 0 w 3246077"/>
+                <a:gd name="connsiteY0" fmla="*/ 348021 h 1455576"/>
+                <a:gd name="connsiteX1" fmla="*/ 1295980 w 3246077"/>
+                <a:gd name="connsiteY1" fmla="*/ 1455576 h 1455576"/>
+                <a:gd name="connsiteX2" fmla="*/ 3246077 w 3246077"/>
+                <a:gd name="connsiteY2" fmla="*/ 0 h 1455576"/>
+                <a:gd name="connsiteX0" fmla="*/ 0 w 3246077"/>
+                <a:gd name="connsiteY0" fmla="*/ 348021 h 1455926"/>
+                <a:gd name="connsiteX1" fmla="*/ 1295980 w 3246077"/>
+                <a:gd name="connsiteY1" fmla="*/ 1455576 h 1455926"/>
+                <a:gd name="connsiteX2" fmla="*/ 3246077 w 3246077"/>
+                <a:gd name="connsiteY2" fmla="*/ 0 h 1455926"/>
+              </a:gdLst>
+              <a:ahLst/>
+              <a:cxnLst>
+                <a:cxn ang="0">
+                  <a:pos x="connsiteX0" y="connsiteY0"/>
+                </a:cxn>
+                <a:cxn ang="0">
+                  <a:pos x="connsiteX1" y="connsiteY1"/>
+                </a:cxn>
+                <a:cxn ang="0">
+                  <a:pos x="connsiteX2" y="connsiteY2"/>
+                </a:cxn>
+              </a:cxnLst>
+              <a:rect l="l" t="t" r="r" b="b"/>
+              <a:pathLst>
+                <a:path w="3246077" h="1455926">
+                  <a:moveTo>
+                    <a:pt x="0" y="348021"/>
+                  </a:moveTo>
+                  <a:cubicBezTo>
+                    <a:pt x="282756" y="677838"/>
+                    <a:pt x="385920" y="1475042"/>
+                    <a:pt x="1295980" y="1455576"/>
+                  </a:cubicBezTo>
+                  <a:cubicBezTo>
+                    <a:pt x="2452071" y="1415089"/>
+                    <a:pt x="2956060" y="542811"/>
+                    <a:pt x="3246077" y="0"/>
+                  </a:cubicBezTo>
+                </a:path>
+              </a:pathLst>
+            </a:custGeom>
+            <a:noFill/>
+            <a:ln w="25400">
+              <a:solidFill>
+                <a:schemeClr val="tx1"/>
+              </a:solidFill>
+            </a:ln>
+          </p:spPr>
+          <p:style>
+            <a:lnRef idx="2">
+              <a:schemeClr val="accent1">
+                <a:shade val="50000"/>
+              </a:schemeClr>
+            </a:lnRef>
+            <a:fillRef idx="1">
+              <a:schemeClr val="accent1"/>
+            </a:fillRef>
+            <a:effectRef idx="0">
+              <a:schemeClr val="accent1"/>
+            </a:effectRef>
+            <a:fontRef idx="minor">
+              <a:schemeClr val="lt1"/>
+            </a:fontRef>
+          </p:style>
+          <p:txBody>
+            <a:bodyPr rtlCol="0" anchor="ctr"/>
+            <a:lstStyle/>
+            <a:p>
+              <a:pPr marL="0" marR="0" lvl="0" indent="0" algn="ctr" defTabSz="914400" rtl="0" eaLnBrk="1" fontAlgn="auto" latinLnBrk="0" hangingPunct="1">
+                <a:lnSpc>
+                  <a:spcPct val="100000"/>
+                </a:lnSpc>
+                <a:spcBef>
+                  <a:spcPts val="0"/>
+                </a:spcBef>
+                <a:spcAft>
+                  <a:spcPts val="0"/>
+                </a:spcAft>
+                <a:buClrTx/>
+                <a:buSzTx/>
+                <a:buFontTx/>
+                <a:buNone/>
+                <a:tabLst/>
+                <a:defRPr/>
+              </a:pPr>
+              <a:endParaRPr kumimoji="0" lang="es-CO" sz="1800" b="0" i="0" u="none" strike="noStrike" kern="1200" cap="none" spc="0" normalizeH="0" baseline="0" noProof="0" dirty="0">
+                <a:ln>
+                  <a:noFill/>
+                </a:ln>
+                <a:solidFill>
+                  <a:prstClr val="white"/>
+                </a:solidFill>
+                <a:effectLst/>
+                <a:uLnTx/>
+                <a:uFillTx/>
+                <a:latin typeface="Calibri" panose="020F0502020204030204"/>
+                <a:ea typeface="+mn-ea"/>
+                <a:cs typeface="+mn-cs"/>
+              </a:endParaRPr>
+            </a:p>
+          </p:txBody>
+        </p:sp>
+        <p:sp>
+          <p:nvSpPr>
+            <p:cNvPr id="4" name="Forma libre 3">
+              <a:extLst>
+                <a:ext uri="{FF2B5EF4-FFF2-40B4-BE49-F238E27FC236}">
+                  <a16:creationId xmlns:a16="http://schemas.microsoft.com/office/drawing/2014/main" id="{24831935-98B2-D05F-6F46-5C65B0762CD8}"/>
+                </a:ext>
+              </a:extLst>
+            </p:cNvPr>
+            <p:cNvSpPr/>
+            <p:nvPr/>
+          </p:nvSpPr>
+          <p:spPr>
+            <a:xfrm>
+              <a:off x="7536670" y="958359"/>
+              <a:ext cx="2230320" cy="1918031"/>
+            </a:xfrm>
+            <a:custGeom>
+              <a:avLst/>
+              <a:gdLst>
+                <a:gd name="connsiteX0" fmla="*/ 0 w 3984171"/>
+                <a:gd name="connsiteY0" fmla="*/ 0 h 1464909"/>
+                <a:gd name="connsiteX1" fmla="*/ 2034074 w 3984171"/>
+                <a:gd name="connsiteY1" fmla="*/ 1464907 h 1464909"/>
+                <a:gd name="connsiteX2" fmla="*/ 3984171 w 3984171"/>
+                <a:gd name="connsiteY2" fmla="*/ 9331 h 1464909"/>
+                <a:gd name="connsiteX0" fmla="*/ 0 w 3984171"/>
+                <a:gd name="connsiteY0" fmla="*/ 0 h 1464909"/>
+                <a:gd name="connsiteX1" fmla="*/ 2034074 w 3984171"/>
+                <a:gd name="connsiteY1" fmla="*/ 1464907 h 1464909"/>
+                <a:gd name="connsiteX2" fmla="*/ 3984171 w 3984171"/>
+                <a:gd name="connsiteY2" fmla="*/ 9331 h 1464909"/>
+                <a:gd name="connsiteX0" fmla="*/ 0 w 3984171"/>
+                <a:gd name="connsiteY0" fmla="*/ 0 h 1464909"/>
+                <a:gd name="connsiteX1" fmla="*/ 2034074 w 3984171"/>
+                <a:gd name="connsiteY1" fmla="*/ 1464907 h 1464909"/>
+                <a:gd name="connsiteX2" fmla="*/ 3984171 w 3984171"/>
+                <a:gd name="connsiteY2" fmla="*/ 9331 h 1464909"/>
+                <a:gd name="connsiteX0" fmla="*/ 0 w 3984171"/>
+                <a:gd name="connsiteY0" fmla="*/ 0 h 1464909"/>
+                <a:gd name="connsiteX1" fmla="*/ 2034074 w 3984171"/>
+                <a:gd name="connsiteY1" fmla="*/ 1464907 h 1464909"/>
+                <a:gd name="connsiteX2" fmla="*/ 3984171 w 3984171"/>
+                <a:gd name="connsiteY2" fmla="*/ 9331 h 1464909"/>
+                <a:gd name="connsiteX0" fmla="*/ 0 w 3369713"/>
+                <a:gd name="connsiteY0" fmla="*/ 778945 h 1466766"/>
+                <a:gd name="connsiteX1" fmla="*/ 1419616 w 3369713"/>
+                <a:gd name="connsiteY1" fmla="*/ 1455576 h 1466766"/>
+                <a:gd name="connsiteX2" fmla="*/ 3369713 w 3369713"/>
+                <a:gd name="connsiteY2" fmla="*/ 0 h 1466766"/>
+                <a:gd name="connsiteX0" fmla="*/ 0 w 3369713"/>
+                <a:gd name="connsiteY0" fmla="*/ 778945 h 1455578"/>
+                <a:gd name="connsiteX1" fmla="*/ 1419616 w 3369713"/>
+                <a:gd name="connsiteY1" fmla="*/ 1455576 h 1455578"/>
+                <a:gd name="connsiteX2" fmla="*/ 3369713 w 3369713"/>
+                <a:gd name="connsiteY2" fmla="*/ 0 h 1455578"/>
+                <a:gd name="connsiteX0" fmla="*/ 0 w 3099351"/>
+                <a:gd name="connsiteY0" fmla="*/ 2019166 h 2695797"/>
+                <a:gd name="connsiteX1" fmla="*/ 1419616 w 3099351"/>
+                <a:gd name="connsiteY1" fmla="*/ 2695797 h 2695797"/>
+                <a:gd name="connsiteX2" fmla="*/ 3099351 w 3099351"/>
+                <a:gd name="connsiteY2" fmla="*/ 0 h 2695797"/>
+                <a:gd name="connsiteX0" fmla="*/ 0 w 3099351"/>
+                <a:gd name="connsiteY0" fmla="*/ 2019166 h 2695797"/>
+                <a:gd name="connsiteX1" fmla="*/ 1419616 w 3099351"/>
+                <a:gd name="connsiteY1" fmla="*/ 2695797 h 2695797"/>
+                <a:gd name="connsiteX2" fmla="*/ 3099351 w 3099351"/>
+                <a:gd name="connsiteY2" fmla="*/ 0 h 2695797"/>
+                <a:gd name="connsiteX0" fmla="*/ 0 w 3099351"/>
+                <a:gd name="connsiteY0" fmla="*/ 2019166 h 2695797"/>
+                <a:gd name="connsiteX1" fmla="*/ 1419616 w 3099351"/>
+                <a:gd name="connsiteY1" fmla="*/ 2695797 h 2695797"/>
+                <a:gd name="connsiteX2" fmla="*/ 3099351 w 3099351"/>
+                <a:gd name="connsiteY2" fmla="*/ 0 h 2695797"/>
+                <a:gd name="connsiteX0" fmla="*/ 0 w 2607785"/>
+                <a:gd name="connsiteY0" fmla="*/ 1241400 h 1918031"/>
+                <a:gd name="connsiteX1" fmla="*/ 1419616 w 2607785"/>
+                <a:gd name="connsiteY1" fmla="*/ 1918031 h 1918031"/>
+                <a:gd name="connsiteX2" fmla="*/ 2607785 w 2607785"/>
+                <a:gd name="connsiteY2" fmla="*/ 0 h 1918031"/>
+                <a:gd name="connsiteX0" fmla="*/ 0 w 2607785"/>
+                <a:gd name="connsiteY0" fmla="*/ 1241400 h 1918031"/>
+                <a:gd name="connsiteX1" fmla="*/ 1419616 w 2607785"/>
+                <a:gd name="connsiteY1" fmla="*/ 1918031 h 1918031"/>
+                <a:gd name="connsiteX2" fmla="*/ 2607785 w 2607785"/>
+                <a:gd name="connsiteY2" fmla="*/ 0 h 1918031"/>
+              </a:gdLst>
+              <a:ahLst/>
+              <a:cxnLst>
+                <a:cxn ang="0">
+                  <a:pos x="connsiteX0" y="connsiteY0"/>
+                </a:cxn>
+                <a:cxn ang="0">
+                  <a:pos x="connsiteX1" y="connsiteY1"/>
+                </a:cxn>
+                <a:cxn ang="0">
+                  <a:pos x="connsiteX2" y="connsiteY2"/>
+                </a:cxn>
+              </a:cxnLst>
+              <a:rect l="l" t="t" r="r" b="b"/>
+              <a:pathLst>
+                <a:path w="2607785" h="1918031">
+                  <a:moveTo>
+                    <a:pt x="0" y="1241400"/>
+                  </a:moveTo>
+                  <a:cubicBezTo>
+                    <a:pt x="172975" y="1539686"/>
+                    <a:pt x="755588" y="1916476"/>
+                    <a:pt x="1419616" y="1918031"/>
+                  </a:cubicBezTo>
+                  <a:cubicBezTo>
+                    <a:pt x="2194246" y="1856524"/>
+                    <a:pt x="2449260" y="837101"/>
+                    <a:pt x="2607785" y="0"/>
+                  </a:cubicBezTo>
+                </a:path>
+              </a:pathLst>
+            </a:custGeom>
+            <a:noFill/>
+            <a:ln w="25400">
+              <a:solidFill>
+                <a:schemeClr val="tx1"/>
+              </a:solidFill>
+            </a:ln>
+          </p:spPr>
+          <p:style>
+            <a:lnRef idx="2">
+              <a:schemeClr val="accent1">
+                <a:shade val="50000"/>
+              </a:schemeClr>
+            </a:lnRef>
+            <a:fillRef idx="1">
+              <a:schemeClr val="accent1"/>
+            </a:fillRef>
+            <a:effectRef idx="0">
+              <a:schemeClr val="accent1"/>
+            </a:effectRef>
+            <a:fontRef idx="minor">
+              <a:schemeClr val="lt1"/>
+            </a:fontRef>
+          </p:style>
+          <p:txBody>
+            <a:bodyPr rtlCol="0" anchor="ctr"/>
+            <a:lstStyle/>
+            <a:p>
+              <a:pPr marL="0" marR="0" lvl="0" indent="0" algn="ctr" defTabSz="914400" rtl="0" eaLnBrk="1" fontAlgn="auto" latinLnBrk="0" hangingPunct="1">
+                <a:lnSpc>
+                  <a:spcPct val="100000"/>
+                </a:lnSpc>
+                <a:spcBef>
+                  <a:spcPts val="0"/>
+                </a:spcBef>
+                <a:spcAft>
+                  <a:spcPts val="0"/>
+                </a:spcAft>
+                <a:buClrTx/>
+                <a:buSzTx/>
+                <a:buFontTx/>
+                <a:buNone/>
+                <a:tabLst/>
+                <a:defRPr/>
+              </a:pPr>
+              <a:endParaRPr kumimoji="0" lang="es-CO" sz="1800" b="0" i="0" u="none" strike="noStrike" kern="1200" cap="none" spc="0" normalizeH="0" baseline="0" noProof="0" dirty="0">
+                <a:ln>
+                  <a:noFill/>
+                </a:ln>
+                <a:solidFill>
+                  <a:prstClr val="white"/>
+                </a:solidFill>
+                <a:effectLst/>
+                <a:uLnTx/>
+                <a:uFillTx/>
+                <a:latin typeface="Calibri" panose="020F0502020204030204"/>
+                <a:ea typeface="+mn-ea"/>
+                <a:cs typeface="+mn-cs"/>
+              </a:endParaRPr>
+            </a:p>
+          </p:txBody>
+        </p:sp>
+        <p:sp>
+          <p:nvSpPr>
+            <p:cNvPr id="38" name="CuadroTexto 37">
+              <a:extLst>
+                <a:ext uri="{FF2B5EF4-FFF2-40B4-BE49-F238E27FC236}">
+                  <a16:creationId xmlns:a16="http://schemas.microsoft.com/office/drawing/2014/main" id="{47127A30-C4CE-1D9A-E482-03EF330BE1F3}"/>
+                </a:ext>
+              </a:extLst>
+            </p:cNvPr>
+            <p:cNvSpPr txBox="1"/>
+            <p:nvPr/>
+          </p:nvSpPr>
+          <p:spPr>
+            <a:xfrm>
+              <a:off x="2842805" y="4089038"/>
+              <a:ext cx="1417055" cy="369332"/>
+            </a:xfrm>
+            <a:prstGeom prst="rect">
+              <a:avLst/>
+            </a:prstGeom>
+            <a:noFill/>
+          </p:spPr>
+          <p:txBody>
+            <a:bodyPr wrap="none" rtlCol="0">
+              <a:spAutoFit/>
+            </a:bodyPr>
+            <a:lstStyle/>
+            <a:p>
+              <a:r>
+                <a:rPr lang="es-CO" dirty="0"/>
+                <a:t>Mínimo local</a:t>
+              </a:r>
+            </a:p>
+          </p:txBody>
+        </p:sp>
+        <p:sp>
+          <p:nvSpPr>
+            <p:cNvPr id="39" name="CuadroTexto 38">
+              <a:extLst>
+                <a:ext uri="{FF2B5EF4-FFF2-40B4-BE49-F238E27FC236}">
+                  <a16:creationId xmlns:a16="http://schemas.microsoft.com/office/drawing/2014/main" id="{309B4F1F-6801-E03C-075D-9496BC46D143}"/>
+                </a:ext>
+              </a:extLst>
+            </p:cNvPr>
+            <p:cNvSpPr txBox="1"/>
+            <p:nvPr/>
+          </p:nvSpPr>
+          <p:spPr>
+            <a:xfrm>
+              <a:off x="8626788" y="2945304"/>
+              <a:ext cx="1417055" cy="369332"/>
+            </a:xfrm>
+            <a:prstGeom prst="rect">
+              <a:avLst/>
+            </a:prstGeom>
+            <a:noFill/>
+          </p:spPr>
+          <p:txBody>
+            <a:bodyPr wrap="none" rtlCol="0">
+              <a:spAutoFit/>
+            </a:bodyPr>
+            <a:lstStyle/>
+            <a:p>
+              <a:r>
+                <a:rPr lang="es-CO" dirty="0"/>
+                <a:t>Mínimo local</a:t>
+              </a:r>
+            </a:p>
+          </p:txBody>
+        </p:sp>
+        <p:sp>
+          <p:nvSpPr>
+            <p:cNvPr id="40" name="CuadroTexto 39">
+              <a:extLst>
+                <a:ext uri="{FF2B5EF4-FFF2-40B4-BE49-F238E27FC236}">
+                  <a16:creationId xmlns:a16="http://schemas.microsoft.com/office/drawing/2014/main" id="{B3F9AA79-8065-356A-45B0-6C4CDDE33A6F}"/>
+                </a:ext>
+              </a:extLst>
+            </p:cNvPr>
+            <p:cNvSpPr txBox="1"/>
+            <p:nvPr/>
+          </p:nvSpPr>
+          <p:spPr>
+            <a:xfrm>
+              <a:off x="6160679" y="738272"/>
+              <a:ext cx="1435778" cy="369332"/>
+            </a:xfrm>
+            <a:prstGeom prst="rect">
+              <a:avLst/>
+            </a:prstGeom>
+            <a:noFill/>
+          </p:spPr>
+          <p:txBody>
+            <a:bodyPr wrap="none" rtlCol="0">
+              <a:spAutoFit/>
+            </a:bodyPr>
+            <a:lstStyle/>
+            <a:p>
+              <a:r>
+                <a:rPr lang="es-CO" dirty="0"/>
+                <a:t>Máximo local</a:t>
+              </a:r>
+            </a:p>
+          </p:txBody>
+        </p:sp>
+      </p:grpSp>
+    </p:spTree>
+    <p:extLst>
+      <p:ext uri="{BB962C8B-B14F-4D97-AF65-F5344CB8AC3E}">
+        <p14:creationId xmlns:p14="http://schemas.microsoft.com/office/powerpoint/2010/main" val="1359215036"/>
+      </p:ext>
+    </p:extLst>
+  </p:cSld>
+  <p:clrMapOvr>
+    <a:masterClrMapping/>
+  </p:clrMapOvr>
+</p:sld>
+</file>
+
+<file path=ppt/slides/slide9.xml><?xml version="1.0" encoding="utf-8"?>
+<p:sld xmlns:a="http://schemas.openxmlformats.org/drawingml/2006/main" xmlns:r="http://schemas.openxmlformats.org/officeDocument/2006/relationships" xmlns:p="http://schemas.openxmlformats.org/presentationml/2006/main">
+  <p:cSld>
+    <p:spTree>
+      <p:nvGrpSpPr>
+        <p:cNvPr id="1" name=""/>
+        <p:cNvGrpSpPr/>
+        <p:nvPr/>
+      </p:nvGrpSpPr>
+      <p:grpSpPr>
+        <a:xfrm>
+          <a:off x="0" y="0"/>
+          <a:ext cx="0" cy="0"/>
+          <a:chOff x="0" y="0"/>
+          <a:chExt cx="0" cy="0"/>
+        </a:xfrm>
+      </p:grpSpPr>
+      <p:cxnSp>
+        <p:nvCxnSpPr>
+          <p:cNvPr id="5" name="Conector recto de flecha 4">
+            <a:extLst>
+              <a:ext uri="{FF2B5EF4-FFF2-40B4-BE49-F238E27FC236}">
+                <a16:creationId xmlns:a16="http://schemas.microsoft.com/office/drawing/2014/main" id="{A566F85F-84AB-EB48-89B6-73ADB3E22D79}"/>
+              </a:ext>
+            </a:extLst>
+          </p:cNvPr>
+          <p:cNvCxnSpPr>
+            <a:cxnSpLocks/>
+          </p:cNvCxnSpPr>
+          <p:nvPr/>
+        </p:nvCxnSpPr>
+        <p:spPr>
+          <a:xfrm flipV="1">
+            <a:off x="4057489" y="2397512"/>
+            <a:ext cx="0" cy="2174926"/>
+          </a:xfrm>
+          <a:prstGeom prst="straightConnector1">
+            <a:avLst/>
+          </a:prstGeom>
+          <a:ln w="15875">
+            <a:solidFill>
+              <a:schemeClr val="tx1"/>
+            </a:solidFill>
+            <a:tailEnd type="stealth"/>
+          </a:ln>
+        </p:spPr>
+        <p:style>
+          <a:lnRef idx="1">
+            <a:schemeClr val="accent1"/>
+          </a:lnRef>
+          <a:fillRef idx="0">
+            <a:schemeClr val="accent1"/>
+          </a:fillRef>
+          <a:effectRef idx="0">
+            <a:schemeClr val="accent1"/>
+          </a:effectRef>
+          <a:fontRef idx="minor">
+            <a:schemeClr val="tx1"/>
+          </a:fontRef>
+        </p:style>
+      </p:cxnSp>
+      <p:cxnSp>
+        <p:nvCxnSpPr>
+          <p:cNvPr id="6" name="Conector recto de flecha 5">
+            <a:extLst>
+              <a:ext uri="{FF2B5EF4-FFF2-40B4-BE49-F238E27FC236}">
+                <a16:creationId xmlns:a16="http://schemas.microsoft.com/office/drawing/2014/main" id="{2ADD708A-75EF-8742-B902-195864F7A382}"/>
+              </a:ext>
+            </a:extLst>
+          </p:cNvPr>
+          <p:cNvCxnSpPr>
+            <a:cxnSpLocks/>
+          </p:cNvCxnSpPr>
+          <p:nvPr/>
+        </p:nvCxnSpPr>
+        <p:spPr>
+          <a:xfrm>
+            <a:off x="3876257" y="4391205"/>
+            <a:ext cx="4232118" cy="0"/>
+          </a:xfrm>
+          <a:prstGeom prst="straightConnector1">
+            <a:avLst/>
+          </a:prstGeom>
+          <a:ln w="15875">
+            <a:solidFill>
+              <a:schemeClr val="tx1"/>
+            </a:solidFill>
+            <a:tailEnd type="stealth"/>
+          </a:ln>
+        </p:spPr>
+        <p:style>
+          <a:lnRef idx="1">
+            <a:schemeClr val="accent1"/>
+          </a:lnRef>
+          <a:fillRef idx="0">
+            <a:schemeClr val="accent1"/>
+          </a:fillRef>
+          <a:effectRef idx="0">
+            <a:schemeClr val="accent1"/>
+          </a:effectRef>
+          <a:fontRef idx="minor">
+            <a:schemeClr val="tx1"/>
+          </a:fontRef>
+        </p:style>
+      </p:cxnSp>
+      <mc:AlternateContent xmlns:mc="http://schemas.openxmlformats.org/markup-compatibility/2006">
+        <mc:Choice xmlns:a14="http://schemas.microsoft.com/office/drawing/2010/main" Requires="a14">
+          <p:sp>
+            <p:nvSpPr>
+              <p:cNvPr id="17" name="CuadroTexto 16">
+                <a:extLst>
+                  <a:ext uri="{FF2B5EF4-FFF2-40B4-BE49-F238E27FC236}">
+                    <a16:creationId xmlns:a16="http://schemas.microsoft.com/office/drawing/2014/main" id="{6ACBEAF1-4D06-B046-B521-86EE34638994}"/>
+                  </a:ext>
+                </a:extLst>
+              </p:cNvPr>
+              <p:cNvSpPr txBox="1"/>
+              <p:nvPr/>
+            </p:nvSpPr>
+            <p:spPr>
+              <a:xfrm>
+                <a:off x="7669701" y="2976705"/>
+                <a:ext cx="926857" cy="369332"/>
+              </a:xfrm>
+              <a:prstGeom prst="rect">
+                <a:avLst/>
+              </a:prstGeom>
+              <a:noFill/>
+            </p:spPr>
+            <p:txBody>
+              <a:bodyPr wrap="none" rtlCol="0">
+                <a:spAutoFit/>
+              </a:bodyPr>
+              <a:lstStyle/>
+              <a:p>
+                <a:pPr/>
+                <a14:m>
+                  <m:oMathPara xmlns:m="http://schemas.openxmlformats.org/officeDocument/2006/math">
+                    <m:oMathParaPr>
+                      <m:jc m:val="centerGroup"/>
+                    </m:oMathParaPr>
+                    <m:oMath xmlns:m="http://schemas.openxmlformats.org/officeDocument/2006/math">
+                      <m:sSub>
+                        <m:sSubPr>
+                          <m:ctrlPr>
+                            <a:rPr lang="es-ES" b="0" i="1" smtClean="0">
+                              <a:latin typeface="Cambria Math" panose="02040503050406030204" pitchFamily="18" charset="0"/>
+                            </a:rPr>
+                          </m:ctrlPr>
+                        </m:sSubPr>
+                        <m:e>
+                          <m:r>
+                            <a:rPr lang="es-ES" b="0" i="1" smtClean="0">
+                              <a:latin typeface="Cambria Math" panose="02040503050406030204" pitchFamily="18" charset="0"/>
+                            </a:rPr>
+                            <m:t>𝑦</m:t>
+                          </m:r>
+                        </m:e>
+                        <m:sub>
+                          <m:r>
+                            <a:rPr lang="es-ES" b="0" i="1" smtClean="0">
+                              <a:latin typeface="Cambria Math" panose="02040503050406030204" pitchFamily="18" charset="0"/>
+                            </a:rPr>
+                            <m:t>𝑘</m:t>
+                          </m:r>
+                        </m:sub>
+                      </m:sSub>
+                      <m:r>
+                        <a:rPr lang="es-ES" b="0" i="1" smtClean="0">
+                          <a:latin typeface="Cambria Math" panose="02040503050406030204" pitchFamily="18" charset="0"/>
+                        </a:rPr>
+                        <m:t>=</m:t>
+                      </m:r>
+                      <m:r>
+                        <a:rPr lang="es-ES" b="0" i="1" smtClean="0">
+                          <a:latin typeface="Cambria Math" panose="02040503050406030204" pitchFamily="18" charset="0"/>
+                        </a:rPr>
+                        <m:t>𝐶</m:t>
+                      </m:r>
+                    </m:oMath>
+                  </m:oMathPara>
+                </a14:m>
+                <a:endParaRPr lang="es-CO" dirty="0"/>
+              </a:p>
+            </p:txBody>
+          </p:sp>
+        </mc:Choice>
+        <mc:Fallback>
+          <p:sp>
+            <p:nvSpPr>
+              <p:cNvPr id="17" name="CuadroTexto 16">
+                <a:extLst>
+                  <a:ext uri="{FF2B5EF4-FFF2-40B4-BE49-F238E27FC236}">
+                    <a16:creationId xmlns:a16="http://schemas.microsoft.com/office/drawing/2014/main" id="{6ACBEAF1-4D06-B046-B521-86EE34638994}"/>
+                  </a:ext>
+                </a:extLst>
+              </p:cNvPr>
+              <p:cNvSpPr txBox="1">
+                <a:spLocks noRot="1" noChangeAspect="1" noMove="1" noResize="1" noEditPoints="1" noAdjustHandles="1" noChangeArrowheads="1" noChangeShapeType="1" noTextEdit="1"/>
+              </p:cNvSpPr>
+              <p:nvPr/>
+            </p:nvSpPr>
+            <p:spPr>
+              <a:xfrm>
+                <a:off x="7669701" y="2976705"/>
+                <a:ext cx="926857" cy="369332"/>
+              </a:xfrm>
+              <a:prstGeom prst="rect">
+                <a:avLst/>
+              </a:prstGeom>
+              <a:blipFill>
+                <a:blip r:embed="rId2"/>
+                <a:stretch>
+                  <a:fillRect b="-6667"/>
+                </a:stretch>
+              </a:blipFill>
+            </p:spPr>
+            <p:txBody>
+              <a:bodyPr/>
+              <a:lstStyle/>
+              <a:p>
+                <a:r>
+                  <a:rPr lang="es-CO">
+                    <a:noFill/>
+                  </a:rPr>
+                  <a:t> </a:t>
+                </a:r>
+              </a:p>
+            </p:txBody>
+          </p:sp>
+        </mc:Fallback>
+      </mc:AlternateContent>
+      <p:cxnSp>
+        <p:nvCxnSpPr>
+          <p:cNvPr id="3" name="Conector recto 2">
+            <a:extLst>
+              <a:ext uri="{FF2B5EF4-FFF2-40B4-BE49-F238E27FC236}">
+                <a16:creationId xmlns:a16="http://schemas.microsoft.com/office/drawing/2014/main" id="{8256C2B1-85BB-EAB8-BBCD-1D0782A44136}"/>
+              </a:ext>
+            </a:extLst>
+          </p:cNvPr>
+          <p:cNvCxnSpPr/>
+          <p:nvPr/>
+        </p:nvCxnSpPr>
+        <p:spPr>
+          <a:xfrm>
+            <a:off x="3901518" y="3172521"/>
+            <a:ext cx="3654641" cy="0"/>
+          </a:xfrm>
+          <a:prstGeom prst="line">
+            <a:avLst/>
+          </a:prstGeom>
+          <a:ln w="25400">
+            <a:solidFill>
+              <a:schemeClr val="tx1"/>
+            </a:solidFill>
+          </a:ln>
+        </p:spPr>
+        <p:style>
+          <a:lnRef idx="1">
+            <a:schemeClr val="accent1"/>
+          </a:lnRef>
+          <a:fillRef idx="0">
+            <a:schemeClr val="accent1"/>
+          </a:fillRef>
+          <a:effectRef idx="0">
+            <a:schemeClr val="accent1"/>
+          </a:effectRef>
+          <a:fontRef idx="minor">
+            <a:schemeClr val="tx1"/>
+          </a:fontRef>
+        </p:style>
+      </p:cxnSp>
+    </p:spTree>
+    <p:extLst>
+      <p:ext uri="{BB962C8B-B14F-4D97-AF65-F5344CB8AC3E}">
+        <p14:creationId xmlns:p14="http://schemas.microsoft.com/office/powerpoint/2010/main" val="2012761661"/>
       </p:ext>
     </p:extLst>
   </p:cSld>
